--- a/00. Introduction/PPT Personal .pptx
+++ b/00. Introduction/PPT Personal .pptx
@@ -2935,7 +2935,7 @@
         </p:spPr>
         <p:txBody>
           <a:bodyPr vert="horz" lIns="91440" tIns="45720" rIns="91440" bIns="45720" rtlCol="0">
-            <a:normAutofit fontScale="92500"/>
+            <a:normAutofit fontScale="92500" lnSpcReduction="20000"/>
           </a:bodyPr>
           <a:lstStyle>
             <a:lvl1pPr marL="0" indent="0" algn="ctr" defTabSz="685800" rtl="0" eaLnBrk="1" latinLnBrk="0" hangingPunct="1">
@@ -3199,21 +3199,28 @@
                 <a:latin typeface="Segoe UI" panose="020B0502040204020203" pitchFamily="34" charset="0"/>
                 <a:cs typeface="Segoe UI" panose="020B0502040204020203" pitchFamily="34" charset="0"/>
               </a:rPr>
-              <a:t>Open Source Contributor | GSSOC Participant</a:t>
+              <a:t>Trainer |Open Source Contributor | GSSOC Participant</a:t>
             </a:r>
           </a:p>
           <a:p>
             <a:pPr algn="l"/>
             <a:r>
-              <a:rPr lang="en-US" sz="2000" dirty="0">
+              <a:rPr lang="en-US" sz="2000">
                 <a:solidFill>
                   <a:schemeClr val="bg1"/>
                 </a:solidFill>
                 <a:latin typeface="Segoe UI" panose="020B0502040204020203" pitchFamily="34" charset="0"/>
                 <a:cs typeface="Segoe UI" panose="020B0502040204020203" pitchFamily="34" charset="0"/>
               </a:rPr>
-              <a:t> </a:t>
-            </a:r>
+              <a:t> git add</a:t>
+            </a:r>
+            <a:endParaRPr lang="en-US" sz="2000" dirty="0">
+              <a:solidFill>
+                <a:schemeClr val="bg1"/>
+              </a:solidFill>
+              <a:latin typeface="Segoe UI" panose="020B0502040204020203" pitchFamily="34" charset="0"/>
+              <a:cs typeface="Segoe UI" panose="020B0502040204020203" pitchFamily="34" charset="0"/>
+            </a:endParaRPr>
           </a:p>
         </p:txBody>
       </p:sp>

--- a/00. Introduction/PPT Personal .pptx
+++ b/00. Introduction/PPT Personal .pptx
@@ -5,21 +5,22 @@
     <p:sldMasterId id="2147483675" r:id="rId4"/>
   </p:sldMasterIdLst>
   <p:notesMasterIdLst>
-    <p:notesMasterId r:id="rId17"/>
+    <p:notesMasterId r:id="rId18"/>
   </p:notesMasterIdLst>
   <p:sldIdLst>
     <p:sldId id="2177" r:id="rId5"/>
     <p:sldId id="2180" r:id="rId6"/>
-    <p:sldId id="2256" r:id="rId7"/>
+    <p:sldId id="2259" r:id="rId7"/>
     <p:sldId id="266" r:id="rId8"/>
     <p:sldId id="257" r:id="rId9"/>
     <p:sldId id="2253" r:id="rId10"/>
     <p:sldId id="2249" r:id="rId11"/>
     <p:sldId id="2248" r:id="rId12"/>
-    <p:sldId id="2251" r:id="rId13"/>
-    <p:sldId id="2247" r:id="rId14"/>
-    <p:sldId id="2254" r:id="rId15"/>
+    <p:sldId id="2247" r:id="rId13"/>
+    <p:sldId id="2254" r:id="rId14"/>
+    <p:sldId id="2257" r:id="rId15"/>
     <p:sldId id="2192" r:id="rId16"/>
+    <p:sldId id="2258" r:id="rId17"/>
   </p:sldIdLst>
   <p:sldSz cx="9144000" cy="5143500" type="screen16x9"/>
   <p:notesSz cx="6858000" cy="9144000"/>
@@ -244,7 +245,7 @@
           <a:p>
             <a:fld id="{AD890F14-D9B7-42F0-8464-D3AF2629EBA3}" type="datetimeFigureOut">
               <a:rPr lang="en-US" smtClean="0"/>
-              <a:t>3/18/2021</a:t>
+              <a:t>3/19/2021</a:t>
             </a:fld>
             <a:endParaRPr lang="en-US"/>
           </a:p>
@@ -753,7 +754,7 @@
     </p:spTree>
     <p:extLst>
       <p:ext uri="{BB962C8B-B14F-4D97-AF65-F5344CB8AC3E}">
-        <p14:creationId xmlns:p14="http://schemas.microsoft.com/office/powerpoint/2010/main" val="526924413"/>
+        <p14:creationId xmlns:p14="http://schemas.microsoft.com/office/powerpoint/2010/main" val="572013925"/>
       </p:ext>
     </p:extLst>
   </p:cSld>
@@ -1034,7 +1035,7 @@
           <a:p>
             <a:fld id="{4079FD93-08D1-3D47-8B88-9F159745C9D8}" type="datetimeFigureOut">
               <a:rPr lang="en-US" smtClean="0"/>
-              <a:t>3/18/2021</a:t>
+              <a:t>3/19/2021</a:t>
             </a:fld>
             <a:endParaRPr lang="en-US"/>
           </a:p>
@@ -1414,7 +1415,7 @@
                 <a:latin typeface="Segoe UI"/>
               </a:rPr>
               <a:pPr/>
-              <a:t>3/18/2021</a:t>
+              <a:t>3/19/2021</a:t>
             </a:fld>
             <a:endParaRPr lang="en-US">
               <a:solidFill>
@@ -1580,7 +1581,7 @@
                 <a:latin typeface="Segoe UI"/>
               </a:rPr>
               <a:pPr/>
-              <a:t>3/18/2021</a:t>
+              <a:t>3/19/2021</a:t>
             </a:fld>
             <a:endParaRPr lang="en-US">
               <a:solidFill>
@@ -1858,7 +1859,7 @@
                 <a:latin typeface="Segoe UI"/>
               </a:rPr>
               <a:pPr/>
-              <a:t>3/18/2021</a:t>
+              <a:t>3/19/2021</a:t>
             </a:fld>
             <a:endParaRPr lang="en-US">
               <a:solidFill>
@@ -2121,7 +2122,7 @@
           <a:p>
             <a:fld id="{4079FD93-08D1-3D47-8B88-9F159745C9D8}" type="datetimeFigureOut">
               <a:rPr lang="en-US" smtClean="0"/>
-              <a:t>3/18/2021</a:t>
+              <a:t>3/19/2021</a:t>
             </a:fld>
             <a:endParaRPr lang="en-US"/>
           </a:p>
@@ -2774,8 +2775,8 @@
         </p:nvSpPr>
         <p:spPr>
           <a:xfrm>
-            <a:off x="254714" y="345370"/>
-            <a:ext cx="5811272" cy="4521200"/>
+            <a:off x="118001" y="0"/>
+            <a:ext cx="5811272" cy="5143500"/>
           </a:xfrm>
           <a:prstGeom prst="rect">
             <a:avLst/>
@@ -2825,7 +2826,7 @@
         </p:nvSpPr>
         <p:spPr>
           <a:xfrm>
-            <a:off x="277681" y="404969"/>
+            <a:off x="146632" y="-385079"/>
             <a:ext cx="4463288" cy="2253233"/>
           </a:xfrm>
           <a:prstGeom prst="rect">
@@ -2926,8 +2927,8 @@
         </p:nvSpPr>
         <p:spPr>
           <a:xfrm>
-            <a:off x="164226" y="2800889"/>
-            <a:ext cx="5548084" cy="2104465"/>
+            <a:off x="164226" y="2253233"/>
+            <a:ext cx="5548084" cy="2652121"/>
           </a:xfrm>
           <a:prstGeom prst="rect">
             <a:avLst/>
@@ -2935,7 +2936,7 @@
         </p:spPr>
         <p:txBody>
           <a:bodyPr vert="horz" lIns="91440" tIns="45720" rIns="91440" bIns="45720" rtlCol="0">
-            <a:normAutofit fontScale="92500" lnSpcReduction="20000"/>
+            <a:normAutofit fontScale="25000" lnSpcReduction="20000"/>
           </a:bodyPr>
           <a:lstStyle>
             <a:lvl1pPr marL="0" indent="0" algn="ctr" defTabSz="685800" rtl="0" eaLnBrk="1" latinLnBrk="0" hangingPunct="1">
@@ -3102,10 +3103,105 @@
             </a:lvl9pPr>
           </a:lstStyle>
           <a:p>
-            <a:pPr marL="342900" indent="-342900" algn="l">
-              <a:buFont typeface="Arial" panose="020B0604020202020204" pitchFamily="34" charset="0"/>
-              <a:buChar char="•"/>
+            <a:pPr algn="l">
+              <a:lnSpc>
+                <a:spcPct val="170000"/>
+              </a:lnSpc>
             </a:pPr>
+            <a:r>
+              <a:rPr lang="en-US" sz="8000" dirty="0">
+                <a:solidFill>
+                  <a:schemeClr val="bg1"/>
+                </a:solidFill>
+                <a:latin typeface="Segoe UI" panose="020B0502040204020203" pitchFamily="34" charset="0"/>
+                <a:cs typeface="Segoe UI" panose="020B0502040204020203" pitchFamily="34" charset="0"/>
+              </a:rPr>
+              <a:t>Just a Student at UEMK</a:t>
+            </a:r>
+          </a:p>
+          <a:p>
+            <a:pPr algn="l">
+              <a:lnSpc>
+                <a:spcPct val="170000"/>
+              </a:lnSpc>
+            </a:pPr>
+            <a:r>
+              <a:rPr lang="en-US" sz="8000" dirty="0" err="1">
+                <a:solidFill>
+                  <a:schemeClr val="bg1"/>
+                </a:solidFill>
+                <a:latin typeface="Segoe UI" panose="020B0502040204020203" pitchFamily="34" charset="0"/>
+                <a:cs typeface="Segoe UI" panose="020B0502040204020203" pitchFamily="34" charset="0"/>
+              </a:rPr>
+              <a:t>Trainer@IEMLABS</a:t>
+            </a:r>
+            <a:r>
+              <a:rPr lang="en-US" sz="8000" dirty="0">
+                <a:solidFill>
+                  <a:schemeClr val="bg1"/>
+                </a:solidFill>
+                <a:latin typeface="Segoe UI" panose="020B0502040204020203" pitchFamily="34" charset="0"/>
+                <a:cs typeface="Segoe UI" panose="020B0502040204020203" pitchFamily="34" charset="0"/>
+              </a:rPr>
+              <a:t> | SDE Intern @Aberrantz</a:t>
+            </a:r>
+          </a:p>
+          <a:p>
+            <a:pPr algn="l">
+              <a:lnSpc>
+                <a:spcPct val="170000"/>
+              </a:lnSpc>
+            </a:pPr>
+            <a:r>
+              <a:rPr lang="en-US" sz="8000" dirty="0">
+                <a:solidFill>
+                  <a:schemeClr val="bg1"/>
+                </a:solidFill>
+                <a:latin typeface="Segoe UI" panose="020B0502040204020203" pitchFamily="34" charset="0"/>
+                <a:cs typeface="Segoe UI" panose="020B0502040204020203" pitchFamily="34" charset="0"/>
+              </a:rPr>
+              <a:t>Ex-Full Stack Web </a:t>
+            </a:r>
+            <a:r>
+              <a:rPr lang="en-US" sz="8000" dirty="0" err="1">
+                <a:solidFill>
+                  <a:schemeClr val="bg1"/>
+                </a:solidFill>
+                <a:latin typeface="Segoe UI" panose="020B0502040204020203" pitchFamily="34" charset="0"/>
+                <a:cs typeface="Segoe UI" panose="020B0502040204020203" pitchFamily="34" charset="0"/>
+              </a:rPr>
+              <a:t>Developer@Quordnet</a:t>
+            </a:r>
+            <a:r>
+              <a:rPr lang="en-US" sz="8000" dirty="0">
+                <a:solidFill>
+                  <a:schemeClr val="bg1"/>
+                </a:solidFill>
+                <a:latin typeface="Segoe UI" panose="020B0502040204020203" pitchFamily="34" charset="0"/>
+                <a:cs typeface="Segoe UI" panose="020B0502040204020203" pitchFamily="34" charset="0"/>
+              </a:rPr>
+              <a:t>  Academy | SWE Freelancer @OYO</a:t>
+            </a:r>
+          </a:p>
+          <a:p>
+            <a:pPr algn="l">
+              <a:lnSpc>
+                <a:spcPct val="170000"/>
+              </a:lnSpc>
+            </a:pPr>
+            <a:r>
+              <a:rPr lang="en-US" sz="8000" dirty="0">
+                <a:solidFill>
+                  <a:schemeClr val="bg1"/>
+                </a:solidFill>
+                <a:latin typeface="Segoe UI" panose="020B0502040204020203" pitchFamily="34" charset="0"/>
+                <a:cs typeface="Segoe UI" panose="020B0502040204020203" pitchFamily="34" charset="0"/>
+              </a:rPr>
+              <a:t>Open Source Contributor</a:t>
+            </a:r>
+          </a:p>
+          <a:p>
+            <a:pPr algn="l"/>
             <a:r>
               <a:rPr lang="en-US" sz="2000" dirty="0">
                 <a:solidFill>
@@ -3114,113 +3210,8 @@
                 <a:latin typeface="Segoe UI" panose="020B0502040204020203" pitchFamily="34" charset="0"/>
                 <a:cs typeface="Segoe UI" panose="020B0502040204020203" pitchFamily="34" charset="0"/>
               </a:rPr>
-              <a:t>Just a Student at UEMK</a:t>
-            </a:r>
-          </a:p>
-          <a:p>
-            <a:pPr marL="342900" indent="-342900" algn="l">
-              <a:buFont typeface="Arial" panose="020B0604020202020204" pitchFamily="34" charset="0"/>
-              <a:buChar char="•"/>
-            </a:pPr>
-            <a:r>
-              <a:rPr lang="en-US" sz="2000" dirty="0">
-                <a:solidFill>
-                  <a:schemeClr val="bg1"/>
-                </a:solidFill>
-                <a:latin typeface="Segoe UI" panose="020B0502040204020203" pitchFamily="34" charset="0"/>
-                <a:cs typeface="Segoe UI" panose="020B0502040204020203" pitchFamily="34" charset="0"/>
-              </a:rPr>
-              <a:t>SDE Intern @ </a:t>
-            </a:r>
-            <a:r>
-              <a:rPr lang="en-US" sz="2000" dirty="0" err="1">
-                <a:solidFill>
-                  <a:schemeClr val="bg1"/>
-                </a:solidFill>
-                <a:latin typeface="Segoe UI" panose="020B0502040204020203" pitchFamily="34" charset="0"/>
-                <a:cs typeface="Segoe UI" panose="020B0502040204020203" pitchFamily="34" charset="0"/>
-              </a:rPr>
-              <a:t>Aberrantz</a:t>
-            </a:r>
-            <a:endParaRPr lang="en-US" sz="2000" dirty="0">
-              <a:solidFill>
-                <a:schemeClr val="bg1"/>
-              </a:solidFill>
-              <a:latin typeface="Segoe UI" panose="020B0502040204020203" pitchFamily="34" charset="0"/>
-              <a:cs typeface="Segoe UI" panose="020B0502040204020203" pitchFamily="34" charset="0"/>
-            </a:endParaRPr>
-          </a:p>
-          <a:p>
-            <a:pPr marL="342900" indent="-342900" algn="l">
-              <a:buFont typeface="Arial" panose="020B0604020202020204" pitchFamily="34" charset="0"/>
-              <a:buChar char="•"/>
-            </a:pPr>
-            <a:r>
-              <a:rPr lang="en-US" sz="2000" dirty="0">
-                <a:solidFill>
-                  <a:schemeClr val="bg1"/>
-                </a:solidFill>
-                <a:latin typeface="Segoe UI" panose="020B0502040204020203" pitchFamily="34" charset="0"/>
-                <a:cs typeface="Segoe UI" panose="020B0502040204020203" pitchFamily="34" charset="0"/>
-              </a:rPr>
-              <a:t>Ex-Full Stack Web Developer@ </a:t>
-            </a:r>
-            <a:r>
-              <a:rPr lang="en-US" sz="2000" dirty="0" err="1">
-                <a:solidFill>
-                  <a:schemeClr val="bg1"/>
-                </a:solidFill>
-                <a:latin typeface="Segoe UI" panose="020B0502040204020203" pitchFamily="34" charset="0"/>
-                <a:cs typeface="Segoe UI" panose="020B0502040204020203" pitchFamily="34" charset="0"/>
-              </a:rPr>
-              <a:t>Quordnet</a:t>
-            </a:r>
-            <a:r>
-              <a:rPr lang="en-US" sz="2000" dirty="0">
-                <a:solidFill>
-                  <a:schemeClr val="bg1"/>
-                </a:solidFill>
-                <a:latin typeface="Segoe UI" panose="020B0502040204020203" pitchFamily="34" charset="0"/>
-                <a:cs typeface="Segoe UI" panose="020B0502040204020203" pitchFamily="34" charset="0"/>
-              </a:rPr>
-              <a:t> Academy | SWE Freelancer @ OYO</a:t>
-            </a:r>
-          </a:p>
-          <a:p>
-            <a:pPr marL="342900" indent="-342900" algn="l">
-              <a:buFont typeface="Arial" panose="020B0604020202020204" pitchFamily="34" charset="0"/>
-              <a:buChar char="•"/>
-            </a:pPr>
-            <a:r>
-              <a:rPr lang="en-US" sz="2000" dirty="0">
-                <a:solidFill>
-                  <a:schemeClr val="bg1"/>
-                </a:solidFill>
-                <a:latin typeface="Segoe UI" panose="020B0502040204020203" pitchFamily="34" charset="0"/>
-                <a:cs typeface="Segoe UI" panose="020B0502040204020203" pitchFamily="34" charset="0"/>
-              </a:rPr>
-              <a:t>Trainer |Open Source Contributor | GSSOC Participant</a:t>
-            </a:r>
-          </a:p>
-          <a:p>
-            <a:pPr algn="l"/>
-            <a:r>
-              <a:rPr lang="en-US" sz="2000">
-                <a:solidFill>
-                  <a:schemeClr val="bg1"/>
-                </a:solidFill>
-                <a:latin typeface="Segoe UI" panose="020B0502040204020203" pitchFamily="34" charset="0"/>
-                <a:cs typeface="Segoe UI" panose="020B0502040204020203" pitchFamily="34" charset="0"/>
-              </a:rPr>
-              <a:t> git add</a:t>
-            </a:r>
-            <a:endParaRPr lang="en-US" sz="2000" dirty="0">
-              <a:solidFill>
-                <a:schemeClr val="bg1"/>
-              </a:solidFill>
-              <a:latin typeface="Segoe UI" panose="020B0502040204020203" pitchFamily="34" charset="0"/>
-              <a:cs typeface="Segoe UI" panose="020B0502040204020203" pitchFamily="34" charset="0"/>
-            </a:endParaRPr>
+              <a:t> </a:t>
+            </a:r>
           </a:p>
         </p:txBody>
       </p:sp>
@@ -4009,53 +4000,6 @@
           </a:p>
         </p:txBody>
       </p:sp>
-      <p:pic>
-        <p:nvPicPr>
-          <p:cNvPr id="5122" name="Picture 2" descr="React vs Angular vs Vue.js — What to choose in 2020? (updated in 2020) | by  TechMagic | TechMagic | Medium">
-            <a:extLst>
-              <a:ext uri="{FF2B5EF4-FFF2-40B4-BE49-F238E27FC236}">
-                <a16:creationId xmlns:a16="http://schemas.microsoft.com/office/drawing/2014/main" id="{60060520-B4D1-46D6-9F80-1307E2119405}"/>
-              </a:ext>
-            </a:extLst>
-          </p:cNvPr>
-          <p:cNvPicPr>
-            <a:picLocks noChangeAspect="1" noChangeArrowheads="1"/>
-          </p:cNvPicPr>
-          <p:nvPr/>
-        </p:nvPicPr>
-        <p:blipFill>
-          <a:blip r:embed="rId2">
-            <a:extLst>
-              <a:ext uri="{28A0092B-C50C-407E-A947-70E740481C1C}">
-                <a14:useLocalDpi xmlns:a14="http://schemas.microsoft.com/office/drawing/2010/main" val="0"/>
-              </a:ext>
-            </a:extLst>
-          </a:blip>
-          <a:srcRect/>
-          <a:stretch>
-            <a:fillRect/>
-          </a:stretch>
-        </p:blipFill>
-        <p:spPr bwMode="auto">
-          <a:xfrm>
-            <a:off x="872787" y="661503"/>
-            <a:ext cx="6870552" cy="4248204"/>
-          </a:xfrm>
-          <a:prstGeom prst="rect">
-            <a:avLst/>
-          </a:prstGeom>
-          <a:noFill/>
-          <a:extLst>
-            <a:ext uri="{909E8E84-426E-40DD-AFC4-6F175D3DCCD1}">
-              <a14:hiddenFill xmlns:a14="http://schemas.microsoft.com/office/drawing/2010/main">
-                <a:solidFill>
-                  <a:srgbClr val="FFFFFF"/>
-                </a:solidFill>
-              </a14:hiddenFill>
-            </a:ext>
-          </a:extLst>
-        </p:spPr>
-      </p:pic>
       <p:sp>
         <p:nvSpPr>
           <p:cNvPr id="10" name="object 2">
@@ -4101,7 +4045,7 @@
                   <a:schemeClr val="bg1"/>
                 </a:solidFill>
               </a:rPr>
-              <a:t>Frontend Market Trend</a:t>
+              <a:t>Backend Market Trend</a:t>
             </a:r>
             <a:endParaRPr spc="-4" dirty="0">
               <a:solidFill>
@@ -4111,10 +4055,52 @@
           </a:p>
         </p:txBody>
       </p:sp>
+      <p:pic>
+        <p:nvPicPr>
+          <p:cNvPr id="18" name="Picture 17">
+            <a:extLst>
+              <a:ext uri="{FF2B5EF4-FFF2-40B4-BE49-F238E27FC236}">
+                <a16:creationId xmlns:a16="http://schemas.microsoft.com/office/drawing/2014/main" id="{A955D066-4510-4985-8597-B2ED92A383CB}"/>
+              </a:ext>
+            </a:extLst>
+          </p:cNvPr>
+          <p:cNvPicPr>
+            <a:picLocks noChangeAspect="1"/>
+          </p:cNvPicPr>
+          <p:nvPr/>
+        </p:nvPicPr>
+        <p:blipFill>
+          <a:blip r:embed="rId2">
+            <a:extLst>
+              <a:ext uri="{BEBA8EAE-BF5A-486C-A8C5-ECC9F3942E4B}">
+                <a14:imgProps xmlns:a14="http://schemas.microsoft.com/office/drawing/2010/main">
+                  <a14:imgLayer r:embed="rId3">
+                    <a14:imgEffect>
+                      <a14:sharpenSoften amount="-25000"/>
+                    </a14:imgEffect>
+                  </a14:imgLayer>
+                </a14:imgProps>
+              </a:ext>
+            </a:extLst>
+          </a:blip>
+          <a:stretch>
+            <a:fillRect/>
+          </a:stretch>
+        </p:blipFill>
+        <p:spPr>
+          <a:xfrm>
+            <a:off x="1113853" y="682920"/>
+            <a:ext cx="6629486" cy="4333875"/>
+          </a:xfrm>
+          <a:prstGeom prst="rect">
+            <a:avLst/>
+          </a:prstGeom>
+        </p:spPr>
+      </p:pic>
     </p:spTree>
     <p:extLst>
       <p:ext uri="{BB962C8B-B14F-4D97-AF65-F5344CB8AC3E}">
-        <p14:creationId xmlns:p14="http://schemas.microsoft.com/office/powerpoint/2010/main" val="1462166824"/>
+        <p14:creationId xmlns:p14="http://schemas.microsoft.com/office/powerpoint/2010/main" val="2161830165"/>
       </p:ext>
     </p:extLst>
   </p:cSld>
@@ -4153,365 +4139,12 @@
           <a:chExt cx="0" cy="0"/>
         </a:xfrm>
       </p:grpSpPr>
-      <p:sp>
-        <p:nvSpPr>
-          <p:cNvPr id="4" name="Rectangle 3">
+      <p:pic>
+        <p:nvPicPr>
+          <p:cNvPr id="5" name="Picture 4">
             <a:extLst>
               <a:ext uri="{FF2B5EF4-FFF2-40B4-BE49-F238E27FC236}">
-                <a16:creationId xmlns:a16="http://schemas.microsoft.com/office/drawing/2014/main" id="{073C43C7-78E9-49F4-A33E-731E1FB62675}"/>
-              </a:ext>
-            </a:extLst>
-          </p:cNvPr>
-          <p:cNvSpPr/>
-          <p:nvPr/>
-        </p:nvSpPr>
-        <p:spPr>
-          <a:xfrm>
-            <a:off x="7612912" y="0"/>
-            <a:ext cx="1531088" cy="637953"/>
-          </a:xfrm>
-          <a:prstGeom prst="rect">
-            <a:avLst/>
-          </a:prstGeom>
-          <a:ln>
-            <a:noFill/>
-          </a:ln>
-        </p:spPr>
-        <p:style>
-          <a:lnRef idx="2">
-            <a:schemeClr val="dk1">
-              <a:shade val="50000"/>
-            </a:schemeClr>
-          </a:lnRef>
-          <a:fillRef idx="1">
-            <a:schemeClr val="dk1"/>
-          </a:fillRef>
-          <a:effectRef idx="0">
-            <a:schemeClr val="dk1"/>
-          </a:effectRef>
-          <a:fontRef idx="minor">
-            <a:schemeClr val="lt1"/>
-          </a:fontRef>
-        </p:style>
-        <p:txBody>
-          <a:bodyPr rtlCol="0" anchor="ctr"/>
-          <a:lstStyle/>
-          <a:p>
-            <a:pPr algn="ctr"/>
-            <a:endParaRPr lang="en-IN"/>
-          </a:p>
-        </p:txBody>
-      </p:sp>
-      <p:sp>
-        <p:nvSpPr>
-          <p:cNvPr id="5" name="Rectangle 4">
-            <a:extLst>
-              <a:ext uri="{FF2B5EF4-FFF2-40B4-BE49-F238E27FC236}">
-                <a16:creationId xmlns:a16="http://schemas.microsoft.com/office/drawing/2014/main" id="{31869786-5F73-4933-8E08-205D37B94DED}"/>
-              </a:ext>
-            </a:extLst>
-          </p:cNvPr>
-          <p:cNvSpPr/>
-          <p:nvPr/>
-        </p:nvSpPr>
-        <p:spPr>
-          <a:xfrm>
-            <a:off x="127591" y="4699591"/>
-            <a:ext cx="2541181" cy="329609"/>
-          </a:xfrm>
-          <a:prstGeom prst="rect">
-            <a:avLst/>
-          </a:prstGeom>
-          <a:solidFill>
-            <a:schemeClr val="bg1"/>
-          </a:solidFill>
-          <a:ln>
-            <a:noFill/>
-          </a:ln>
-        </p:spPr>
-        <p:style>
-          <a:lnRef idx="2">
-            <a:schemeClr val="accent6"/>
-          </a:lnRef>
-          <a:fillRef idx="1">
-            <a:schemeClr val="lt1"/>
-          </a:fillRef>
-          <a:effectRef idx="0">
-            <a:schemeClr val="accent6"/>
-          </a:effectRef>
-          <a:fontRef idx="minor">
-            <a:schemeClr val="dk1"/>
-          </a:fontRef>
-        </p:style>
-        <p:txBody>
-          <a:bodyPr rtlCol="0" anchor="ctr"/>
-          <a:lstStyle/>
-          <a:p>
-            <a:pPr algn="ctr"/>
-            <a:endParaRPr lang="en-IN"/>
-          </a:p>
-        </p:txBody>
-      </p:sp>
-      <p:sp>
-        <p:nvSpPr>
-          <p:cNvPr id="6" name="Rectangle 5">
-            <a:extLst>
-              <a:ext uri="{FF2B5EF4-FFF2-40B4-BE49-F238E27FC236}">
-                <a16:creationId xmlns:a16="http://schemas.microsoft.com/office/drawing/2014/main" id="{CBDFFDED-C692-4873-A6EC-615E44046D31}"/>
-              </a:ext>
-            </a:extLst>
-          </p:cNvPr>
-          <p:cNvSpPr/>
-          <p:nvPr/>
-        </p:nvSpPr>
-        <p:spPr>
-          <a:xfrm>
-            <a:off x="6472749" y="4699591"/>
-            <a:ext cx="2541181" cy="329609"/>
-          </a:xfrm>
-          <a:prstGeom prst="rect">
-            <a:avLst/>
-          </a:prstGeom>
-          <a:solidFill>
-            <a:schemeClr val="bg1"/>
-          </a:solidFill>
-          <a:ln>
-            <a:noFill/>
-          </a:ln>
-        </p:spPr>
-        <p:style>
-          <a:lnRef idx="2">
-            <a:schemeClr val="accent6"/>
-          </a:lnRef>
-          <a:fillRef idx="1">
-            <a:schemeClr val="lt1"/>
-          </a:fillRef>
-          <a:effectRef idx="0">
-            <a:schemeClr val="accent6"/>
-          </a:effectRef>
-          <a:fontRef idx="minor">
-            <a:schemeClr val="dk1"/>
-          </a:fontRef>
-        </p:style>
-        <p:txBody>
-          <a:bodyPr rtlCol="0" anchor="ctr"/>
-          <a:lstStyle/>
-          <a:p>
-            <a:pPr algn="ctr"/>
-            <a:endParaRPr lang="en-IN"/>
-          </a:p>
-        </p:txBody>
-      </p:sp>
-      <p:sp>
-        <p:nvSpPr>
-          <p:cNvPr id="7" name="Rectangle 6">
-            <a:extLst>
-              <a:ext uri="{FF2B5EF4-FFF2-40B4-BE49-F238E27FC236}">
-                <a16:creationId xmlns:a16="http://schemas.microsoft.com/office/drawing/2014/main" id="{34D65AF7-6C3B-44B7-98B5-751D10B7CCA7}"/>
-              </a:ext>
-            </a:extLst>
-          </p:cNvPr>
-          <p:cNvSpPr/>
-          <p:nvPr/>
-        </p:nvSpPr>
-        <p:spPr>
-          <a:xfrm>
-            <a:off x="7482842" y="7850"/>
-            <a:ext cx="1531088" cy="637953"/>
-          </a:xfrm>
-          <a:prstGeom prst="rect">
-            <a:avLst/>
-          </a:prstGeom>
-          <a:ln>
-            <a:noFill/>
-          </a:ln>
-        </p:spPr>
-        <p:style>
-          <a:lnRef idx="2">
-            <a:schemeClr val="dk1">
-              <a:shade val="50000"/>
-            </a:schemeClr>
-          </a:lnRef>
-          <a:fillRef idx="1">
-            <a:schemeClr val="dk1"/>
-          </a:fillRef>
-          <a:effectRef idx="0">
-            <a:schemeClr val="dk1"/>
-          </a:effectRef>
-          <a:fontRef idx="minor">
-            <a:schemeClr val="lt1"/>
-          </a:fontRef>
-        </p:style>
-        <p:txBody>
-          <a:bodyPr rtlCol="0" anchor="ctr"/>
-          <a:lstStyle/>
-          <a:p>
-            <a:pPr algn="ctr"/>
-            <a:endParaRPr lang="en-IN"/>
-          </a:p>
-        </p:txBody>
-      </p:sp>
-      <p:sp>
-        <p:nvSpPr>
-          <p:cNvPr id="8" name="Rectangle 7">
-            <a:extLst>
-              <a:ext uri="{FF2B5EF4-FFF2-40B4-BE49-F238E27FC236}">
-                <a16:creationId xmlns:a16="http://schemas.microsoft.com/office/drawing/2014/main" id="{360166E4-C9C5-47EF-A749-915E41095991}"/>
-              </a:ext>
-            </a:extLst>
-          </p:cNvPr>
-          <p:cNvSpPr/>
-          <p:nvPr/>
-        </p:nvSpPr>
-        <p:spPr>
-          <a:xfrm>
-            <a:off x="5316" y="653653"/>
-            <a:ext cx="9138684" cy="4416305"/>
-          </a:xfrm>
-          <a:prstGeom prst="rect">
-            <a:avLst/>
-          </a:prstGeom>
-          <a:solidFill>
-            <a:schemeClr val="bg1"/>
-          </a:solidFill>
-          <a:ln>
-            <a:noFill/>
-          </a:ln>
-        </p:spPr>
-        <p:style>
-          <a:lnRef idx="2">
-            <a:schemeClr val="accent6"/>
-          </a:lnRef>
-          <a:fillRef idx="1">
-            <a:schemeClr val="lt1"/>
-          </a:fillRef>
-          <a:effectRef idx="0">
-            <a:schemeClr val="accent6"/>
-          </a:effectRef>
-          <a:fontRef idx="minor">
-            <a:schemeClr val="dk1"/>
-          </a:fontRef>
-        </p:style>
-        <p:txBody>
-          <a:bodyPr rtlCol="0" anchor="ctr"/>
-          <a:lstStyle/>
-          <a:p>
-            <a:pPr algn="ctr"/>
-            <a:endParaRPr lang="en-IN"/>
-          </a:p>
-        </p:txBody>
-      </p:sp>
-      <p:sp>
-        <p:nvSpPr>
-          <p:cNvPr id="9" name="Rectangle 8">
-            <a:extLst>
-              <a:ext uri="{FF2B5EF4-FFF2-40B4-BE49-F238E27FC236}">
-                <a16:creationId xmlns:a16="http://schemas.microsoft.com/office/drawing/2014/main" id="{48A4B2ED-2CEB-4873-8C3C-024E08575E30}"/>
-              </a:ext>
-            </a:extLst>
-          </p:cNvPr>
-          <p:cNvSpPr/>
-          <p:nvPr/>
-        </p:nvSpPr>
-        <p:spPr>
-          <a:xfrm>
-            <a:off x="6625149" y="4851991"/>
-            <a:ext cx="2541181" cy="329609"/>
-          </a:xfrm>
-          <a:prstGeom prst="rect">
-            <a:avLst/>
-          </a:prstGeom>
-          <a:solidFill>
-            <a:schemeClr val="bg1"/>
-          </a:solidFill>
-          <a:ln>
-            <a:noFill/>
-          </a:ln>
-        </p:spPr>
-        <p:style>
-          <a:lnRef idx="2">
-            <a:schemeClr val="accent6"/>
-          </a:lnRef>
-          <a:fillRef idx="1">
-            <a:schemeClr val="lt1"/>
-          </a:fillRef>
-          <a:effectRef idx="0">
-            <a:schemeClr val="accent6"/>
-          </a:effectRef>
-          <a:fontRef idx="minor">
-            <a:schemeClr val="dk1"/>
-          </a:fontRef>
-        </p:style>
-        <p:txBody>
-          <a:bodyPr rtlCol="0" anchor="ctr"/>
-          <a:lstStyle/>
-          <a:p>
-            <a:pPr algn="ctr"/>
-            <a:endParaRPr lang="en-IN"/>
-          </a:p>
-        </p:txBody>
-      </p:sp>
-      <p:sp>
-        <p:nvSpPr>
-          <p:cNvPr id="10" name="object 2">
-            <a:extLst>
-              <a:ext uri="{FF2B5EF4-FFF2-40B4-BE49-F238E27FC236}">
-                <a16:creationId xmlns:a16="http://schemas.microsoft.com/office/drawing/2014/main" id="{312AF270-CF79-4C66-BDAC-207C34AA197C}"/>
-              </a:ext>
-            </a:extLst>
-          </p:cNvPr>
-          <p:cNvSpPr txBox="1">
-            <a:spLocks noGrp="1"/>
-          </p:cNvSpPr>
-          <p:nvPr>
-            <p:ph type="title"/>
-          </p:nvPr>
-        </p:nvSpPr>
-        <p:spPr>
-          <a:xfrm>
-            <a:off x="127590" y="60251"/>
-            <a:ext cx="4369981" cy="517449"/>
-          </a:xfrm>
-          <a:prstGeom prst="rect">
-            <a:avLst/>
-          </a:prstGeom>
-        </p:spPr>
-        <p:txBody>
-          <a:bodyPr vert="horz" wrap="square" lIns="0" tIns="9525" rIns="0" bIns="0" rtlCol="0" anchor="ctr">
-            <a:spAutoFit/>
-          </a:bodyPr>
-          <a:lstStyle/>
-          <a:p>
-            <a:pPr marL="9525">
-              <a:lnSpc>
-                <a:spcPct val="100000"/>
-              </a:lnSpc>
-              <a:spcBef>
-                <a:spcPts val="75"/>
-              </a:spcBef>
-            </a:pPr>
-            <a:r>
-              <a:rPr lang="en-US" spc="-4" dirty="0">
-                <a:solidFill>
-                  <a:schemeClr val="bg1"/>
-                </a:solidFill>
-              </a:rPr>
-              <a:t>Backend Market Trend</a:t>
-            </a:r>
-            <a:endParaRPr spc="-4" dirty="0">
-              <a:solidFill>
-                <a:schemeClr val="bg1"/>
-              </a:solidFill>
-            </a:endParaRPr>
-          </a:p>
-        </p:txBody>
-      </p:sp>
-      <p:pic>
-        <p:nvPicPr>
-          <p:cNvPr id="18" name="Picture 17">
-            <a:extLst>
-              <a:ext uri="{FF2B5EF4-FFF2-40B4-BE49-F238E27FC236}">
-                <a16:creationId xmlns:a16="http://schemas.microsoft.com/office/drawing/2014/main" id="{A955D066-4510-4985-8597-B2ED92A383CB}"/>
+                <a16:creationId xmlns:a16="http://schemas.microsoft.com/office/drawing/2014/main" id="{322E5AB6-4555-4CE6-9EFB-81EF59C9ADB9}"/>
               </a:ext>
             </a:extLst>
           </p:cNvPr>
@@ -4521,27 +4154,141 @@
           <p:nvPr/>
         </p:nvPicPr>
         <p:blipFill>
-          <a:blip r:embed="rId2">
-            <a:extLst>
-              <a:ext uri="{BEBA8EAE-BF5A-486C-A8C5-ECC9F3942E4B}">
-                <a14:imgProps xmlns:a14="http://schemas.microsoft.com/office/drawing/2010/main">
-                  <a14:imgLayer r:embed="rId3">
-                    <a14:imgEffect>
-                      <a14:sharpenSoften amount="-25000"/>
-                    </a14:imgEffect>
-                  </a14:imgLayer>
-                </a14:imgProps>
-              </a:ext>
-            </a:extLst>
-          </a:blip>
+          <a:blip r:embed="rId2"/>
           <a:stretch>
             <a:fillRect/>
           </a:stretch>
         </p:blipFill>
         <p:spPr>
           <a:xfrm>
-            <a:off x="1113853" y="682920"/>
-            <a:ext cx="6629486" cy="4333875"/>
+            <a:off x="3209925" y="0"/>
+            <a:ext cx="5934074" cy="5143500"/>
+          </a:xfrm>
+          <a:prstGeom prst="rect">
+            <a:avLst/>
+          </a:prstGeom>
+        </p:spPr>
+      </p:pic>
+      <p:sp>
+        <p:nvSpPr>
+          <p:cNvPr id="2" name="Title 1">
+            <a:extLst>
+              <a:ext uri="{FF2B5EF4-FFF2-40B4-BE49-F238E27FC236}">
+                <a16:creationId xmlns:a16="http://schemas.microsoft.com/office/drawing/2014/main" id="{7546D355-F68B-4C7F-B6FE-BBEED00C8B34}"/>
+              </a:ext>
+            </a:extLst>
+          </p:cNvPr>
+          <p:cNvSpPr>
+            <a:spLocks noGrp="1"/>
+          </p:cNvSpPr>
+          <p:nvPr>
+            <p:ph type="title"/>
+          </p:nvPr>
+        </p:nvSpPr>
+        <p:spPr>
+          <a:xfrm>
+            <a:off x="1028700" y="-86915"/>
+            <a:ext cx="4362450" cy="994172"/>
+          </a:xfrm>
+        </p:spPr>
+        <p:txBody>
+          <a:bodyPr/>
+          <a:lstStyle/>
+          <a:p>
+            <a:r>
+              <a:rPr lang="en-US" dirty="0">
+                <a:solidFill>
+                  <a:schemeClr val="bg1"/>
+                </a:solidFill>
+                <a:latin typeface="Arial Rounded MT Bold" panose="020F0704030504030204" pitchFamily="34" charset="0"/>
+              </a:rPr>
+              <a:t>Chrome     Dev Tools</a:t>
+            </a:r>
+            <a:endParaRPr lang="en-IN" dirty="0">
+              <a:solidFill>
+                <a:schemeClr val="bg1"/>
+              </a:solidFill>
+              <a:latin typeface="Arial Rounded MT Bold" panose="020F0704030504030204" pitchFamily="34" charset="0"/>
+            </a:endParaRPr>
+          </a:p>
+        </p:txBody>
+      </p:sp>
+      <p:sp>
+        <p:nvSpPr>
+          <p:cNvPr id="3" name="Content Placeholder 2">
+            <a:extLst>
+              <a:ext uri="{FF2B5EF4-FFF2-40B4-BE49-F238E27FC236}">
+                <a16:creationId xmlns:a16="http://schemas.microsoft.com/office/drawing/2014/main" id="{34B7D493-BDE1-443E-B094-B67DC0DC4700}"/>
+              </a:ext>
+            </a:extLst>
+          </p:cNvPr>
+          <p:cNvSpPr>
+            <a:spLocks noGrp="1"/>
+          </p:cNvSpPr>
+          <p:nvPr>
+            <p:ph idx="1"/>
+          </p:nvPr>
+        </p:nvSpPr>
+        <p:spPr>
+          <a:xfrm>
+            <a:off x="142875" y="925116"/>
+            <a:ext cx="2943225" cy="4123134"/>
+          </a:xfrm>
+        </p:spPr>
+        <p:txBody>
+          <a:bodyPr>
+            <a:normAutofit/>
+          </a:bodyPr>
+          <a:lstStyle/>
+          <a:p>
+            <a:r>
+              <a:rPr lang="en-US" dirty="0"/>
+              <a:t>Chrome </a:t>
+            </a:r>
+            <a:r>
+              <a:rPr lang="en-US" dirty="0" err="1"/>
+              <a:t>DevTools</a:t>
+            </a:r>
+            <a:r>
+              <a:rPr lang="en-US" dirty="0"/>
+              <a:t> is a set of web developer tools built directly into the Google Chrome </a:t>
+            </a:r>
+            <a:r>
+              <a:rPr lang="en-US" dirty="0" err="1"/>
+              <a:t>browser.DevTools</a:t>
+            </a:r>
+            <a:r>
+              <a:rPr lang="en-US" dirty="0"/>
+              <a:t> can help you edit pages  on-the-fly and diagnose problems quickly, which ultimately helps you build better websites, faster.</a:t>
+            </a:r>
+            <a:endParaRPr lang="en-IN" dirty="0"/>
+          </a:p>
+        </p:txBody>
+      </p:sp>
+      <p:pic>
+        <p:nvPicPr>
+          <p:cNvPr id="9" name="Picture 8">
+            <a:extLst>
+              <a:ext uri="{FF2B5EF4-FFF2-40B4-BE49-F238E27FC236}">
+                <a16:creationId xmlns:a16="http://schemas.microsoft.com/office/drawing/2014/main" id="{E6C1797B-33A0-40EE-BD75-3841C9318ABD}"/>
+              </a:ext>
+            </a:extLst>
+          </p:cNvPr>
+          <p:cNvPicPr>
+            <a:picLocks noChangeAspect="1"/>
+          </p:cNvPicPr>
+          <p:nvPr/>
+        </p:nvPicPr>
+        <p:blipFill>
+          <a:blip r:embed="rId3"/>
+          <a:stretch>
+            <a:fillRect/>
+          </a:stretch>
+        </p:blipFill>
+        <p:spPr>
+          <a:xfrm>
+            <a:off x="0" y="4533828"/>
+            <a:ext cx="2686050" cy="609672"/>
           </a:xfrm>
           <a:prstGeom prst="rect">
             <a:avLst/>
@@ -4551,7 +4298,7 @@
     </p:spTree>
     <p:extLst>
       <p:ext uri="{BB962C8B-B14F-4D97-AF65-F5344CB8AC3E}">
-        <p14:creationId xmlns:p14="http://schemas.microsoft.com/office/powerpoint/2010/main" val="2161830165"/>
+        <p14:creationId xmlns:p14="http://schemas.microsoft.com/office/powerpoint/2010/main" val="1118612045"/>
       </p:ext>
     </p:extLst>
   </p:cSld>
@@ -4608,8 +4355,8 @@
         </p:nvSpPr>
         <p:spPr>
           <a:xfrm>
-            <a:off x="628650" y="1134848"/>
-            <a:ext cx="7886700" cy="3263504"/>
+            <a:off x="0" y="0"/>
+            <a:ext cx="7886700" cy="5102860"/>
           </a:xfrm>
         </p:spPr>
         <p:txBody>
@@ -4622,18 +4369,94 @@
               <a:buNone/>
             </a:pPr>
             <a:r>
-              <a:rPr lang="en-IN" sz="6000" dirty="0"/>
-              <a:t>What’s Next?</a:t>
+              <a:rPr lang="en-IN" sz="4800" dirty="0">
+                <a:solidFill>
+                  <a:schemeClr val="bg1"/>
+                </a:solidFill>
+              </a:rPr>
+              <a:t>What If I get Stuck?</a:t>
             </a:r>
           </a:p>
           <a:p>
             <a:pPr marL="0" indent="0">
               <a:buNone/>
             </a:pPr>
-            <a:r>
-              <a:rPr lang="en-IN" sz="6000" dirty="0"/>
-              <a:t>Do some Hands-On</a:t>
-            </a:r>
+            <a:endParaRPr lang="en-IN" sz="2400" dirty="0"/>
+          </a:p>
+          <a:p>
+            <a:pPr marL="0" indent="0">
+              <a:buNone/>
+            </a:pPr>
+            <a:endParaRPr lang="en-IN" sz="2400" dirty="0"/>
+          </a:p>
+          <a:p>
+            <a:pPr marL="0" indent="0">
+              <a:buNone/>
+            </a:pPr>
+            <a:endParaRPr lang="en-IN" sz="2400" dirty="0"/>
+          </a:p>
+          <a:p>
+            <a:pPr marL="0" indent="0">
+              <a:buNone/>
+            </a:pPr>
+            <a:endParaRPr lang="en-IN" sz="2400" dirty="0"/>
+          </a:p>
+          <a:p>
+            <a:pPr marL="0" indent="0">
+              <a:buNone/>
+            </a:pPr>
+            <a:endParaRPr lang="en-IN" sz="2400" dirty="0"/>
+          </a:p>
+          <a:p>
+            <a:pPr marL="0" indent="0">
+              <a:buNone/>
+            </a:pPr>
+            <a:endParaRPr lang="en-IN" sz="2400" dirty="0"/>
+          </a:p>
+          <a:p>
+            <a:pPr marL="0" indent="0">
+              <a:buNone/>
+            </a:pPr>
+            <a:endParaRPr lang="en-IN" sz="2400" dirty="0"/>
+          </a:p>
+          <a:p>
+            <a:pPr marL="0" indent="0">
+              <a:buNone/>
+            </a:pPr>
+            <a:endParaRPr lang="en-IN" sz="2400" dirty="0"/>
+          </a:p>
+          <a:p>
+            <a:pPr marL="0" indent="0">
+              <a:buNone/>
+            </a:pPr>
+            <a:endParaRPr lang="en-IN" sz="2400" dirty="0"/>
+          </a:p>
+          <a:p>
+            <a:pPr marL="0" indent="0">
+              <a:buNone/>
+            </a:pPr>
+            <a:r>
+              <a:rPr lang="en-IN" sz="2400" dirty="0"/>
+              <a:t>                                                 </a:t>
+            </a:r>
+            <a:r>
+              <a:rPr lang="en-IN" sz="2400" b="1" dirty="0">
+                <a:latin typeface="Bradley Hand ITC" panose="03070402050302030203" pitchFamily="66" charset="0"/>
+              </a:rPr>
+              <a:t>Make them your best friend</a:t>
+            </a:r>
+          </a:p>
+          <a:p>
+            <a:pPr marL="0" indent="0">
+              <a:buNone/>
+            </a:pPr>
+            <a:endParaRPr lang="en-IN" sz="3600" dirty="0"/>
+          </a:p>
+          <a:p>
+            <a:pPr marL="0" indent="0">
+              <a:buNone/>
+            </a:pPr>
+            <a:endParaRPr lang="en-IN" sz="6000" dirty="0"/>
           </a:p>
         </p:txBody>
       </p:sp>
@@ -4788,8 +4611,260 @@
         </p:blipFill>
         <p:spPr>
           <a:xfrm>
-            <a:off x="6096734" y="3559811"/>
-            <a:ext cx="2962275" cy="1543050"/>
+            <a:off x="7250565" y="4160841"/>
+            <a:ext cx="1808444" cy="942019"/>
+          </a:xfrm>
+          <a:prstGeom prst="rect">
+            <a:avLst/>
+          </a:prstGeom>
+        </p:spPr>
+      </p:pic>
+      <p:pic>
+        <p:nvPicPr>
+          <p:cNvPr id="6" name="Picture 5">
+            <a:extLst>
+              <a:ext uri="{FF2B5EF4-FFF2-40B4-BE49-F238E27FC236}">
+                <a16:creationId xmlns:a16="http://schemas.microsoft.com/office/drawing/2014/main" id="{AD7571E7-2508-4E78-9594-767A44C56F87}"/>
+              </a:ext>
+            </a:extLst>
+          </p:cNvPr>
+          <p:cNvPicPr>
+            <a:picLocks noChangeAspect="1"/>
+          </p:cNvPicPr>
+          <p:nvPr/>
+        </p:nvPicPr>
+        <p:blipFill>
+          <a:blip r:embed="rId4"/>
+          <a:stretch>
+            <a:fillRect/>
+          </a:stretch>
+        </p:blipFill>
+        <p:spPr>
+          <a:xfrm>
+            <a:off x="6337055" y="3667448"/>
+            <a:ext cx="785812" cy="785812"/>
+          </a:xfrm>
+          <a:prstGeom prst="rect">
+            <a:avLst/>
+          </a:prstGeom>
+        </p:spPr>
+      </p:pic>
+      <p:pic>
+        <p:nvPicPr>
+          <p:cNvPr id="9" name="Picture 8">
+            <a:extLst>
+              <a:ext uri="{FF2B5EF4-FFF2-40B4-BE49-F238E27FC236}">
+                <a16:creationId xmlns:a16="http://schemas.microsoft.com/office/drawing/2014/main" id="{1C02A195-E4C8-4038-9416-BFC3B95E8D24}"/>
+              </a:ext>
+            </a:extLst>
+          </p:cNvPr>
+          <p:cNvPicPr>
+            <a:picLocks noChangeAspect="1"/>
+          </p:cNvPicPr>
+          <p:nvPr/>
+        </p:nvPicPr>
+        <p:blipFill>
+          <a:blip r:embed="rId5"/>
+          <a:stretch>
+            <a:fillRect/>
+          </a:stretch>
+        </p:blipFill>
+        <p:spPr>
+          <a:xfrm>
+            <a:off x="5194706" y="867928"/>
+            <a:ext cx="2284697" cy="631368"/>
+          </a:xfrm>
+          <a:prstGeom prst="rect">
+            <a:avLst/>
+          </a:prstGeom>
+        </p:spPr>
+      </p:pic>
+      <p:pic>
+        <p:nvPicPr>
+          <p:cNvPr id="12" name="Picture 11">
+            <a:extLst>
+              <a:ext uri="{FF2B5EF4-FFF2-40B4-BE49-F238E27FC236}">
+                <a16:creationId xmlns:a16="http://schemas.microsoft.com/office/drawing/2014/main" id="{E916745C-CBDA-4264-8AAF-EB6760D2F5A6}"/>
+              </a:ext>
+            </a:extLst>
+          </p:cNvPr>
+          <p:cNvPicPr>
+            <a:picLocks noChangeAspect="1"/>
+          </p:cNvPicPr>
+          <p:nvPr/>
+        </p:nvPicPr>
+        <p:blipFill>
+          <a:blip r:embed="rId6"/>
+          <a:stretch>
+            <a:fillRect/>
+          </a:stretch>
+        </p:blipFill>
+        <p:spPr>
+          <a:xfrm>
+            <a:off x="3162327" y="3515198"/>
+            <a:ext cx="1071562" cy="1071562"/>
+          </a:xfrm>
+          <a:prstGeom prst="rect">
+            <a:avLst/>
+          </a:prstGeom>
+        </p:spPr>
+      </p:pic>
+      <p:pic>
+        <p:nvPicPr>
+          <p:cNvPr id="14" name="Picture 13">
+            <a:extLst>
+              <a:ext uri="{FF2B5EF4-FFF2-40B4-BE49-F238E27FC236}">
+                <a16:creationId xmlns:a16="http://schemas.microsoft.com/office/drawing/2014/main" id="{E1995EE9-D051-4F32-89CD-1EBEF425A75F}"/>
+              </a:ext>
+            </a:extLst>
+          </p:cNvPr>
+          <p:cNvPicPr>
+            <a:picLocks noChangeAspect="1"/>
+          </p:cNvPicPr>
+          <p:nvPr/>
+        </p:nvPicPr>
+        <p:blipFill>
+          <a:blip r:embed="rId7"/>
+          <a:stretch>
+            <a:fillRect/>
+          </a:stretch>
+        </p:blipFill>
+        <p:spPr>
+          <a:xfrm>
+            <a:off x="6814240" y="2443636"/>
+            <a:ext cx="1931378" cy="1071562"/>
+          </a:xfrm>
+          <a:prstGeom prst="rect">
+            <a:avLst/>
+          </a:prstGeom>
+        </p:spPr>
+      </p:pic>
+      <p:pic>
+        <p:nvPicPr>
+          <p:cNvPr id="16" name="Picture 15">
+            <a:extLst>
+              <a:ext uri="{FF2B5EF4-FFF2-40B4-BE49-F238E27FC236}">
+                <a16:creationId xmlns:a16="http://schemas.microsoft.com/office/drawing/2014/main" id="{E1B71B45-E462-411C-8FD5-0650295AD991}"/>
+              </a:ext>
+            </a:extLst>
+          </p:cNvPr>
+          <p:cNvPicPr>
+            <a:picLocks noChangeAspect="1"/>
+          </p:cNvPicPr>
+          <p:nvPr/>
+        </p:nvPicPr>
+        <p:blipFill>
+          <a:blip r:embed="rId8"/>
+          <a:stretch>
+            <a:fillRect/>
+          </a:stretch>
+        </p:blipFill>
+        <p:spPr>
+          <a:xfrm>
+            <a:off x="317613" y="772325"/>
+            <a:ext cx="3665129" cy="1435509"/>
+          </a:xfrm>
+          <a:prstGeom prst="rect">
+            <a:avLst/>
+          </a:prstGeom>
+        </p:spPr>
+      </p:pic>
+      <p:pic>
+        <p:nvPicPr>
+          <p:cNvPr id="18" name="Picture 17">
+            <a:extLst>
+              <a:ext uri="{FF2B5EF4-FFF2-40B4-BE49-F238E27FC236}">
+                <a16:creationId xmlns:a16="http://schemas.microsoft.com/office/drawing/2014/main" id="{6FA45B11-95C4-4C9E-A1E9-3AEC5A181BDA}"/>
+              </a:ext>
+            </a:extLst>
+          </p:cNvPr>
+          <p:cNvPicPr>
+            <a:picLocks noChangeAspect="1"/>
+          </p:cNvPicPr>
+          <p:nvPr/>
+        </p:nvPicPr>
+        <p:blipFill>
+          <a:blip r:embed="rId9"/>
+          <a:stretch>
+            <a:fillRect/>
+          </a:stretch>
+        </p:blipFill>
+        <p:spPr>
+          <a:xfrm>
+            <a:off x="3656105" y="2027486"/>
+            <a:ext cx="2665397" cy="1047888"/>
+          </a:xfrm>
+          <a:prstGeom prst="rect">
+            <a:avLst/>
+          </a:prstGeom>
+        </p:spPr>
+      </p:pic>
+      <p:pic>
+        <p:nvPicPr>
+          <p:cNvPr id="20" name="Picture 19">
+            <a:extLst>
+              <a:ext uri="{FF2B5EF4-FFF2-40B4-BE49-F238E27FC236}">
+                <a16:creationId xmlns:a16="http://schemas.microsoft.com/office/drawing/2014/main" id="{830E219B-62EE-4AD0-8875-9380559FEB56}"/>
+              </a:ext>
+            </a:extLst>
+          </p:cNvPr>
+          <p:cNvPicPr>
+            <a:picLocks noChangeAspect="1"/>
+          </p:cNvPicPr>
+          <p:nvPr/>
+        </p:nvPicPr>
+        <p:blipFill>
+          <a:blip r:embed="rId10"/>
+          <a:stretch>
+            <a:fillRect/>
+          </a:stretch>
+        </p:blipFill>
+        <p:spPr>
+          <a:xfrm>
+            <a:off x="7458866" y="1842610"/>
+            <a:ext cx="804862" cy="804862"/>
+          </a:xfrm>
+          <a:prstGeom prst="rect">
+            <a:avLst/>
+          </a:prstGeom>
+        </p:spPr>
+      </p:pic>
+      <p:pic>
+        <p:nvPicPr>
+          <p:cNvPr id="22" name="Picture 21">
+            <a:extLst>
+              <a:ext uri="{FF2B5EF4-FFF2-40B4-BE49-F238E27FC236}">
+                <a16:creationId xmlns:a16="http://schemas.microsoft.com/office/drawing/2014/main" id="{9EDDCE09-8AFD-45F9-A8F2-846054FBC2B2}"/>
+              </a:ext>
+            </a:extLst>
+          </p:cNvPr>
+          <p:cNvPicPr>
+            <a:picLocks noChangeAspect="1"/>
+          </p:cNvPicPr>
+          <p:nvPr/>
+        </p:nvPicPr>
+        <p:blipFill>
+          <a:blip r:embed="rId11">
+            <a:extLst>
+              <a:ext uri="{BEBA8EAE-BF5A-486C-A8C5-ECC9F3942E4B}">
+                <a14:imgProps xmlns:a14="http://schemas.microsoft.com/office/drawing/2010/main">
+                  <a14:imgLayer r:embed="rId12">
+                    <a14:imgEffect>
+                      <a14:backgroundRemoval t="10000" b="90000" l="10000" r="90000"/>
+                    </a14:imgEffect>
+                  </a14:imgLayer>
+                </a14:imgProps>
+              </a:ext>
+            </a:extLst>
+          </a:blip>
+          <a:stretch>
+            <a:fillRect/>
+          </a:stretch>
+        </p:blipFill>
+        <p:spPr>
+          <a:xfrm>
+            <a:off x="-58275" y="2571750"/>
+            <a:ext cx="2843574" cy="1592401"/>
           </a:xfrm>
           <a:prstGeom prst="rect">
             <a:avLst/>
@@ -4821,6 +4896,254 @@
 </p:sld>
 </file>
 
+<file path=ppt/slides/slide13.xml><?xml version="1.0" encoding="utf-8"?>
+<p:sld xmlns:a="http://schemas.openxmlformats.org/drawingml/2006/main" xmlns:r="http://schemas.openxmlformats.org/officeDocument/2006/relationships" xmlns:p="http://schemas.openxmlformats.org/presentationml/2006/main">
+  <p:cSld>
+    <p:spTree>
+      <p:nvGrpSpPr>
+        <p:cNvPr id="1" name=""/>
+        <p:cNvGrpSpPr/>
+        <p:nvPr/>
+      </p:nvGrpSpPr>
+      <p:grpSpPr>
+        <a:xfrm>
+          <a:off x="0" y="0"/>
+          <a:ext cx="0" cy="0"/>
+          <a:chOff x="0" y="0"/>
+          <a:chExt cx="0" cy="0"/>
+        </a:xfrm>
+      </p:grpSpPr>
+      <p:sp>
+        <p:nvSpPr>
+          <p:cNvPr id="3" name="Content Placeholder 2">
+            <a:extLst>
+              <a:ext uri="{FF2B5EF4-FFF2-40B4-BE49-F238E27FC236}">
+                <a16:creationId xmlns:a16="http://schemas.microsoft.com/office/drawing/2014/main" id="{32B86DBA-27DF-4A90-A6B6-700AC8D4BE2D}"/>
+              </a:ext>
+            </a:extLst>
+          </p:cNvPr>
+          <p:cNvSpPr>
+            <a:spLocks noGrp="1"/>
+          </p:cNvSpPr>
+          <p:nvPr>
+            <p:ph idx="1"/>
+          </p:nvPr>
+        </p:nvSpPr>
+        <p:spPr>
+          <a:xfrm>
+            <a:off x="628650" y="1134848"/>
+            <a:ext cx="7886700" cy="3263504"/>
+          </a:xfrm>
+        </p:spPr>
+        <p:txBody>
+          <a:bodyPr>
+            <a:normAutofit/>
+          </a:bodyPr>
+          <a:lstStyle/>
+          <a:p>
+            <a:pPr marL="0" indent="0">
+              <a:buNone/>
+            </a:pPr>
+            <a:r>
+              <a:rPr lang="en-IN" sz="6000" dirty="0"/>
+              <a:t>What’s Next?</a:t>
+            </a:r>
+          </a:p>
+          <a:p>
+            <a:pPr marL="0" indent="0">
+              <a:buNone/>
+            </a:pPr>
+            <a:r>
+              <a:rPr lang="en-IN" sz="6000" dirty="0"/>
+              <a:t>Do some Hands-On</a:t>
+            </a:r>
+          </a:p>
+        </p:txBody>
+      </p:sp>
+      <p:sp>
+        <p:nvSpPr>
+          <p:cNvPr id="4" name="Rectangle 3">
+            <a:extLst>
+              <a:ext uri="{FF2B5EF4-FFF2-40B4-BE49-F238E27FC236}">
+                <a16:creationId xmlns:a16="http://schemas.microsoft.com/office/drawing/2014/main" id="{201A29AE-1630-4837-809E-AB12DB2CD15B}"/>
+              </a:ext>
+            </a:extLst>
+          </p:cNvPr>
+          <p:cNvSpPr/>
+          <p:nvPr/>
+        </p:nvSpPr>
+        <p:spPr>
+          <a:xfrm>
+            <a:off x="7246088" y="0"/>
+            <a:ext cx="1897912" cy="637953"/>
+          </a:xfrm>
+          <a:prstGeom prst="rect">
+            <a:avLst/>
+          </a:prstGeom>
+          <a:ln>
+            <a:noFill/>
+          </a:ln>
+        </p:spPr>
+        <p:style>
+          <a:lnRef idx="2">
+            <a:schemeClr val="dk1">
+              <a:shade val="50000"/>
+            </a:schemeClr>
+          </a:lnRef>
+          <a:fillRef idx="1">
+            <a:schemeClr val="dk1"/>
+          </a:fillRef>
+          <a:effectRef idx="0">
+            <a:schemeClr val="dk1"/>
+          </a:effectRef>
+          <a:fontRef idx="minor">
+            <a:schemeClr val="lt1"/>
+          </a:fontRef>
+        </p:style>
+        <p:txBody>
+          <a:bodyPr rtlCol="0" anchor="ctr"/>
+          <a:lstStyle/>
+          <a:p>
+            <a:pPr algn="ctr"/>
+            <a:endParaRPr lang="en-IN"/>
+          </a:p>
+        </p:txBody>
+      </p:sp>
+      <p:sp>
+        <p:nvSpPr>
+          <p:cNvPr id="5" name="Rectangle 4">
+            <a:extLst>
+              <a:ext uri="{FF2B5EF4-FFF2-40B4-BE49-F238E27FC236}">
+                <a16:creationId xmlns:a16="http://schemas.microsoft.com/office/drawing/2014/main" id="{1E52A627-734D-4CF6-9083-A177137C1E48}"/>
+              </a:ext>
+            </a:extLst>
+          </p:cNvPr>
+          <p:cNvSpPr/>
+          <p:nvPr/>
+        </p:nvSpPr>
+        <p:spPr>
+          <a:xfrm>
+            <a:off x="127591" y="4699591"/>
+            <a:ext cx="2541181" cy="329609"/>
+          </a:xfrm>
+          <a:prstGeom prst="rect">
+            <a:avLst/>
+          </a:prstGeom>
+          <a:solidFill>
+            <a:schemeClr val="bg1"/>
+          </a:solidFill>
+          <a:ln>
+            <a:noFill/>
+          </a:ln>
+        </p:spPr>
+        <p:style>
+          <a:lnRef idx="2">
+            <a:schemeClr val="accent6"/>
+          </a:lnRef>
+          <a:fillRef idx="1">
+            <a:schemeClr val="lt1"/>
+          </a:fillRef>
+          <a:effectRef idx="0">
+            <a:schemeClr val="accent6"/>
+          </a:effectRef>
+          <a:fontRef idx="minor">
+            <a:schemeClr val="dk1"/>
+          </a:fontRef>
+        </p:style>
+        <p:txBody>
+          <a:bodyPr rtlCol="0" anchor="ctr"/>
+          <a:lstStyle/>
+          <a:p>
+            <a:pPr algn="ctr"/>
+            <a:endParaRPr lang="en-IN"/>
+          </a:p>
+        </p:txBody>
+      </p:sp>
+      <p:pic>
+        <p:nvPicPr>
+          <p:cNvPr id="8" name="Picture 7">
+            <a:extLst>
+              <a:ext uri="{FF2B5EF4-FFF2-40B4-BE49-F238E27FC236}">
+                <a16:creationId xmlns:a16="http://schemas.microsoft.com/office/drawing/2014/main" id="{2C0856E3-694B-4DAF-B213-361D318F09AC}"/>
+              </a:ext>
+            </a:extLst>
+          </p:cNvPr>
+          <p:cNvPicPr>
+            <a:picLocks noChangeAspect="1"/>
+          </p:cNvPicPr>
+          <p:nvPr/>
+        </p:nvPicPr>
+        <p:blipFill>
+          <a:blip r:embed="rId2"/>
+          <a:stretch>
+            <a:fillRect/>
+          </a:stretch>
+        </p:blipFill>
+        <p:spPr>
+          <a:xfrm>
+            <a:off x="-515082" y="3921420"/>
+            <a:ext cx="3562350" cy="1885950"/>
+          </a:xfrm>
+          <a:prstGeom prst="rect">
+            <a:avLst/>
+          </a:prstGeom>
+        </p:spPr>
+      </p:pic>
+      <p:pic>
+        <p:nvPicPr>
+          <p:cNvPr id="10" name="Picture 9">
+            <a:extLst>
+              <a:ext uri="{FF2B5EF4-FFF2-40B4-BE49-F238E27FC236}">
+                <a16:creationId xmlns:a16="http://schemas.microsoft.com/office/drawing/2014/main" id="{C368E853-2587-41F6-916D-2CD8EBB660BA}"/>
+              </a:ext>
+            </a:extLst>
+          </p:cNvPr>
+          <p:cNvPicPr>
+            <a:picLocks noChangeAspect="1"/>
+          </p:cNvPicPr>
+          <p:nvPr/>
+        </p:nvPicPr>
+        <p:blipFill>
+          <a:blip r:embed="rId3"/>
+          <a:stretch>
+            <a:fillRect/>
+          </a:stretch>
+        </p:blipFill>
+        <p:spPr>
+          <a:xfrm>
+            <a:off x="6096734" y="3559811"/>
+            <a:ext cx="2962275" cy="1543050"/>
+          </a:xfrm>
+          <a:prstGeom prst="rect">
+            <a:avLst/>
+          </a:prstGeom>
+        </p:spPr>
+      </p:pic>
+    </p:spTree>
+    <p:extLst>
+      <p:ext uri="{BB962C8B-B14F-4D97-AF65-F5344CB8AC3E}">
+        <p14:creationId xmlns:p14="http://schemas.microsoft.com/office/powerpoint/2010/main" val="86990290"/>
+      </p:ext>
+    </p:extLst>
+  </p:cSld>
+  <p:clrMapOvr>
+    <a:masterClrMapping/>
+  </p:clrMapOvr>
+  <mc:AlternateContent xmlns:mc="http://schemas.openxmlformats.org/markup-compatibility/2006">
+    <mc:Choice xmlns:p14="http://schemas.microsoft.com/office/powerpoint/2010/main" Requires="p14">
+      <p:transition spd="med" p14:dur="700">
+        <p:fade/>
+      </p:transition>
+    </mc:Choice>
+    <mc:Fallback>
+      <p:transition spd="med">
+        <p:fade/>
+      </p:transition>
+    </mc:Fallback>
+  </mc:AlternateContent>
+</p:sld>
+</file>
+
 <file path=ppt/slides/slide2.xml><?xml version="1.0" encoding="utf-8"?>
 <p:sld xmlns:a="http://schemas.openxmlformats.org/drawingml/2006/main" xmlns:r="http://schemas.openxmlformats.org/officeDocument/2006/relationships" xmlns:p="http://schemas.openxmlformats.org/presentationml/2006/main">
   <p:cSld>
@@ -4866,104 +5189,108 @@
           </a:bodyPr>
           <a:lstStyle/>
           <a:p>
-            <a:pPr fontAlgn="base"/>
+            <a:pPr marL="0" indent="0" fontAlgn="base">
+              <a:buNone/>
+            </a:pPr>
             <a:r>
               <a:rPr lang="en-US" sz="1400" dirty="0"/>
-              <a:t>Introduction to Web Development  </a:t>
-            </a:r>
-          </a:p>
-          <a:p>
-            <a:pPr fontAlgn="base"/>
+              <a:t>Introduction to Web Development  				</a:t>
+            </a:r>
+            <a:endParaRPr lang="en-IN" sz="1400" dirty="0"/>
+          </a:p>
+          <a:p>
+            <a:pPr marL="0" indent="0" fontAlgn="base">
+              <a:buNone/>
+            </a:pPr>
             <a:r>
               <a:rPr lang="en-US" sz="1400" dirty="0"/>
-              <a:t>HTML</a:t>
-            </a:r>
-          </a:p>
-          <a:p>
-            <a:pPr fontAlgn="base"/>
+              <a:t>HTML							</a:t>
+            </a:r>
+          </a:p>
+          <a:p>
+            <a:pPr marL="0" indent="0" fontAlgn="base">
+              <a:buNone/>
+            </a:pPr>
             <a:r>
               <a:rPr lang="en-US" sz="1400" dirty="0"/>
-              <a:t>CSS with Web Design</a:t>
-            </a:r>
-          </a:p>
-          <a:p>
-            <a:pPr fontAlgn="base"/>
+              <a:t>CSS with Web Design					</a:t>
+            </a:r>
+          </a:p>
+          <a:p>
+            <a:pPr marL="0" indent="0" fontAlgn="base">
+              <a:buNone/>
+            </a:pPr>
             <a:r>
               <a:rPr lang="en-US" sz="1400" dirty="0"/>
-              <a:t>Bootstrap and other styling Framework</a:t>
-            </a:r>
-          </a:p>
-          <a:p>
-            <a:pPr fontAlgn="base"/>
+              <a:t>Bootstrap and other styling Framework			</a:t>
+            </a:r>
+          </a:p>
+          <a:p>
+            <a:pPr marL="0" indent="0" fontAlgn="base">
+              <a:buNone/>
+            </a:pPr>
             <a:r>
               <a:rPr lang="en-US" sz="1400" dirty="0"/>
-              <a:t>Git and GitHub</a:t>
-            </a:r>
-          </a:p>
-          <a:p>
-            <a:pPr fontAlgn="base"/>
+              <a:t>Git and GitHub						</a:t>
+            </a:r>
+          </a:p>
+          <a:p>
+            <a:pPr marL="0" indent="0" fontAlgn="base">
+              <a:buNone/>
+            </a:pPr>
             <a:r>
               <a:rPr lang="en-US" sz="1400" dirty="0"/>
-              <a:t>JavaScript</a:t>
-            </a:r>
-          </a:p>
-          <a:p>
-            <a:pPr fontAlgn="base"/>
+              <a:t>JavaScript						</a:t>
+            </a:r>
+          </a:p>
+          <a:p>
+            <a:pPr marL="0" indent="0" fontAlgn="base">
+              <a:buNone/>
+            </a:pPr>
             <a:r>
               <a:rPr lang="en-US" sz="1400" dirty="0"/>
-              <a:t>jQuery</a:t>
-            </a:r>
-          </a:p>
-          <a:p>
-            <a:pPr fontAlgn="base"/>
+              <a:t>jQuery							Vue</a:t>
+            </a:r>
+          </a:p>
+          <a:p>
+            <a:pPr marL="0" indent="0" fontAlgn="base">
+              <a:buNone/>
+            </a:pPr>
             <a:r>
               <a:rPr lang="en-US" sz="1400" dirty="0"/>
-              <a:t>Firebase</a:t>
-            </a:r>
-          </a:p>
-          <a:p>
-            <a:pPr fontAlgn="base"/>
+              <a:t>Firebase							Other Concepts</a:t>
+            </a:r>
+          </a:p>
+          <a:p>
+            <a:pPr marL="0" indent="0" fontAlgn="base">
+              <a:buNone/>
+            </a:pPr>
             <a:r>
               <a:rPr lang="en-US" sz="1400" dirty="0"/>
-              <a:t>PHP</a:t>
-            </a:r>
-          </a:p>
-          <a:p>
-            <a:pPr fontAlgn="base"/>
-            <a:r>
-              <a:rPr lang="en-US" sz="1400" dirty="0"/>
-              <a:t>Database (SQL and </a:t>
-            </a:r>
-            <a:r>
-              <a:rPr lang="en-IN" sz="1400" dirty="0"/>
-              <a:t>NoSQL)</a:t>
-            </a:r>
-          </a:p>
-          <a:p>
-            <a:pPr fontAlgn="base"/>
-            <a:r>
-              <a:rPr lang="en-US" sz="1200" dirty="0"/>
+              <a:t>PHP							EJS</a:t>
+            </a:r>
+          </a:p>
+          <a:p>
+            <a:pPr marL="0" indent="0" fontAlgn="base">
+              <a:buNone/>
+            </a:pPr>
+            <a:r>
+              <a:rPr lang="en-US" sz="1600" dirty="0"/>
+              <a:t>Database (SQL vs </a:t>
+            </a:r>
+            <a:r>
+              <a:rPr lang="en-IN" sz="1600" dirty="0"/>
+              <a:t>NoSQL)				Projects</a:t>
+            </a:r>
+          </a:p>
+          <a:p>
+            <a:pPr marL="0" indent="0" fontAlgn="base">
+              <a:buNone/>
+            </a:pPr>
+            <a:r>
+              <a:rPr lang="en-US" sz="1600" dirty="0"/>
               <a:t>Ajax</a:t>
             </a:r>
-          </a:p>
-          <a:p>
-            <a:pPr fontAlgn="base"/>
-            <a:r>
-              <a:rPr lang="en-US" sz="1200" dirty="0" err="1"/>
-              <a:t>Wordpress</a:t>
-            </a:r>
-            <a:endParaRPr lang="en-US" sz="1200" dirty="0"/>
-          </a:p>
-          <a:p>
-            <a:pPr fontAlgn="base"/>
-            <a:r>
-              <a:rPr lang="en-US" sz="1200" dirty="0"/>
-              <a:t>Node with Express</a:t>
-            </a:r>
-          </a:p>
-          <a:p>
-            <a:pPr fontAlgn="base"/>
-            <a:endParaRPr lang="en-US" sz="2000" dirty="0"/>
           </a:p>
           <a:p>
             <a:pPr fontAlgn="base"/>
@@ -5006,7 +5333,7 @@
                 <a:latin typeface="Segoe UI Light" panose="020B0502040204020203" pitchFamily="34" charset="0"/>
                 <a:cs typeface="Segoe UI Light" panose="020B0502040204020203" pitchFamily="34" charset="0"/>
               </a:rPr>
-              <a:t>Course Module</a:t>
+              <a:t>Course Module in Brief</a:t>
             </a:r>
             <a:endParaRPr lang="en-US" b="1" dirty="0"/>
           </a:p>
@@ -5488,829 +5815,6 @@
       </p:transition>
     </mc:Fallback>
   </mc:AlternateContent>
-  <p:timing>
-    <p:tnLst>
-      <p:par>
-        <p:cTn id="1" dur="indefinite" restart="never" nodeType="tmRoot">
-          <p:childTnLst>
-            <p:seq concurrent="1" nextAc="seek">
-              <p:cTn id="2" dur="indefinite" nodeType="mainSeq">
-                <p:childTnLst>
-                  <p:par>
-                    <p:cTn id="3" fill="hold">
-                      <p:stCondLst>
-                        <p:cond delay="indefinite"/>
-                      </p:stCondLst>
-                      <p:childTnLst>
-                        <p:par>
-                          <p:cTn id="4" fill="hold">
-                            <p:stCondLst>
-                              <p:cond delay="0"/>
-                            </p:stCondLst>
-                            <p:childTnLst>
-                              <p:par>
-                                <p:cTn id="5" presetID="10" presetClass="entr" presetSubtype="0" fill="hold" nodeType="clickEffect">
-                                  <p:stCondLst>
-                                    <p:cond delay="0"/>
-                                  </p:stCondLst>
-                                  <p:childTnLst>
-                                    <p:set>
-                                      <p:cBhvr>
-                                        <p:cTn id="6" dur="1" fill="hold">
-                                          <p:stCondLst>
-                                            <p:cond delay="0"/>
-                                          </p:stCondLst>
-                                        </p:cTn>
-                                        <p:tgtEl>
-                                          <p:spTgt spid="2">
-                                            <p:txEl>
-                                              <p:pRg st="0" end="0"/>
-                                            </p:txEl>
-                                          </p:spTgt>
-                                        </p:tgtEl>
-                                        <p:attrNameLst>
-                                          <p:attrName>style.visibility</p:attrName>
-                                        </p:attrNameLst>
-                                      </p:cBhvr>
-                                      <p:to>
-                                        <p:strVal val="visible"/>
-                                      </p:to>
-                                    </p:set>
-                                    <p:animEffect transition="in" filter="fade">
-                                      <p:cBhvr>
-                                        <p:cTn id="7" dur="500"/>
-                                        <p:tgtEl>
-                                          <p:spTgt spid="2">
-                                            <p:txEl>
-                                              <p:pRg st="0" end="0"/>
-                                            </p:txEl>
-                                          </p:spTgt>
-                                        </p:tgtEl>
-                                      </p:cBhvr>
-                                    </p:animEffect>
-                                  </p:childTnLst>
-                                </p:cTn>
-                              </p:par>
-                            </p:childTnLst>
-                          </p:cTn>
-                        </p:par>
-                      </p:childTnLst>
-                    </p:cTn>
-                  </p:par>
-                  <p:par>
-                    <p:cTn id="8" fill="hold">
-                      <p:stCondLst>
-                        <p:cond delay="indefinite"/>
-                      </p:stCondLst>
-                      <p:childTnLst>
-                        <p:par>
-                          <p:cTn id="9" fill="hold">
-                            <p:stCondLst>
-                              <p:cond delay="0"/>
-                            </p:stCondLst>
-                            <p:childTnLst>
-                              <p:par>
-                                <p:cTn id="10" presetID="10" presetClass="entr" presetSubtype="0" fill="hold" nodeType="clickEffect">
-                                  <p:stCondLst>
-                                    <p:cond delay="0"/>
-                                  </p:stCondLst>
-                                  <p:childTnLst>
-                                    <p:set>
-                                      <p:cBhvr>
-                                        <p:cTn id="11" dur="1" fill="hold">
-                                          <p:stCondLst>
-                                            <p:cond delay="0"/>
-                                          </p:stCondLst>
-                                        </p:cTn>
-                                        <p:tgtEl>
-                                          <p:spTgt spid="2">
-                                            <p:txEl>
-                                              <p:pRg st="1" end="1"/>
-                                            </p:txEl>
-                                          </p:spTgt>
-                                        </p:tgtEl>
-                                        <p:attrNameLst>
-                                          <p:attrName>style.visibility</p:attrName>
-                                        </p:attrNameLst>
-                                      </p:cBhvr>
-                                      <p:to>
-                                        <p:strVal val="visible"/>
-                                      </p:to>
-                                    </p:set>
-                                    <p:animEffect transition="in" filter="fade">
-                                      <p:cBhvr>
-                                        <p:cTn id="12" dur="500"/>
-                                        <p:tgtEl>
-                                          <p:spTgt spid="2">
-                                            <p:txEl>
-                                              <p:pRg st="1" end="1"/>
-                                            </p:txEl>
-                                          </p:spTgt>
-                                        </p:tgtEl>
-                                      </p:cBhvr>
-                                    </p:animEffect>
-                                  </p:childTnLst>
-                                </p:cTn>
-                              </p:par>
-                            </p:childTnLst>
-                          </p:cTn>
-                        </p:par>
-                      </p:childTnLst>
-                    </p:cTn>
-                  </p:par>
-                  <p:par>
-                    <p:cTn id="13" fill="hold">
-                      <p:stCondLst>
-                        <p:cond delay="indefinite"/>
-                      </p:stCondLst>
-                      <p:childTnLst>
-                        <p:par>
-                          <p:cTn id="14" fill="hold">
-                            <p:stCondLst>
-                              <p:cond delay="0"/>
-                            </p:stCondLst>
-                            <p:childTnLst>
-                              <p:par>
-                                <p:cTn id="15" presetID="10" presetClass="entr" presetSubtype="0" fill="hold" nodeType="clickEffect">
-                                  <p:stCondLst>
-                                    <p:cond delay="0"/>
-                                  </p:stCondLst>
-                                  <p:childTnLst>
-                                    <p:set>
-                                      <p:cBhvr>
-                                        <p:cTn id="16" dur="1" fill="hold">
-                                          <p:stCondLst>
-                                            <p:cond delay="0"/>
-                                          </p:stCondLst>
-                                        </p:cTn>
-                                        <p:tgtEl>
-                                          <p:spTgt spid="2">
-                                            <p:txEl>
-                                              <p:pRg st="2" end="2"/>
-                                            </p:txEl>
-                                          </p:spTgt>
-                                        </p:tgtEl>
-                                        <p:attrNameLst>
-                                          <p:attrName>style.visibility</p:attrName>
-                                        </p:attrNameLst>
-                                      </p:cBhvr>
-                                      <p:to>
-                                        <p:strVal val="visible"/>
-                                      </p:to>
-                                    </p:set>
-                                    <p:animEffect transition="in" filter="fade">
-                                      <p:cBhvr>
-                                        <p:cTn id="17" dur="500"/>
-                                        <p:tgtEl>
-                                          <p:spTgt spid="2">
-                                            <p:txEl>
-                                              <p:pRg st="2" end="2"/>
-                                            </p:txEl>
-                                          </p:spTgt>
-                                        </p:tgtEl>
-                                      </p:cBhvr>
-                                    </p:animEffect>
-                                  </p:childTnLst>
-                                </p:cTn>
-                              </p:par>
-                            </p:childTnLst>
-                          </p:cTn>
-                        </p:par>
-                      </p:childTnLst>
-                    </p:cTn>
-                  </p:par>
-                  <p:par>
-                    <p:cTn id="18" fill="hold">
-                      <p:stCondLst>
-                        <p:cond delay="indefinite"/>
-                      </p:stCondLst>
-                      <p:childTnLst>
-                        <p:par>
-                          <p:cTn id="19" fill="hold">
-                            <p:stCondLst>
-                              <p:cond delay="0"/>
-                            </p:stCondLst>
-                            <p:childTnLst>
-                              <p:par>
-                                <p:cTn id="20" presetID="10" presetClass="entr" presetSubtype="0" fill="hold" nodeType="clickEffect">
-                                  <p:stCondLst>
-                                    <p:cond delay="0"/>
-                                  </p:stCondLst>
-                                  <p:childTnLst>
-                                    <p:set>
-                                      <p:cBhvr>
-                                        <p:cTn id="21" dur="1" fill="hold">
-                                          <p:stCondLst>
-                                            <p:cond delay="0"/>
-                                          </p:stCondLst>
-                                        </p:cTn>
-                                        <p:tgtEl>
-                                          <p:spTgt spid="2">
-                                            <p:txEl>
-                                              <p:pRg st="3" end="3"/>
-                                            </p:txEl>
-                                          </p:spTgt>
-                                        </p:tgtEl>
-                                        <p:attrNameLst>
-                                          <p:attrName>style.visibility</p:attrName>
-                                        </p:attrNameLst>
-                                      </p:cBhvr>
-                                      <p:to>
-                                        <p:strVal val="visible"/>
-                                      </p:to>
-                                    </p:set>
-                                    <p:animEffect transition="in" filter="fade">
-                                      <p:cBhvr>
-                                        <p:cTn id="22" dur="500"/>
-                                        <p:tgtEl>
-                                          <p:spTgt spid="2">
-                                            <p:txEl>
-                                              <p:pRg st="3" end="3"/>
-                                            </p:txEl>
-                                          </p:spTgt>
-                                        </p:tgtEl>
-                                      </p:cBhvr>
-                                    </p:animEffect>
-                                  </p:childTnLst>
-                                </p:cTn>
-                              </p:par>
-                            </p:childTnLst>
-                          </p:cTn>
-                        </p:par>
-                      </p:childTnLst>
-                    </p:cTn>
-                  </p:par>
-                  <p:par>
-                    <p:cTn id="23" fill="hold">
-                      <p:stCondLst>
-                        <p:cond delay="indefinite"/>
-                      </p:stCondLst>
-                      <p:childTnLst>
-                        <p:par>
-                          <p:cTn id="24" fill="hold">
-                            <p:stCondLst>
-                              <p:cond delay="0"/>
-                            </p:stCondLst>
-                            <p:childTnLst>
-                              <p:par>
-                                <p:cTn id="25" presetID="10" presetClass="entr" presetSubtype="0" fill="hold" nodeType="clickEffect">
-                                  <p:stCondLst>
-                                    <p:cond delay="0"/>
-                                  </p:stCondLst>
-                                  <p:childTnLst>
-                                    <p:set>
-                                      <p:cBhvr>
-                                        <p:cTn id="26" dur="1" fill="hold">
-                                          <p:stCondLst>
-                                            <p:cond delay="0"/>
-                                          </p:stCondLst>
-                                        </p:cTn>
-                                        <p:tgtEl>
-                                          <p:spTgt spid="2">
-                                            <p:txEl>
-                                              <p:pRg st="4" end="4"/>
-                                            </p:txEl>
-                                          </p:spTgt>
-                                        </p:tgtEl>
-                                        <p:attrNameLst>
-                                          <p:attrName>style.visibility</p:attrName>
-                                        </p:attrNameLst>
-                                      </p:cBhvr>
-                                      <p:to>
-                                        <p:strVal val="visible"/>
-                                      </p:to>
-                                    </p:set>
-                                    <p:animEffect transition="in" filter="fade">
-                                      <p:cBhvr>
-                                        <p:cTn id="27" dur="500"/>
-                                        <p:tgtEl>
-                                          <p:spTgt spid="2">
-                                            <p:txEl>
-                                              <p:pRg st="4" end="4"/>
-                                            </p:txEl>
-                                          </p:spTgt>
-                                        </p:tgtEl>
-                                      </p:cBhvr>
-                                    </p:animEffect>
-                                  </p:childTnLst>
-                                </p:cTn>
-                              </p:par>
-                            </p:childTnLst>
-                          </p:cTn>
-                        </p:par>
-                      </p:childTnLst>
-                    </p:cTn>
-                  </p:par>
-                  <p:par>
-                    <p:cTn id="28" fill="hold">
-                      <p:stCondLst>
-                        <p:cond delay="indefinite"/>
-                      </p:stCondLst>
-                      <p:childTnLst>
-                        <p:par>
-                          <p:cTn id="29" fill="hold">
-                            <p:stCondLst>
-                              <p:cond delay="0"/>
-                            </p:stCondLst>
-                            <p:childTnLst>
-                              <p:par>
-                                <p:cTn id="30" presetID="10" presetClass="entr" presetSubtype="0" fill="hold" nodeType="clickEffect">
-                                  <p:stCondLst>
-                                    <p:cond delay="0"/>
-                                  </p:stCondLst>
-                                  <p:childTnLst>
-                                    <p:set>
-                                      <p:cBhvr>
-                                        <p:cTn id="31" dur="1" fill="hold">
-                                          <p:stCondLst>
-                                            <p:cond delay="0"/>
-                                          </p:stCondLst>
-                                        </p:cTn>
-                                        <p:tgtEl>
-                                          <p:spTgt spid="2">
-                                            <p:txEl>
-                                              <p:pRg st="5" end="5"/>
-                                            </p:txEl>
-                                          </p:spTgt>
-                                        </p:tgtEl>
-                                        <p:attrNameLst>
-                                          <p:attrName>style.visibility</p:attrName>
-                                        </p:attrNameLst>
-                                      </p:cBhvr>
-                                      <p:to>
-                                        <p:strVal val="visible"/>
-                                      </p:to>
-                                    </p:set>
-                                    <p:animEffect transition="in" filter="fade">
-                                      <p:cBhvr>
-                                        <p:cTn id="32" dur="500"/>
-                                        <p:tgtEl>
-                                          <p:spTgt spid="2">
-                                            <p:txEl>
-                                              <p:pRg st="5" end="5"/>
-                                            </p:txEl>
-                                          </p:spTgt>
-                                        </p:tgtEl>
-                                      </p:cBhvr>
-                                    </p:animEffect>
-                                  </p:childTnLst>
-                                </p:cTn>
-                              </p:par>
-                            </p:childTnLst>
-                          </p:cTn>
-                        </p:par>
-                      </p:childTnLst>
-                    </p:cTn>
-                  </p:par>
-                  <p:par>
-                    <p:cTn id="33" fill="hold">
-                      <p:stCondLst>
-                        <p:cond delay="indefinite"/>
-                      </p:stCondLst>
-                      <p:childTnLst>
-                        <p:par>
-                          <p:cTn id="34" fill="hold">
-                            <p:stCondLst>
-                              <p:cond delay="0"/>
-                            </p:stCondLst>
-                            <p:childTnLst>
-                              <p:par>
-                                <p:cTn id="35" presetID="10" presetClass="entr" presetSubtype="0" fill="hold" nodeType="clickEffect">
-                                  <p:stCondLst>
-                                    <p:cond delay="0"/>
-                                  </p:stCondLst>
-                                  <p:childTnLst>
-                                    <p:set>
-                                      <p:cBhvr>
-                                        <p:cTn id="36" dur="1" fill="hold">
-                                          <p:stCondLst>
-                                            <p:cond delay="0"/>
-                                          </p:stCondLst>
-                                        </p:cTn>
-                                        <p:tgtEl>
-                                          <p:spTgt spid="2">
-                                            <p:txEl>
-                                              <p:pRg st="6" end="6"/>
-                                            </p:txEl>
-                                          </p:spTgt>
-                                        </p:tgtEl>
-                                        <p:attrNameLst>
-                                          <p:attrName>style.visibility</p:attrName>
-                                        </p:attrNameLst>
-                                      </p:cBhvr>
-                                      <p:to>
-                                        <p:strVal val="visible"/>
-                                      </p:to>
-                                    </p:set>
-                                    <p:animEffect transition="in" filter="fade">
-                                      <p:cBhvr>
-                                        <p:cTn id="37" dur="500"/>
-                                        <p:tgtEl>
-                                          <p:spTgt spid="2">
-                                            <p:txEl>
-                                              <p:pRg st="6" end="6"/>
-                                            </p:txEl>
-                                          </p:spTgt>
-                                        </p:tgtEl>
-                                      </p:cBhvr>
-                                    </p:animEffect>
-                                  </p:childTnLst>
-                                </p:cTn>
-                              </p:par>
-                            </p:childTnLst>
-                          </p:cTn>
-                        </p:par>
-                      </p:childTnLst>
-                    </p:cTn>
-                  </p:par>
-                  <p:par>
-                    <p:cTn id="38" fill="hold">
-                      <p:stCondLst>
-                        <p:cond delay="indefinite"/>
-                      </p:stCondLst>
-                      <p:childTnLst>
-                        <p:par>
-                          <p:cTn id="39" fill="hold">
-                            <p:stCondLst>
-                              <p:cond delay="0"/>
-                            </p:stCondLst>
-                            <p:childTnLst>
-                              <p:par>
-                                <p:cTn id="40" presetID="10" presetClass="entr" presetSubtype="0" fill="hold" nodeType="clickEffect">
-                                  <p:stCondLst>
-                                    <p:cond delay="0"/>
-                                  </p:stCondLst>
-                                  <p:childTnLst>
-                                    <p:set>
-                                      <p:cBhvr>
-                                        <p:cTn id="41" dur="1" fill="hold">
-                                          <p:stCondLst>
-                                            <p:cond delay="0"/>
-                                          </p:stCondLst>
-                                        </p:cTn>
-                                        <p:tgtEl>
-                                          <p:spTgt spid="2">
-                                            <p:txEl>
-                                              <p:pRg st="7" end="7"/>
-                                            </p:txEl>
-                                          </p:spTgt>
-                                        </p:tgtEl>
-                                        <p:attrNameLst>
-                                          <p:attrName>style.visibility</p:attrName>
-                                        </p:attrNameLst>
-                                      </p:cBhvr>
-                                      <p:to>
-                                        <p:strVal val="visible"/>
-                                      </p:to>
-                                    </p:set>
-                                    <p:animEffect transition="in" filter="fade">
-                                      <p:cBhvr>
-                                        <p:cTn id="42" dur="500"/>
-                                        <p:tgtEl>
-                                          <p:spTgt spid="2">
-                                            <p:txEl>
-                                              <p:pRg st="7" end="7"/>
-                                            </p:txEl>
-                                          </p:spTgt>
-                                        </p:tgtEl>
-                                      </p:cBhvr>
-                                    </p:animEffect>
-                                  </p:childTnLst>
-                                </p:cTn>
-                              </p:par>
-                            </p:childTnLst>
-                          </p:cTn>
-                        </p:par>
-                      </p:childTnLst>
-                    </p:cTn>
-                  </p:par>
-                  <p:par>
-                    <p:cTn id="43" fill="hold">
-                      <p:stCondLst>
-                        <p:cond delay="indefinite"/>
-                      </p:stCondLst>
-                      <p:childTnLst>
-                        <p:par>
-                          <p:cTn id="44" fill="hold">
-                            <p:stCondLst>
-                              <p:cond delay="0"/>
-                            </p:stCondLst>
-                            <p:childTnLst>
-                              <p:par>
-                                <p:cTn id="45" presetID="10" presetClass="entr" presetSubtype="0" fill="hold" nodeType="clickEffect">
-                                  <p:stCondLst>
-                                    <p:cond delay="0"/>
-                                  </p:stCondLst>
-                                  <p:childTnLst>
-                                    <p:set>
-                                      <p:cBhvr>
-                                        <p:cTn id="46" dur="1" fill="hold">
-                                          <p:stCondLst>
-                                            <p:cond delay="0"/>
-                                          </p:stCondLst>
-                                        </p:cTn>
-                                        <p:tgtEl>
-                                          <p:spTgt spid="2">
-                                            <p:txEl>
-                                              <p:pRg st="8" end="8"/>
-                                            </p:txEl>
-                                          </p:spTgt>
-                                        </p:tgtEl>
-                                        <p:attrNameLst>
-                                          <p:attrName>style.visibility</p:attrName>
-                                        </p:attrNameLst>
-                                      </p:cBhvr>
-                                      <p:to>
-                                        <p:strVal val="visible"/>
-                                      </p:to>
-                                    </p:set>
-                                    <p:animEffect transition="in" filter="fade">
-                                      <p:cBhvr>
-                                        <p:cTn id="47" dur="500"/>
-                                        <p:tgtEl>
-                                          <p:spTgt spid="2">
-                                            <p:txEl>
-                                              <p:pRg st="8" end="8"/>
-                                            </p:txEl>
-                                          </p:spTgt>
-                                        </p:tgtEl>
-                                      </p:cBhvr>
-                                    </p:animEffect>
-                                  </p:childTnLst>
-                                </p:cTn>
-                              </p:par>
-                            </p:childTnLst>
-                          </p:cTn>
-                        </p:par>
-                      </p:childTnLst>
-                    </p:cTn>
-                  </p:par>
-                  <p:par>
-                    <p:cTn id="48" fill="hold">
-                      <p:stCondLst>
-                        <p:cond delay="indefinite"/>
-                      </p:stCondLst>
-                      <p:childTnLst>
-                        <p:par>
-                          <p:cTn id="49" fill="hold">
-                            <p:stCondLst>
-                              <p:cond delay="0"/>
-                            </p:stCondLst>
-                            <p:childTnLst>
-                              <p:par>
-                                <p:cTn id="50" presetID="10" presetClass="entr" presetSubtype="0" fill="hold" nodeType="clickEffect">
-                                  <p:stCondLst>
-                                    <p:cond delay="0"/>
-                                  </p:stCondLst>
-                                  <p:childTnLst>
-                                    <p:set>
-                                      <p:cBhvr>
-                                        <p:cTn id="51" dur="1" fill="hold">
-                                          <p:stCondLst>
-                                            <p:cond delay="0"/>
-                                          </p:stCondLst>
-                                        </p:cTn>
-                                        <p:tgtEl>
-                                          <p:spTgt spid="2">
-                                            <p:txEl>
-                                              <p:pRg st="9" end="9"/>
-                                            </p:txEl>
-                                          </p:spTgt>
-                                        </p:tgtEl>
-                                        <p:attrNameLst>
-                                          <p:attrName>style.visibility</p:attrName>
-                                        </p:attrNameLst>
-                                      </p:cBhvr>
-                                      <p:to>
-                                        <p:strVal val="visible"/>
-                                      </p:to>
-                                    </p:set>
-                                    <p:animEffect transition="in" filter="fade">
-                                      <p:cBhvr>
-                                        <p:cTn id="52" dur="500"/>
-                                        <p:tgtEl>
-                                          <p:spTgt spid="2">
-                                            <p:txEl>
-                                              <p:pRg st="9" end="9"/>
-                                            </p:txEl>
-                                          </p:spTgt>
-                                        </p:tgtEl>
-                                      </p:cBhvr>
-                                    </p:animEffect>
-                                  </p:childTnLst>
-                                </p:cTn>
-                              </p:par>
-                            </p:childTnLst>
-                          </p:cTn>
-                        </p:par>
-                      </p:childTnLst>
-                    </p:cTn>
-                  </p:par>
-                  <p:par>
-                    <p:cTn id="53" fill="hold">
-                      <p:stCondLst>
-                        <p:cond delay="indefinite"/>
-                      </p:stCondLst>
-                      <p:childTnLst>
-                        <p:par>
-                          <p:cTn id="54" fill="hold">
-                            <p:stCondLst>
-                              <p:cond delay="0"/>
-                            </p:stCondLst>
-                            <p:childTnLst>
-                              <p:par>
-                                <p:cTn id="55" presetID="10" presetClass="entr" presetSubtype="0" fill="hold" nodeType="clickEffect">
-                                  <p:stCondLst>
-                                    <p:cond delay="0"/>
-                                  </p:stCondLst>
-                                  <p:childTnLst>
-                                    <p:set>
-                                      <p:cBhvr>
-                                        <p:cTn id="56" dur="1" fill="hold">
-                                          <p:stCondLst>
-                                            <p:cond delay="0"/>
-                                          </p:stCondLst>
-                                        </p:cTn>
-                                        <p:tgtEl>
-                                          <p:spTgt spid="2">
-                                            <p:txEl>
-                                              <p:pRg st="10" end="10"/>
-                                            </p:txEl>
-                                          </p:spTgt>
-                                        </p:tgtEl>
-                                        <p:attrNameLst>
-                                          <p:attrName>style.visibility</p:attrName>
-                                        </p:attrNameLst>
-                                      </p:cBhvr>
-                                      <p:to>
-                                        <p:strVal val="visible"/>
-                                      </p:to>
-                                    </p:set>
-                                    <p:animEffect transition="in" filter="fade">
-                                      <p:cBhvr>
-                                        <p:cTn id="57" dur="500"/>
-                                        <p:tgtEl>
-                                          <p:spTgt spid="2">
-                                            <p:txEl>
-                                              <p:pRg st="10" end="10"/>
-                                            </p:txEl>
-                                          </p:spTgt>
-                                        </p:tgtEl>
-                                      </p:cBhvr>
-                                    </p:animEffect>
-                                  </p:childTnLst>
-                                </p:cTn>
-                              </p:par>
-                            </p:childTnLst>
-                          </p:cTn>
-                        </p:par>
-                      </p:childTnLst>
-                    </p:cTn>
-                  </p:par>
-                  <p:par>
-                    <p:cTn id="58" fill="hold">
-                      <p:stCondLst>
-                        <p:cond delay="indefinite"/>
-                      </p:stCondLst>
-                      <p:childTnLst>
-                        <p:par>
-                          <p:cTn id="59" fill="hold">
-                            <p:stCondLst>
-                              <p:cond delay="0"/>
-                            </p:stCondLst>
-                            <p:childTnLst>
-                              <p:par>
-                                <p:cTn id="60" presetID="10" presetClass="entr" presetSubtype="0" fill="hold" nodeType="clickEffect">
-                                  <p:stCondLst>
-                                    <p:cond delay="0"/>
-                                  </p:stCondLst>
-                                  <p:childTnLst>
-                                    <p:set>
-                                      <p:cBhvr>
-                                        <p:cTn id="61" dur="1" fill="hold">
-                                          <p:stCondLst>
-                                            <p:cond delay="0"/>
-                                          </p:stCondLst>
-                                        </p:cTn>
-                                        <p:tgtEl>
-                                          <p:spTgt spid="2">
-                                            <p:txEl>
-                                              <p:pRg st="11" end="11"/>
-                                            </p:txEl>
-                                          </p:spTgt>
-                                        </p:tgtEl>
-                                        <p:attrNameLst>
-                                          <p:attrName>style.visibility</p:attrName>
-                                        </p:attrNameLst>
-                                      </p:cBhvr>
-                                      <p:to>
-                                        <p:strVal val="visible"/>
-                                      </p:to>
-                                    </p:set>
-                                    <p:animEffect transition="in" filter="fade">
-                                      <p:cBhvr>
-                                        <p:cTn id="62" dur="500"/>
-                                        <p:tgtEl>
-                                          <p:spTgt spid="2">
-                                            <p:txEl>
-                                              <p:pRg st="11" end="11"/>
-                                            </p:txEl>
-                                          </p:spTgt>
-                                        </p:tgtEl>
-                                      </p:cBhvr>
-                                    </p:animEffect>
-                                  </p:childTnLst>
-                                </p:cTn>
-                              </p:par>
-                            </p:childTnLst>
-                          </p:cTn>
-                        </p:par>
-                      </p:childTnLst>
-                    </p:cTn>
-                  </p:par>
-                  <p:par>
-                    <p:cTn id="63" fill="hold">
-                      <p:stCondLst>
-                        <p:cond delay="indefinite"/>
-                      </p:stCondLst>
-                      <p:childTnLst>
-                        <p:par>
-                          <p:cTn id="64" fill="hold">
-                            <p:stCondLst>
-                              <p:cond delay="0"/>
-                            </p:stCondLst>
-                            <p:childTnLst>
-                              <p:par>
-                                <p:cTn id="65" presetID="10" presetClass="entr" presetSubtype="0" fill="hold" nodeType="clickEffect">
-                                  <p:stCondLst>
-                                    <p:cond delay="0"/>
-                                  </p:stCondLst>
-                                  <p:childTnLst>
-                                    <p:set>
-                                      <p:cBhvr>
-                                        <p:cTn id="66" dur="1" fill="hold">
-                                          <p:stCondLst>
-                                            <p:cond delay="0"/>
-                                          </p:stCondLst>
-                                        </p:cTn>
-                                        <p:tgtEl>
-                                          <p:spTgt spid="2">
-                                            <p:txEl>
-                                              <p:pRg st="12" end="12"/>
-                                            </p:txEl>
-                                          </p:spTgt>
-                                        </p:tgtEl>
-                                        <p:attrNameLst>
-                                          <p:attrName>style.visibility</p:attrName>
-                                        </p:attrNameLst>
-                                      </p:cBhvr>
-                                      <p:to>
-                                        <p:strVal val="visible"/>
-                                      </p:to>
-                                    </p:set>
-                                    <p:animEffect transition="in" filter="fade">
-                                      <p:cBhvr>
-                                        <p:cTn id="67" dur="500"/>
-                                        <p:tgtEl>
-                                          <p:spTgt spid="2">
-                                            <p:txEl>
-                                              <p:pRg st="12" end="12"/>
-                                            </p:txEl>
-                                          </p:spTgt>
-                                        </p:tgtEl>
-                                      </p:cBhvr>
-                                    </p:animEffect>
-                                  </p:childTnLst>
-                                </p:cTn>
-                              </p:par>
-                            </p:childTnLst>
-                          </p:cTn>
-                        </p:par>
-                      </p:childTnLst>
-                    </p:cTn>
-                  </p:par>
-                </p:childTnLst>
-              </p:cTn>
-              <p:prevCondLst>
-                <p:cond evt="onPrev" delay="0">
-                  <p:tgtEl>
-                    <p:sldTgt/>
-                  </p:tgtEl>
-                </p:cond>
-              </p:prevCondLst>
-              <p:nextCondLst>
-                <p:cond evt="onNext" delay="0">
-                  <p:tgtEl>
-                    <p:sldTgt/>
-                  </p:tgtEl>
-                </p:cond>
-              </p:nextCondLst>
-            </p:seq>
-          </p:childTnLst>
-        </p:cTn>
-      </p:par>
-    </p:tnLst>
-  </p:timing>
 </p:sld>
 </file>
 
@@ -6360,81 +5864,6 @@
           <a:lstStyle/>
           <a:p>
             <a:pPr fontAlgn="base"/>
-            <a:r>
-              <a:rPr lang="en-US" sz="1600" dirty="0" err="1"/>
-              <a:t>Ejs</a:t>
-            </a:r>
-            <a:r>
-              <a:rPr lang="en-US" sz="1600" dirty="0"/>
-              <a:t> and Rest </a:t>
-            </a:r>
-            <a:r>
-              <a:rPr lang="en-US" sz="1600" dirty="0" err="1"/>
-              <a:t>api</a:t>
-            </a:r>
-            <a:endParaRPr lang="en-US" sz="1600" dirty="0"/>
-          </a:p>
-          <a:p>
-            <a:pPr fontAlgn="base"/>
-            <a:r>
-              <a:rPr lang="en-US" sz="1600" dirty="0"/>
-              <a:t>React</a:t>
-            </a:r>
-          </a:p>
-          <a:p>
-            <a:pPr fontAlgn="base"/>
-            <a:r>
-              <a:rPr lang="en-US" sz="1600" dirty="0"/>
-              <a:t>Vue</a:t>
-            </a:r>
-          </a:p>
-          <a:p>
-            <a:pPr fontAlgn="base"/>
-            <a:r>
-              <a:rPr lang="en-US" sz="1600" dirty="0"/>
-              <a:t>Angular</a:t>
-            </a:r>
-          </a:p>
-          <a:p>
-            <a:pPr fontAlgn="base"/>
-            <a:r>
-              <a:rPr lang="en-US" sz="1600" dirty="0"/>
-              <a:t>Web Hosting </a:t>
-            </a:r>
-          </a:p>
-          <a:p>
-            <a:pPr fontAlgn="base"/>
-            <a:r>
-              <a:rPr lang="en-US" sz="1600" dirty="0"/>
-              <a:t>Bonus concepts (</a:t>
-            </a:r>
-            <a:r>
-              <a:rPr lang="en-US" sz="1600" dirty="0" err="1"/>
-              <a:t>Devops</a:t>
-            </a:r>
-            <a:r>
-              <a:rPr lang="en-US" sz="1600" dirty="0"/>
-              <a:t>, system architecture, </a:t>
-            </a:r>
-            <a:r>
-              <a:rPr lang="en-US" sz="1600" dirty="0" err="1"/>
-              <a:t>etc</a:t>
-            </a:r>
-            <a:r>
-              <a:rPr lang="en-US" sz="1600" dirty="0"/>
-              <a:t>)</a:t>
-            </a:r>
-          </a:p>
-          <a:p>
-            <a:pPr fontAlgn="base"/>
-            <a:endParaRPr lang="en-US" sz="1600" dirty="0"/>
-          </a:p>
-          <a:p>
-            <a:pPr fontAlgn="base"/>
-            <a:endParaRPr lang="en-US" sz="2000" dirty="0"/>
-          </a:p>
-          <a:p>
-            <a:pPr fontAlgn="base"/>
             <a:endParaRPr lang="en-US" sz="2000" dirty="0"/>
           </a:p>
           <a:p>
@@ -6474,7 +5903,7 @@
                 <a:latin typeface="Segoe UI Light" panose="020B0502040204020203" pitchFamily="34" charset="0"/>
                 <a:cs typeface="Segoe UI Light" panose="020B0502040204020203" pitchFamily="34" charset="0"/>
               </a:rPr>
-              <a:t>Course Module</a:t>
+              <a:t>Course Module in Brief</a:t>
             </a:r>
             <a:endParaRPr lang="en-US" b="1" dirty="0"/>
           </a:p>
@@ -6934,10 +6363,295 @@
           </a:p>
         </p:txBody>
       </p:sp>
+      <p:graphicFrame>
+        <p:nvGraphicFramePr>
+          <p:cNvPr id="4" name="Table 4">
+            <a:extLst>
+              <a:ext uri="{FF2B5EF4-FFF2-40B4-BE49-F238E27FC236}">
+                <a16:creationId xmlns:a16="http://schemas.microsoft.com/office/drawing/2014/main" id="{FF7D8A4A-0EDC-4AF9-8D1B-945DBFA474FF}"/>
+              </a:ext>
+            </a:extLst>
+          </p:cNvPr>
+          <p:cNvGraphicFramePr>
+            <a:graphicFrameLocks noGrp="1"/>
+          </p:cNvGraphicFramePr>
+          <p:nvPr>
+            <p:extLst>
+              <p:ext uri="{D42A27DB-BD31-4B8C-83A1-F6EECF244321}">
+                <p14:modId xmlns:p14="http://schemas.microsoft.com/office/powerpoint/2010/main" val="982948519"/>
+              </p:ext>
+            </p:extLst>
+          </p:nvPr>
+        </p:nvGraphicFramePr>
+        <p:xfrm>
+          <a:off x="228601" y="726225"/>
+          <a:ext cx="7772400" cy="4351020"/>
+        </p:xfrm>
+        <a:graphic>
+          <a:graphicData uri="http://schemas.openxmlformats.org/drawingml/2006/table">
+            <a:tbl>
+              <a:tblPr firstRow="1" bandRow="1">
+                <a:tableStyleId>{D27102A9-8310-4765-A935-A1911B00CA55}</a:tableStyleId>
+              </a:tblPr>
+              <a:tblGrid>
+                <a:gridCol w="3886200">
+                  <a:extLst>
+                    <a:ext uri="{9D8B030D-6E8A-4147-A177-3AD203B41FA5}">
+                      <a16:colId xmlns:a16="http://schemas.microsoft.com/office/drawing/2014/main" val="1250071200"/>
+                    </a:ext>
+                  </a:extLst>
+                </a:gridCol>
+                <a:gridCol w="3886200">
+                  <a:extLst>
+                    <a:ext uri="{9D8B030D-6E8A-4147-A177-3AD203B41FA5}">
+                      <a16:colId xmlns:a16="http://schemas.microsoft.com/office/drawing/2014/main" val="587131382"/>
+                    </a:ext>
+                  </a:extLst>
+                </a:gridCol>
+              </a:tblGrid>
+              <a:tr h="4166655">
+                <a:tc>
+                  <a:txBody>
+                    <a:bodyPr/>
+                    <a:lstStyle/>
+                    <a:p>
+                      <a:r>
+                        <a:rPr lang="en-US" sz="1400" dirty="0"/>
+                        <a:t>Introduction to Web Development </a:t>
+                      </a:r>
+                    </a:p>
+                    <a:p>
+                      <a:endParaRPr lang="en-US" sz="1400" dirty="0"/>
+                    </a:p>
+                    <a:p>
+                      <a:r>
+                        <a:rPr lang="en-US" sz="1400" dirty="0"/>
+                        <a:t>HTML</a:t>
+                      </a:r>
+                    </a:p>
+                    <a:p>
+                      <a:endParaRPr lang="en-US" sz="1400" dirty="0"/>
+                    </a:p>
+                    <a:p>
+                      <a:r>
+                        <a:rPr lang="en-US" sz="1400" dirty="0"/>
+                        <a:t>CSS with Web Design</a:t>
+                      </a:r>
+                    </a:p>
+                    <a:p>
+                      <a:endParaRPr lang="en-US" sz="1400" dirty="0"/>
+                    </a:p>
+                    <a:p>
+                      <a:r>
+                        <a:rPr lang="en-US" sz="1400" dirty="0"/>
+                        <a:t>Bootstrap and other styling Framework</a:t>
+                      </a:r>
+                    </a:p>
+                    <a:p>
+                      <a:endParaRPr lang="en-US" sz="1400" dirty="0"/>
+                    </a:p>
+                    <a:p>
+                      <a:r>
+                        <a:rPr lang="en-US" sz="1400" dirty="0"/>
+                        <a:t>Git and GitHub</a:t>
+                      </a:r>
+                    </a:p>
+                    <a:p>
+                      <a:endParaRPr lang="en-US" sz="1400" dirty="0"/>
+                    </a:p>
+                    <a:p>
+                      <a:r>
+                        <a:rPr lang="en-US" sz="1400" dirty="0"/>
+                        <a:t>JavaScript</a:t>
+                      </a:r>
+                    </a:p>
+                    <a:p>
+                      <a:endParaRPr lang="en-US" sz="1400" dirty="0"/>
+                    </a:p>
+                    <a:p>
+                      <a:r>
+                        <a:rPr lang="en-US" sz="1400" dirty="0"/>
+                        <a:t>jQuery</a:t>
+                      </a:r>
+                    </a:p>
+                    <a:p>
+                      <a:endParaRPr lang="en-US" sz="1400" dirty="0"/>
+                    </a:p>
+                    <a:p>
+                      <a:r>
+                        <a:rPr lang="en-US" sz="1400" dirty="0"/>
+                        <a:t>Firebase</a:t>
+                      </a:r>
+                    </a:p>
+                    <a:p>
+                      <a:endParaRPr lang="en-US" sz="1400" dirty="0"/>
+                    </a:p>
+                    <a:p>
+                      <a:r>
+                        <a:rPr lang="en-US" sz="1400" dirty="0"/>
+                        <a:t>PHP</a:t>
+                      </a:r>
+                    </a:p>
+                    <a:p>
+                      <a:endParaRPr lang="en-US" sz="1400" dirty="0"/>
+                    </a:p>
+                    <a:p>
+                      <a:r>
+                        <a:rPr lang="en-US" sz="1400" dirty="0"/>
+                        <a:t>Database (SQL vs </a:t>
+                      </a:r>
+                      <a:r>
+                        <a:rPr lang="en-IN" sz="1400" dirty="0"/>
+                        <a:t>NoSQL)</a:t>
+                      </a:r>
+                      <a:endParaRPr lang="en-US" sz="1400" dirty="0"/>
+                    </a:p>
+                    <a:p>
+                      <a:endParaRPr lang="en-IN" dirty="0"/>
+                    </a:p>
+                  </a:txBody>
+                  <a:tcPr/>
+                </a:tc>
+                <a:tc>
+                  <a:txBody>
+                    <a:bodyPr/>
+                    <a:lstStyle/>
+                    <a:p>
+                      <a:pPr marL="0" marR="0" lvl="0" indent="0" algn="l" defTabSz="685800" rtl="0" eaLnBrk="1" fontAlgn="auto" latinLnBrk="0" hangingPunct="1">
+                        <a:lnSpc>
+                          <a:spcPct val="100000"/>
+                        </a:lnSpc>
+                        <a:spcBef>
+                          <a:spcPts val="0"/>
+                        </a:spcBef>
+                        <a:spcAft>
+                          <a:spcPts val="0"/>
+                        </a:spcAft>
+                        <a:buClrTx/>
+                        <a:buSzTx/>
+                        <a:buFontTx/>
+                        <a:buNone/>
+                        <a:tabLst/>
+                        <a:defRPr/>
+                      </a:pPr>
+                      <a:r>
+                        <a:rPr lang="en-US" sz="1400" dirty="0"/>
+                        <a:t>Database (SQL)</a:t>
+                      </a:r>
+                    </a:p>
+                    <a:p>
+                      <a:endParaRPr lang="en-IN" dirty="0"/>
+                    </a:p>
+                    <a:p>
+                      <a:r>
+                        <a:rPr lang="en-US" sz="1200" dirty="0"/>
+                        <a:t>WordPress</a:t>
+                      </a:r>
+                    </a:p>
+                    <a:p>
+                      <a:endParaRPr lang="en-US" sz="1200" dirty="0"/>
+                    </a:p>
+                    <a:p>
+                      <a:r>
+                        <a:rPr lang="en-US" sz="1200" dirty="0"/>
+                        <a:t>Node with Express</a:t>
+                      </a:r>
+                    </a:p>
+                    <a:p>
+                      <a:endParaRPr lang="en-US" sz="1200" dirty="0"/>
+                    </a:p>
+                    <a:p>
+                      <a:r>
+                        <a:rPr lang="en-US" sz="1200" dirty="0"/>
+                        <a:t>EJS</a:t>
+                      </a:r>
+                    </a:p>
+                    <a:p>
+                      <a:endParaRPr lang="en-US" sz="1200" dirty="0"/>
+                    </a:p>
+                    <a:p>
+                      <a:r>
+                        <a:rPr lang="en-US" sz="1200" dirty="0"/>
+                        <a:t>React</a:t>
+                      </a:r>
+                    </a:p>
+                    <a:p>
+                      <a:endParaRPr lang="en-US" sz="1200" dirty="0"/>
+                    </a:p>
+                    <a:p>
+                      <a:r>
+                        <a:rPr lang="en-US" sz="1200" dirty="0"/>
+                        <a:t>Angular</a:t>
+                      </a:r>
+                    </a:p>
+                    <a:p>
+                      <a:endParaRPr lang="en-US" sz="1200" dirty="0"/>
+                    </a:p>
+                    <a:p>
+                      <a:r>
+                        <a:rPr lang="en-IN" dirty="0"/>
+                        <a:t>Vue</a:t>
+                      </a:r>
+                    </a:p>
+                    <a:p>
+                      <a:endParaRPr lang="en-IN" dirty="0"/>
+                    </a:p>
+                    <a:p>
+                      <a:r>
+                        <a:rPr lang="en-IN" dirty="0"/>
+                        <a:t>Other Concepts(</a:t>
+                      </a:r>
+                      <a:r>
+                        <a:rPr lang="en-IN" dirty="0" err="1"/>
+                        <a:t>Devops</a:t>
+                      </a:r>
+                      <a:r>
+                        <a:rPr lang="en-IN" dirty="0"/>
+                        <a:t>, Personal </a:t>
+                      </a:r>
+                      <a:r>
+                        <a:rPr lang="en-IN" dirty="0" err="1"/>
+                        <a:t>hosting,native</a:t>
+                      </a:r>
+                      <a:r>
+                        <a:rPr lang="en-IN" dirty="0"/>
+                        <a:t> apps </a:t>
+                      </a:r>
+                      <a:r>
+                        <a:rPr lang="en-IN" dirty="0" err="1"/>
+                        <a:t>etc,etc</a:t>
+                      </a:r>
+                      <a:r>
+                        <a:rPr lang="en-IN" dirty="0"/>
+                        <a:t>)</a:t>
+                      </a:r>
+                    </a:p>
+                    <a:p>
+                      <a:endParaRPr lang="en-IN" dirty="0"/>
+                    </a:p>
+                    <a:p>
+                      <a:r>
+                        <a:rPr lang="en-IN" dirty="0"/>
+                        <a:t>Projects</a:t>
+                      </a:r>
+                    </a:p>
+                  </a:txBody>
+                  <a:tcPr/>
+                </a:tc>
+                <a:extLst>
+                  <a:ext uri="{0D108BD9-81ED-4DB2-BD59-A6C34878D82A}">
+                    <a16:rowId xmlns:a16="http://schemas.microsoft.com/office/drawing/2014/main" val="4087008943"/>
+                  </a:ext>
+                </a:extLst>
+              </a:tr>
+            </a:tbl>
+          </a:graphicData>
+        </a:graphic>
+      </p:graphicFrame>
     </p:spTree>
     <p:extLst>
       <p:ext uri="{BB962C8B-B14F-4D97-AF65-F5344CB8AC3E}">
-        <p14:creationId xmlns:p14="http://schemas.microsoft.com/office/powerpoint/2010/main" val="1944491992"/>
+        <p14:creationId xmlns:p14="http://schemas.microsoft.com/office/powerpoint/2010/main" val="34664825"/>
       </p:ext>
     </p:extLst>
   </p:cSld>
@@ -6956,402 +6670,6 @@
       </p:transition>
     </mc:Fallback>
   </mc:AlternateContent>
-  <p:timing>
-    <p:tnLst>
-      <p:par>
-        <p:cTn id="1" dur="indefinite" restart="never" nodeType="tmRoot">
-          <p:childTnLst>
-            <p:seq concurrent="1" nextAc="seek">
-              <p:cTn id="2" dur="indefinite" nodeType="mainSeq">
-                <p:childTnLst>
-                  <p:par>
-                    <p:cTn id="3" fill="hold">
-                      <p:stCondLst>
-                        <p:cond delay="indefinite"/>
-                      </p:stCondLst>
-                      <p:childTnLst>
-                        <p:par>
-                          <p:cTn id="4" fill="hold">
-                            <p:stCondLst>
-                              <p:cond delay="0"/>
-                            </p:stCondLst>
-                            <p:childTnLst>
-                              <p:par>
-                                <p:cTn id="5" presetID="10" presetClass="entr" presetSubtype="0" fill="hold" nodeType="clickEffect">
-                                  <p:stCondLst>
-                                    <p:cond delay="0"/>
-                                  </p:stCondLst>
-                                  <p:childTnLst>
-                                    <p:set>
-                                      <p:cBhvr>
-                                        <p:cTn id="6" dur="1" fill="hold">
-                                          <p:stCondLst>
-                                            <p:cond delay="0"/>
-                                          </p:stCondLst>
-                                        </p:cTn>
-                                        <p:tgtEl>
-                                          <p:spTgt spid="2">
-                                            <p:txEl>
-                                              <p:pRg st="0" end="0"/>
-                                            </p:txEl>
-                                          </p:spTgt>
-                                        </p:tgtEl>
-                                        <p:attrNameLst>
-                                          <p:attrName>style.visibility</p:attrName>
-                                        </p:attrNameLst>
-                                      </p:cBhvr>
-                                      <p:to>
-                                        <p:strVal val="visible"/>
-                                      </p:to>
-                                    </p:set>
-                                    <p:animEffect transition="in" filter="fade">
-                                      <p:cBhvr>
-                                        <p:cTn id="7" dur="500"/>
-                                        <p:tgtEl>
-                                          <p:spTgt spid="2">
-                                            <p:txEl>
-                                              <p:pRg st="0" end="0"/>
-                                            </p:txEl>
-                                          </p:spTgt>
-                                        </p:tgtEl>
-                                      </p:cBhvr>
-                                    </p:animEffect>
-                                  </p:childTnLst>
-                                </p:cTn>
-                              </p:par>
-                            </p:childTnLst>
-                          </p:cTn>
-                        </p:par>
-                      </p:childTnLst>
-                    </p:cTn>
-                  </p:par>
-                  <p:par>
-                    <p:cTn id="8" fill="hold">
-                      <p:stCondLst>
-                        <p:cond delay="indefinite"/>
-                      </p:stCondLst>
-                      <p:childTnLst>
-                        <p:par>
-                          <p:cTn id="9" fill="hold">
-                            <p:stCondLst>
-                              <p:cond delay="0"/>
-                            </p:stCondLst>
-                            <p:childTnLst>
-                              <p:par>
-                                <p:cTn id="10" presetID="10" presetClass="entr" presetSubtype="0" fill="hold" nodeType="clickEffect">
-                                  <p:stCondLst>
-                                    <p:cond delay="0"/>
-                                  </p:stCondLst>
-                                  <p:childTnLst>
-                                    <p:set>
-                                      <p:cBhvr>
-                                        <p:cTn id="11" dur="1" fill="hold">
-                                          <p:stCondLst>
-                                            <p:cond delay="0"/>
-                                          </p:stCondLst>
-                                        </p:cTn>
-                                        <p:tgtEl>
-                                          <p:spTgt spid="2">
-                                            <p:txEl>
-                                              <p:pRg st="1" end="1"/>
-                                            </p:txEl>
-                                          </p:spTgt>
-                                        </p:tgtEl>
-                                        <p:attrNameLst>
-                                          <p:attrName>style.visibility</p:attrName>
-                                        </p:attrNameLst>
-                                      </p:cBhvr>
-                                      <p:to>
-                                        <p:strVal val="visible"/>
-                                      </p:to>
-                                    </p:set>
-                                    <p:animEffect transition="in" filter="fade">
-                                      <p:cBhvr>
-                                        <p:cTn id="12" dur="500"/>
-                                        <p:tgtEl>
-                                          <p:spTgt spid="2">
-                                            <p:txEl>
-                                              <p:pRg st="1" end="1"/>
-                                            </p:txEl>
-                                          </p:spTgt>
-                                        </p:tgtEl>
-                                      </p:cBhvr>
-                                    </p:animEffect>
-                                  </p:childTnLst>
-                                </p:cTn>
-                              </p:par>
-                            </p:childTnLst>
-                          </p:cTn>
-                        </p:par>
-                      </p:childTnLst>
-                    </p:cTn>
-                  </p:par>
-                  <p:par>
-                    <p:cTn id="13" fill="hold">
-                      <p:stCondLst>
-                        <p:cond delay="indefinite"/>
-                      </p:stCondLst>
-                      <p:childTnLst>
-                        <p:par>
-                          <p:cTn id="14" fill="hold">
-                            <p:stCondLst>
-                              <p:cond delay="0"/>
-                            </p:stCondLst>
-                            <p:childTnLst>
-                              <p:par>
-                                <p:cTn id="15" presetID="10" presetClass="entr" presetSubtype="0" fill="hold" nodeType="clickEffect">
-                                  <p:stCondLst>
-                                    <p:cond delay="0"/>
-                                  </p:stCondLst>
-                                  <p:childTnLst>
-                                    <p:set>
-                                      <p:cBhvr>
-                                        <p:cTn id="16" dur="1" fill="hold">
-                                          <p:stCondLst>
-                                            <p:cond delay="0"/>
-                                          </p:stCondLst>
-                                        </p:cTn>
-                                        <p:tgtEl>
-                                          <p:spTgt spid="2">
-                                            <p:txEl>
-                                              <p:pRg st="2" end="2"/>
-                                            </p:txEl>
-                                          </p:spTgt>
-                                        </p:tgtEl>
-                                        <p:attrNameLst>
-                                          <p:attrName>style.visibility</p:attrName>
-                                        </p:attrNameLst>
-                                      </p:cBhvr>
-                                      <p:to>
-                                        <p:strVal val="visible"/>
-                                      </p:to>
-                                    </p:set>
-                                    <p:animEffect transition="in" filter="fade">
-                                      <p:cBhvr>
-                                        <p:cTn id="17" dur="500"/>
-                                        <p:tgtEl>
-                                          <p:spTgt spid="2">
-                                            <p:txEl>
-                                              <p:pRg st="2" end="2"/>
-                                            </p:txEl>
-                                          </p:spTgt>
-                                        </p:tgtEl>
-                                      </p:cBhvr>
-                                    </p:animEffect>
-                                  </p:childTnLst>
-                                </p:cTn>
-                              </p:par>
-                            </p:childTnLst>
-                          </p:cTn>
-                        </p:par>
-                      </p:childTnLst>
-                    </p:cTn>
-                  </p:par>
-                  <p:par>
-                    <p:cTn id="18" fill="hold">
-                      <p:stCondLst>
-                        <p:cond delay="indefinite"/>
-                      </p:stCondLst>
-                      <p:childTnLst>
-                        <p:par>
-                          <p:cTn id="19" fill="hold">
-                            <p:stCondLst>
-                              <p:cond delay="0"/>
-                            </p:stCondLst>
-                            <p:childTnLst>
-                              <p:par>
-                                <p:cTn id="20" presetID="10" presetClass="entr" presetSubtype="0" fill="hold" nodeType="clickEffect">
-                                  <p:stCondLst>
-                                    <p:cond delay="0"/>
-                                  </p:stCondLst>
-                                  <p:childTnLst>
-                                    <p:set>
-                                      <p:cBhvr>
-                                        <p:cTn id="21" dur="1" fill="hold">
-                                          <p:stCondLst>
-                                            <p:cond delay="0"/>
-                                          </p:stCondLst>
-                                        </p:cTn>
-                                        <p:tgtEl>
-                                          <p:spTgt spid="2">
-                                            <p:txEl>
-                                              <p:pRg st="3" end="3"/>
-                                            </p:txEl>
-                                          </p:spTgt>
-                                        </p:tgtEl>
-                                        <p:attrNameLst>
-                                          <p:attrName>style.visibility</p:attrName>
-                                        </p:attrNameLst>
-                                      </p:cBhvr>
-                                      <p:to>
-                                        <p:strVal val="visible"/>
-                                      </p:to>
-                                    </p:set>
-                                    <p:animEffect transition="in" filter="fade">
-                                      <p:cBhvr>
-                                        <p:cTn id="22" dur="500"/>
-                                        <p:tgtEl>
-                                          <p:spTgt spid="2">
-                                            <p:txEl>
-                                              <p:pRg st="3" end="3"/>
-                                            </p:txEl>
-                                          </p:spTgt>
-                                        </p:tgtEl>
-                                      </p:cBhvr>
-                                    </p:animEffect>
-                                  </p:childTnLst>
-                                </p:cTn>
-                              </p:par>
-                            </p:childTnLst>
-                          </p:cTn>
-                        </p:par>
-                      </p:childTnLst>
-                    </p:cTn>
-                  </p:par>
-                  <p:par>
-                    <p:cTn id="23" fill="hold">
-                      <p:stCondLst>
-                        <p:cond delay="indefinite"/>
-                      </p:stCondLst>
-                      <p:childTnLst>
-                        <p:par>
-                          <p:cTn id="24" fill="hold">
-                            <p:stCondLst>
-                              <p:cond delay="0"/>
-                            </p:stCondLst>
-                            <p:childTnLst>
-                              <p:par>
-                                <p:cTn id="25" presetID="10" presetClass="entr" presetSubtype="0" fill="hold" nodeType="clickEffect">
-                                  <p:stCondLst>
-                                    <p:cond delay="0"/>
-                                  </p:stCondLst>
-                                  <p:childTnLst>
-                                    <p:set>
-                                      <p:cBhvr>
-                                        <p:cTn id="26" dur="1" fill="hold">
-                                          <p:stCondLst>
-                                            <p:cond delay="0"/>
-                                          </p:stCondLst>
-                                        </p:cTn>
-                                        <p:tgtEl>
-                                          <p:spTgt spid="2">
-                                            <p:txEl>
-                                              <p:pRg st="4" end="4"/>
-                                            </p:txEl>
-                                          </p:spTgt>
-                                        </p:tgtEl>
-                                        <p:attrNameLst>
-                                          <p:attrName>style.visibility</p:attrName>
-                                        </p:attrNameLst>
-                                      </p:cBhvr>
-                                      <p:to>
-                                        <p:strVal val="visible"/>
-                                      </p:to>
-                                    </p:set>
-                                    <p:animEffect transition="in" filter="fade">
-                                      <p:cBhvr>
-                                        <p:cTn id="27" dur="500"/>
-                                        <p:tgtEl>
-                                          <p:spTgt spid="2">
-                                            <p:txEl>
-                                              <p:pRg st="4" end="4"/>
-                                            </p:txEl>
-                                          </p:spTgt>
-                                        </p:tgtEl>
-                                      </p:cBhvr>
-                                    </p:animEffect>
-                                  </p:childTnLst>
-                                </p:cTn>
-                              </p:par>
-                            </p:childTnLst>
-                          </p:cTn>
-                        </p:par>
-                      </p:childTnLst>
-                    </p:cTn>
-                  </p:par>
-                  <p:par>
-                    <p:cTn id="28" fill="hold">
-                      <p:stCondLst>
-                        <p:cond delay="indefinite"/>
-                      </p:stCondLst>
-                      <p:childTnLst>
-                        <p:par>
-                          <p:cTn id="29" fill="hold">
-                            <p:stCondLst>
-                              <p:cond delay="0"/>
-                            </p:stCondLst>
-                            <p:childTnLst>
-                              <p:par>
-                                <p:cTn id="30" presetID="10" presetClass="entr" presetSubtype="0" fill="hold" nodeType="clickEffect">
-                                  <p:stCondLst>
-                                    <p:cond delay="0"/>
-                                  </p:stCondLst>
-                                  <p:childTnLst>
-                                    <p:set>
-                                      <p:cBhvr>
-                                        <p:cTn id="31" dur="1" fill="hold">
-                                          <p:stCondLst>
-                                            <p:cond delay="0"/>
-                                          </p:stCondLst>
-                                        </p:cTn>
-                                        <p:tgtEl>
-                                          <p:spTgt spid="2">
-                                            <p:txEl>
-                                              <p:pRg st="5" end="5"/>
-                                            </p:txEl>
-                                          </p:spTgt>
-                                        </p:tgtEl>
-                                        <p:attrNameLst>
-                                          <p:attrName>style.visibility</p:attrName>
-                                        </p:attrNameLst>
-                                      </p:cBhvr>
-                                      <p:to>
-                                        <p:strVal val="visible"/>
-                                      </p:to>
-                                    </p:set>
-                                    <p:animEffect transition="in" filter="fade">
-                                      <p:cBhvr>
-                                        <p:cTn id="32" dur="500"/>
-                                        <p:tgtEl>
-                                          <p:spTgt spid="2">
-                                            <p:txEl>
-                                              <p:pRg st="5" end="5"/>
-                                            </p:txEl>
-                                          </p:spTgt>
-                                        </p:tgtEl>
-                                      </p:cBhvr>
-                                    </p:animEffect>
-                                  </p:childTnLst>
-                                </p:cTn>
-                              </p:par>
-                            </p:childTnLst>
-                          </p:cTn>
-                        </p:par>
-                      </p:childTnLst>
-                    </p:cTn>
-                  </p:par>
-                </p:childTnLst>
-              </p:cTn>
-              <p:prevCondLst>
-                <p:cond evt="onPrev" delay="0">
-                  <p:tgtEl>
-                    <p:sldTgt/>
-                  </p:tgtEl>
-                </p:cond>
-              </p:prevCondLst>
-              <p:nextCondLst>
-                <p:cond evt="onNext" delay="0">
-                  <p:tgtEl>
-                    <p:sldTgt/>
-                  </p:tgtEl>
-                </p:cond>
-              </p:nextCondLst>
-            </p:seq>
-          </p:childTnLst>
-        </p:cTn>
-      </p:par>
-    </p:tnLst>
-  </p:timing>
 </p:sld>
 </file>
 
@@ -9262,7 +8580,7 @@
         <p:spPr bwMode="auto">
           <a:xfrm>
             <a:off x="1359153" y="675622"/>
-            <a:ext cx="6123689" cy="4410036"/>
+            <a:ext cx="6123689" cy="3814225"/>
           </a:xfrm>
           <a:prstGeom prst="rect">
             <a:avLst/>
@@ -9301,7 +8619,7 @@
         </p:blipFill>
         <p:spPr>
           <a:xfrm>
-            <a:off x="7280441" y="2102521"/>
+            <a:off x="7511159" y="2524896"/>
             <a:ext cx="1556238" cy="778119"/>
           </a:xfrm>
           <a:prstGeom prst="rect">
@@ -9331,7 +8649,7 @@
         </p:blipFill>
         <p:spPr>
           <a:xfrm>
-            <a:off x="7604315" y="3234877"/>
+            <a:off x="7630074" y="4071866"/>
             <a:ext cx="1366694" cy="835961"/>
           </a:xfrm>
           <a:prstGeom prst="rect">
@@ -9361,8 +8679,8 @@
         </p:blipFill>
         <p:spPr>
           <a:xfrm>
-            <a:off x="7056603" y="908880"/>
-            <a:ext cx="2003913" cy="1053670"/>
+            <a:off x="4860460" y="4365381"/>
+            <a:ext cx="2003913" cy="778119"/>
           </a:xfrm>
           <a:prstGeom prst="rect">
             <a:avLst/>
@@ -9453,6 +8771,150 @@
           <a:xfrm>
             <a:off x="450964" y="4012170"/>
             <a:ext cx="778119" cy="778119"/>
+          </a:xfrm>
+          <a:prstGeom prst="rect">
+            <a:avLst/>
+          </a:prstGeom>
+        </p:spPr>
+      </p:pic>
+      <p:graphicFrame>
+        <p:nvGraphicFramePr>
+          <p:cNvPr id="2" name="Table 9">
+            <a:extLst>
+              <a:ext uri="{FF2B5EF4-FFF2-40B4-BE49-F238E27FC236}">
+                <a16:creationId xmlns:a16="http://schemas.microsoft.com/office/drawing/2014/main" id="{2E8899E2-20C0-4051-8B1A-9AC86C88B570}"/>
+              </a:ext>
+            </a:extLst>
+          </p:cNvPr>
+          <p:cNvGraphicFramePr>
+            <a:graphicFrameLocks noGrp="1"/>
+          </p:cNvGraphicFramePr>
+          <p:nvPr>
+            <p:extLst>
+              <p:ext uri="{D42A27DB-BD31-4B8C-83A1-F6EECF244321}">
+                <p14:modId xmlns:p14="http://schemas.microsoft.com/office/powerpoint/2010/main" val="3820268547"/>
+              </p:ext>
+            </p:extLst>
+          </p:nvPr>
+        </p:nvGraphicFramePr>
+        <p:xfrm>
+          <a:off x="0" y="-14375"/>
+          <a:ext cx="9144000" cy="684344"/>
+        </p:xfrm>
+        <a:graphic>
+          <a:graphicData uri="http://schemas.openxmlformats.org/drawingml/2006/table">
+            <a:tbl>
+              <a:tblPr firstRow="1" bandRow="1">
+                <a:tableStyleId>{5C22544A-7EE6-4342-B048-85BDC9FD1C3A}</a:tableStyleId>
+              </a:tblPr>
+              <a:tblGrid>
+                <a:gridCol w="9144000">
+                  <a:extLst>
+                    <a:ext uri="{9D8B030D-6E8A-4147-A177-3AD203B41FA5}">
+                      <a16:colId xmlns:a16="http://schemas.microsoft.com/office/drawing/2014/main" val="749140339"/>
+                    </a:ext>
+                  </a:extLst>
+                </a:gridCol>
+              </a:tblGrid>
+              <a:tr h="684344">
+                <a:tc>
+                  <a:txBody>
+                    <a:bodyPr/>
+                    <a:lstStyle/>
+                    <a:p>
+                      <a:r>
+                        <a:rPr lang="en-US" sz="2000" dirty="0">
+                          <a:latin typeface="Arial Rounded MT Bold" panose="020F0704030504030204" pitchFamily="34" charset="0"/>
+                        </a:rPr>
+                        <a:t>Who are full stack developers ? (5</a:t>
+                      </a:r>
+                      <a:r>
+                        <a:rPr lang="en-US" sz="2000">
+                          <a:latin typeface="Arial Rounded MT Bold" panose="020F0704030504030204" pitchFamily="34" charset="0"/>
+                        </a:rPr>
+                        <a:t>+ years</a:t>
+                      </a:r>
+                      <a:r>
+                        <a:rPr lang="en-US" sz="2000" dirty="0">
+                          <a:latin typeface="Arial Rounded MT Bold" panose="020F0704030504030204" pitchFamily="34" charset="0"/>
+                        </a:rPr>
+                        <a:t>)</a:t>
+                      </a:r>
+                      <a:endParaRPr lang="en-IN" dirty="0">
+                        <a:latin typeface="Arial Rounded MT Bold" panose="020F0704030504030204" pitchFamily="34" charset="0"/>
+                      </a:endParaRPr>
+                    </a:p>
+                  </a:txBody>
+                  <a:tcPr>
+                    <a:solidFill>
+                      <a:schemeClr val="tx2"/>
+                    </a:solidFill>
+                  </a:tcPr>
+                </a:tc>
+                <a:extLst>
+                  <a:ext uri="{0D108BD9-81ED-4DB2-BD59-A6C34878D82A}">
+                    <a16:rowId xmlns:a16="http://schemas.microsoft.com/office/drawing/2014/main" val="3559328367"/>
+                  </a:ext>
+                </a:extLst>
+              </a:tr>
+            </a:tbl>
+          </a:graphicData>
+        </a:graphic>
+      </p:graphicFrame>
+      <p:pic>
+        <p:nvPicPr>
+          <p:cNvPr id="12" name="Picture 11">
+            <a:extLst>
+              <a:ext uri="{FF2B5EF4-FFF2-40B4-BE49-F238E27FC236}">
+                <a16:creationId xmlns:a16="http://schemas.microsoft.com/office/drawing/2014/main" id="{47F77044-9DA9-42E1-B3BB-A3768EF99EF8}"/>
+              </a:ext>
+            </a:extLst>
+          </p:cNvPr>
+          <p:cNvPicPr>
+            <a:picLocks noChangeAspect="1"/>
+          </p:cNvPicPr>
+          <p:nvPr/>
+        </p:nvPicPr>
+        <p:blipFill>
+          <a:blip r:embed="rId9"/>
+          <a:stretch>
+            <a:fillRect/>
+          </a:stretch>
+        </p:blipFill>
+        <p:spPr>
+          <a:xfrm>
+            <a:off x="1825222" y="4594297"/>
+            <a:ext cx="1289198" cy="427523"/>
+          </a:xfrm>
+          <a:prstGeom prst="rect">
+            <a:avLst/>
+          </a:prstGeom>
+        </p:spPr>
+      </p:pic>
+      <p:pic>
+        <p:nvPicPr>
+          <p:cNvPr id="16" name="Picture 15">
+            <a:extLst>
+              <a:ext uri="{FF2B5EF4-FFF2-40B4-BE49-F238E27FC236}">
+                <a16:creationId xmlns:a16="http://schemas.microsoft.com/office/drawing/2014/main" id="{E5E7BDF3-9872-4DA5-AB31-6F3F009B13E0}"/>
+              </a:ext>
+            </a:extLst>
+          </p:cNvPr>
+          <p:cNvPicPr>
+            <a:picLocks noChangeAspect="1"/>
+          </p:cNvPicPr>
+          <p:nvPr/>
+        </p:nvPicPr>
+        <p:blipFill>
+          <a:blip r:embed="rId10"/>
+          <a:stretch>
+            <a:fillRect/>
+          </a:stretch>
+        </p:blipFill>
+        <p:spPr>
+          <a:xfrm>
+            <a:off x="6755348" y="717200"/>
+            <a:ext cx="2155298" cy="1031084"/>
           </a:xfrm>
           <a:prstGeom prst="rect">
             <a:avLst/>
@@ -9943,49 +9405,10 @@
       </p:grpSpPr>
       <p:sp>
         <p:nvSpPr>
-          <p:cNvPr id="3" name="Content Placeholder 2">
-            <a:extLst>
-              <a:ext uri="{FF2B5EF4-FFF2-40B4-BE49-F238E27FC236}">
-                <a16:creationId xmlns:a16="http://schemas.microsoft.com/office/drawing/2014/main" id="{32B86DBA-27DF-4A90-A6B6-700AC8D4BE2D}"/>
-              </a:ext>
-            </a:extLst>
-          </p:cNvPr>
-          <p:cNvSpPr>
-            <a:spLocks noGrp="1"/>
-          </p:cNvSpPr>
-          <p:nvPr>
-            <p:ph idx="1"/>
-          </p:nvPr>
-        </p:nvSpPr>
-        <p:spPr>
-          <a:xfrm>
-            <a:off x="628650" y="1199238"/>
-            <a:ext cx="7886700" cy="3263504"/>
-          </a:xfrm>
-        </p:spPr>
-        <p:txBody>
-          <a:bodyPr>
-            <a:normAutofit lnSpcReduction="10000"/>
-          </a:bodyPr>
-          <a:lstStyle/>
-          <a:p>
-            <a:pPr marL="0" indent="0">
-              <a:buNone/>
-            </a:pPr>
-            <a:r>
-              <a:rPr lang="en-US" sz="6000" dirty="0"/>
-              <a:t>Let’s Create a website using Html, CSS, JS &amp; Bootstrap &amp; Deploy it 											*_*</a:t>
-            </a:r>
-            <a:endParaRPr lang="en-IN" sz="6000" dirty="0"/>
-          </a:p>
-        </p:txBody>
-      </p:sp>
-      <p:sp>
-        <p:nvSpPr>
           <p:cNvPr id="4" name="Rectangle 3">
             <a:extLst>
               <a:ext uri="{FF2B5EF4-FFF2-40B4-BE49-F238E27FC236}">
-                <a16:creationId xmlns:a16="http://schemas.microsoft.com/office/drawing/2014/main" id="{5B650AE2-21AF-450F-AB26-61A2EE868325}"/>
+                <a16:creationId xmlns:a16="http://schemas.microsoft.com/office/drawing/2014/main" id="{073C43C7-78E9-49F4-A33E-731E1FB62675}"/>
               </a:ext>
             </a:extLst>
           </p:cNvPr>
@@ -10034,7 +9457,7 @@
           <p:cNvPr id="5" name="Rectangle 4">
             <a:extLst>
               <a:ext uri="{FF2B5EF4-FFF2-40B4-BE49-F238E27FC236}">
-                <a16:creationId xmlns:a16="http://schemas.microsoft.com/office/drawing/2014/main" id="{61E9DC6B-31FF-4F20-A623-1963AAC598EA}"/>
+                <a16:creationId xmlns:a16="http://schemas.microsoft.com/office/drawing/2014/main" id="{31869786-5F73-4933-8E08-205D37B94DED}"/>
               </a:ext>
             </a:extLst>
           </p:cNvPr>
@@ -10084,7 +9507,7 @@
           <p:cNvPr id="6" name="Rectangle 5">
             <a:extLst>
               <a:ext uri="{FF2B5EF4-FFF2-40B4-BE49-F238E27FC236}">
-                <a16:creationId xmlns:a16="http://schemas.microsoft.com/office/drawing/2014/main" id="{154FC4BB-3BD6-45D3-BA0E-366270390034}"/>
+                <a16:creationId xmlns:a16="http://schemas.microsoft.com/office/drawing/2014/main" id="{CBDFFDED-C692-4873-A6EC-615E44046D31}"/>
               </a:ext>
             </a:extLst>
           </p:cNvPr>
@@ -10129,10 +9552,261 @@
           </a:p>
         </p:txBody>
       </p:sp>
+      <p:sp>
+        <p:nvSpPr>
+          <p:cNvPr id="7" name="Rectangle 6">
+            <a:extLst>
+              <a:ext uri="{FF2B5EF4-FFF2-40B4-BE49-F238E27FC236}">
+                <a16:creationId xmlns:a16="http://schemas.microsoft.com/office/drawing/2014/main" id="{34D65AF7-6C3B-44B7-98B5-751D10B7CCA7}"/>
+              </a:ext>
+            </a:extLst>
+          </p:cNvPr>
+          <p:cNvSpPr/>
+          <p:nvPr/>
+        </p:nvSpPr>
+        <p:spPr>
+          <a:xfrm>
+            <a:off x="7482842" y="7850"/>
+            <a:ext cx="1531088" cy="637953"/>
+          </a:xfrm>
+          <a:prstGeom prst="rect">
+            <a:avLst/>
+          </a:prstGeom>
+          <a:ln>
+            <a:noFill/>
+          </a:ln>
+        </p:spPr>
+        <p:style>
+          <a:lnRef idx="2">
+            <a:schemeClr val="dk1">
+              <a:shade val="50000"/>
+            </a:schemeClr>
+          </a:lnRef>
+          <a:fillRef idx="1">
+            <a:schemeClr val="dk1"/>
+          </a:fillRef>
+          <a:effectRef idx="0">
+            <a:schemeClr val="dk1"/>
+          </a:effectRef>
+          <a:fontRef idx="minor">
+            <a:schemeClr val="lt1"/>
+          </a:fontRef>
+        </p:style>
+        <p:txBody>
+          <a:bodyPr rtlCol="0" anchor="ctr"/>
+          <a:lstStyle/>
+          <a:p>
+            <a:pPr algn="ctr"/>
+            <a:endParaRPr lang="en-IN"/>
+          </a:p>
+        </p:txBody>
+      </p:sp>
+      <p:sp>
+        <p:nvSpPr>
+          <p:cNvPr id="8" name="Rectangle 7">
+            <a:extLst>
+              <a:ext uri="{FF2B5EF4-FFF2-40B4-BE49-F238E27FC236}">
+                <a16:creationId xmlns:a16="http://schemas.microsoft.com/office/drawing/2014/main" id="{360166E4-C9C5-47EF-A749-915E41095991}"/>
+              </a:ext>
+            </a:extLst>
+          </p:cNvPr>
+          <p:cNvSpPr/>
+          <p:nvPr/>
+        </p:nvSpPr>
+        <p:spPr>
+          <a:xfrm>
+            <a:off x="5316" y="653653"/>
+            <a:ext cx="9138684" cy="4416305"/>
+          </a:xfrm>
+          <a:prstGeom prst="rect">
+            <a:avLst/>
+          </a:prstGeom>
+          <a:solidFill>
+            <a:schemeClr val="bg1"/>
+          </a:solidFill>
+          <a:ln>
+            <a:noFill/>
+          </a:ln>
+        </p:spPr>
+        <p:style>
+          <a:lnRef idx="2">
+            <a:schemeClr val="accent6"/>
+          </a:lnRef>
+          <a:fillRef idx="1">
+            <a:schemeClr val="lt1"/>
+          </a:fillRef>
+          <a:effectRef idx="0">
+            <a:schemeClr val="accent6"/>
+          </a:effectRef>
+          <a:fontRef idx="minor">
+            <a:schemeClr val="dk1"/>
+          </a:fontRef>
+        </p:style>
+        <p:txBody>
+          <a:bodyPr rtlCol="0" anchor="ctr"/>
+          <a:lstStyle/>
+          <a:p>
+            <a:pPr algn="ctr"/>
+            <a:endParaRPr lang="en-IN"/>
+          </a:p>
+        </p:txBody>
+      </p:sp>
+      <p:sp>
+        <p:nvSpPr>
+          <p:cNvPr id="9" name="Rectangle 8">
+            <a:extLst>
+              <a:ext uri="{FF2B5EF4-FFF2-40B4-BE49-F238E27FC236}">
+                <a16:creationId xmlns:a16="http://schemas.microsoft.com/office/drawing/2014/main" id="{48A4B2ED-2CEB-4873-8C3C-024E08575E30}"/>
+              </a:ext>
+            </a:extLst>
+          </p:cNvPr>
+          <p:cNvSpPr/>
+          <p:nvPr/>
+        </p:nvSpPr>
+        <p:spPr>
+          <a:xfrm>
+            <a:off x="6625149" y="4851991"/>
+            <a:ext cx="2541181" cy="329609"/>
+          </a:xfrm>
+          <a:prstGeom prst="rect">
+            <a:avLst/>
+          </a:prstGeom>
+          <a:solidFill>
+            <a:schemeClr val="bg1"/>
+          </a:solidFill>
+          <a:ln>
+            <a:noFill/>
+          </a:ln>
+        </p:spPr>
+        <p:style>
+          <a:lnRef idx="2">
+            <a:schemeClr val="accent6"/>
+          </a:lnRef>
+          <a:fillRef idx="1">
+            <a:schemeClr val="lt1"/>
+          </a:fillRef>
+          <a:effectRef idx="0">
+            <a:schemeClr val="accent6"/>
+          </a:effectRef>
+          <a:fontRef idx="minor">
+            <a:schemeClr val="dk1"/>
+          </a:fontRef>
+        </p:style>
+        <p:txBody>
+          <a:bodyPr rtlCol="0" anchor="ctr"/>
+          <a:lstStyle/>
+          <a:p>
+            <a:pPr algn="ctr"/>
+            <a:endParaRPr lang="en-IN"/>
+          </a:p>
+        </p:txBody>
+      </p:sp>
+      <p:pic>
+        <p:nvPicPr>
+          <p:cNvPr id="5122" name="Picture 2" descr="React vs Angular vs Vue.js — What to choose in 2020? (updated in 2020) | by  TechMagic | TechMagic | Medium">
+            <a:extLst>
+              <a:ext uri="{FF2B5EF4-FFF2-40B4-BE49-F238E27FC236}">
+                <a16:creationId xmlns:a16="http://schemas.microsoft.com/office/drawing/2014/main" id="{60060520-B4D1-46D6-9F80-1307E2119405}"/>
+              </a:ext>
+            </a:extLst>
+          </p:cNvPr>
+          <p:cNvPicPr>
+            <a:picLocks noChangeAspect="1" noChangeArrowheads="1"/>
+          </p:cNvPicPr>
+          <p:nvPr/>
+        </p:nvPicPr>
+        <p:blipFill>
+          <a:blip r:embed="rId2">
+            <a:extLst>
+              <a:ext uri="{28A0092B-C50C-407E-A947-70E740481C1C}">
+                <a14:useLocalDpi xmlns:a14="http://schemas.microsoft.com/office/drawing/2010/main" val="0"/>
+              </a:ext>
+            </a:extLst>
+          </a:blip>
+          <a:srcRect/>
+          <a:stretch>
+            <a:fillRect/>
+          </a:stretch>
+        </p:blipFill>
+        <p:spPr bwMode="auto">
+          <a:xfrm>
+            <a:off x="872787" y="661503"/>
+            <a:ext cx="6870552" cy="4248204"/>
+          </a:xfrm>
+          <a:prstGeom prst="rect">
+            <a:avLst/>
+          </a:prstGeom>
+          <a:noFill/>
+          <a:extLst>
+            <a:ext uri="{909E8E84-426E-40DD-AFC4-6F175D3DCCD1}">
+              <a14:hiddenFill xmlns:a14="http://schemas.microsoft.com/office/drawing/2010/main">
+                <a:solidFill>
+                  <a:srgbClr val="FFFFFF"/>
+                </a:solidFill>
+              </a14:hiddenFill>
+            </a:ext>
+          </a:extLst>
+        </p:spPr>
+      </p:pic>
+      <p:sp>
+        <p:nvSpPr>
+          <p:cNvPr id="10" name="object 2">
+            <a:extLst>
+              <a:ext uri="{FF2B5EF4-FFF2-40B4-BE49-F238E27FC236}">
+                <a16:creationId xmlns:a16="http://schemas.microsoft.com/office/drawing/2014/main" id="{312AF270-CF79-4C66-BDAC-207C34AA197C}"/>
+              </a:ext>
+            </a:extLst>
+          </p:cNvPr>
+          <p:cNvSpPr txBox="1">
+            <a:spLocks noGrp="1"/>
+          </p:cNvSpPr>
+          <p:nvPr>
+            <p:ph type="title"/>
+          </p:nvPr>
+        </p:nvSpPr>
+        <p:spPr>
+          <a:xfrm>
+            <a:off x="127590" y="60251"/>
+            <a:ext cx="4369981" cy="517449"/>
+          </a:xfrm>
+          <a:prstGeom prst="rect">
+            <a:avLst/>
+          </a:prstGeom>
+        </p:spPr>
+        <p:txBody>
+          <a:bodyPr vert="horz" wrap="square" lIns="0" tIns="9525" rIns="0" bIns="0" rtlCol="0" anchor="ctr">
+            <a:spAutoFit/>
+          </a:bodyPr>
+          <a:lstStyle/>
+          <a:p>
+            <a:pPr marL="9525">
+              <a:lnSpc>
+                <a:spcPct val="100000"/>
+              </a:lnSpc>
+              <a:spcBef>
+                <a:spcPts val="75"/>
+              </a:spcBef>
+            </a:pPr>
+            <a:r>
+              <a:rPr lang="en-US" spc="-4" dirty="0">
+                <a:solidFill>
+                  <a:schemeClr val="bg1"/>
+                </a:solidFill>
+              </a:rPr>
+              <a:t>Frontend Market Trend</a:t>
+            </a:r>
+            <a:endParaRPr spc="-4" dirty="0">
+              <a:solidFill>
+                <a:schemeClr val="bg1"/>
+              </a:solidFill>
+            </a:endParaRPr>
+          </a:p>
+        </p:txBody>
+      </p:sp>
     </p:spTree>
     <p:extLst>
       <p:ext uri="{BB962C8B-B14F-4D97-AF65-F5344CB8AC3E}">
-        <p14:creationId xmlns:p14="http://schemas.microsoft.com/office/powerpoint/2010/main" val="236062274"/>
+        <p14:creationId xmlns:p14="http://schemas.microsoft.com/office/powerpoint/2010/main" val="1462166824"/>
       </p:ext>
     </p:extLst>
   </p:cSld>
@@ -10881,18 +10555,18 @@
 </file>
 
 <file path=customXml/item2.xml><?xml version="1.0" encoding="utf-8"?>
+<p:properties xmlns:p="http://schemas.microsoft.com/office/2006/metadata/properties" xmlns:xsi="http://www.w3.org/2001/XMLSchema-instance" xmlns:pc="http://schemas.microsoft.com/office/infopath/2007/PartnerControls">
+  <documentManagement/>
+</p:properties>
+</file>
+
+<file path=customXml/item3.xml><?xml version="1.0" encoding="utf-8"?>
 <?mso-contentType ?>
 <FormTemplates xmlns="http://schemas.microsoft.com/sharepoint/v3/contenttype/forms">
   <Display>DocumentLibraryForm</Display>
   <Edit>DocumentLibraryForm</Edit>
   <New>DocumentLibraryForm</New>
 </FormTemplates>
-</file>
-
-<file path=customXml/item3.xml><?xml version="1.0" encoding="utf-8"?>
-<p:properties xmlns:p="http://schemas.microsoft.com/office/2006/metadata/properties" xmlns:xsi="http://www.w3.org/2001/XMLSchema-instance" xmlns:pc="http://schemas.microsoft.com/office/infopath/2007/PartnerControls">
-  <documentManagement/>
-</p:properties>
 </file>
 
 <file path=customXml/itemProps1.xml><?xml version="1.0" encoding="utf-8"?>
@@ -10914,14 +10588,6 @@
 </file>
 
 <file path=customXml/itemProps2.xml><?xml version="1.0" encoding="utf-8"?>
-<ds:datastoreItem xmlns:ds="http://schemas.openxmlformats.org/officeDocument/2006/customXml" ds:itemID="{A681D2DF-F93E-4CC1-8A50-704C6CA0430E}">
-  <ds:schemaRefs>
-    <ds:schemaRef ds:uri="http://schemas.microsoft.com/sharepoint/v3/contenttype/forms"/>
-  </ds:schemaRefs>
-</ds:datastoreItem>
-</file>
-
-<file path=customXml/itemProps3.xml><?xml version="1.0" encoding="utf-8"?>
 <ds:datastoreItem xmlns:ds="http://schemas.openxmlformats.org/officeDocument/2006/customXml" ds:itemID="{7EF52303-DD41-4871-8221-5749C8E3EEE6}">
   <ds:schemaRefs>
     <ds:schemaRef ds:uri="http://purl.org/dc/elements/1.1/"/>
@@ -10936,4 +10602,12 @@
     <ds:schemaRef ds:uri="http://www.w3.org/XML/1998/namespace"/>
   </ds:schemaRefs>
 </ds:datastoreItem>
+</file>
+
+<file path=customXml/itemProps3.xml><?xml version="1.0" encoding="utf-8"?>
+<ds:datastoreItem xmlns:ds="http://schemas.openxmlformats.org/officeDocument/2006/customXml" ds:itemID="{A681D2DF-F93E-4CC1-8A50-704C6CA0430E}">
+  <ds:schemaRefs>
+    <ds:schemaRef ds:uri="http://schemas.microsoft.com/sharepoint/v3/contenttype/forms"/>
+  </ds:schemaRefs>
+</ds:datastoreItem>
 </file>
--- a/00. Introduction/PPT Personal .pptx
+++ b/00. Introduction/PPT Personal .pptx
@@ -5,22 +5,21 @@
     <p:sldMasterId id="2147483675" r:id="rId4"/>
   </p:sldMasterIdLst>
   <p:notesMasterIdLst>
-    <p:notesMasterId r:id="rId18"/>
+    <p:notesMasterId r:id="rId17"/>
   </p:notesMasterIdLst>
   <p:sldIdLst>
     <p:sldId id="2177" r:id="rId5"/>
-    <p:sldId id="2180" r:id="rId6"/>
-    <p:sldId id="2259" r:id="rId7"/>
-    <p:sldId id="266" r:id="rId8"/>
-    <p:sldId id="257" r:id="rId9"/>
-    <p:sldId id="2253" r:id="rId10"/>
-    <p:sldId id="2249" r:id="rId11"/>
-    <p:sldId id="2248" r:id="rId12"/>
-    <p:sldId id="2247" r:id="rId13"/>
-    <p:sldId id="2254" r:id="rId14"/>
-    <p:sldId id="2257" r:id="rId15"/>
-    <p:sldId id="2192" r:id="rId16"/>
-    <p:sldId id="2258" r:id="rId17"/>
+    <p:sldId id="2259" r:id="rId6"/>
+    <p:sldId id="266" r:id="rId7"/>
+    <p:sldId id="257" r:id="rId8"/>
+    <p:sldId id="2253" r:id="rId9"/>
+    <p:sldId id="2249" r:id="rId10"/>
+    <p:sldId id="2248" r:id="rId11"/>
+    <p:sldId id="2247" r:id="rId12"/>
+    <p:sldId id="2254" r:id="rId13"/>
+    <p:sldId id="2257" r:id="rId14"/>
+    <p:sldId id="2192" r:id="rId15"/>
+    <p:sldId id="2258" r:id="rId16"/>
   </p:sldIdLst>
   <p:sldSz cx="9144000" cy="5143500" type="screen16x9"/>
   <p:notesSz cx="6858000" cy="9144000"/>
@@ -670,7 +669,7 @@
     </p:spTree>
     <p:extLst>
       <p:ext uri="{BB962C8B-B14F-4D97-AF65-F5344CB8AC3E}">
-        <p14:creationId xmlns:p14="http://schemas.microsoft.com/office/powerpoint/2010/main" val="1574024890"/>
+        <p14:creationId xmlns:p14="http://schemas.microsoft.com/office/powerpoint/2010/main" val="572013925"/>
       </p:ext>
     </p:extLst>
   </p:cSld>
@@ -724,90 +723,6 @@
           <a:bodyPr/>
           <a:lstStyle/>
           <a:p>
-            <a:endParaRPr lang="en-US" dirty="0"/>
-          </a:p>
-        </p:txBody>
-      </p:sp>
-      <p:sp>
-        <p:nvSpPr>
-          <p:cNvPr id="4" name="Slide Number Placeholder 3"/>
-          <p:cNvSpPr>
-            <a:spLocks noGrp="1"/>
-          </p:cNvSpPr>
-          <p:nvPr>
-            <p:ph type="sldNum" sz="quarter" idx="5"/>
-          </p:nvPr>
-        </p:nvSpPr>
-        <p:spPr/>
-        <p:txBody>
-          <a:bodyPr/>
-          <a:lstStyle/>
-          <a:p>
-            <a:fld id="{24141B38-E2C6-4A63-9215-D38544DF7F12}" type="slidenum">
-              <a:rPr lang="en-US" smtClean="0"/>
-              <a:t>3</a:t>
-            </a:fld>
-            <a:endParaRPr lang="en-US"/>
-          </a:p>
-        </p:txBody>
-      </p:sp>
-    </p:spTree>
-    <p:extLst>
-      <p:ext uri="{BB962C8B-B14F-4D97-AF65-F5344CB8AC3E}">
-        <p14:creationId xmlns:p14="http://schemas.microsoft.com/office/powerpoint/2010/main" val="572013925"/>
-      </p:ext>
-    </p:extLst>
-  </p:cSld>
-  <p:clrMapOvr>
-    <a:masterClrMapping/>
-  </p:clrMapOvr>
-</p:notes>
-</file>
-
-<file path=ppt/notesSlides/notesSlide4.xml><?xml version="1.0" encoding="utf-8"?>
-<p:notes xmlns:a="http://schemas.openxmlformats.org/drawingml/2006/main" xmlns:r="http://schemas.openxmlformats.org/officeDocument/2006/relationships" xmlns:p="http://schemas.openxmlformats.org/presentationml/2006/main">
-  <p:cSld>
-    <p:spTree>
-      <p:nvGrpSpPr>
-        <p:cNvPr id="1" name=""/>
-        <p:cNvGrpSpPr/>
-        <p:nvPr/>
-      </p:nvGrpSpPr>
-      <p:grpSpPr>
-        <a:xfrm>
-          <a:off x="0" y="0"/>
-          <a:ext cx="0" cy="0"/>
-          <a:chOff x="0" y="0"/>
-          <a:chExt cx="0" cy="0"/>
-        </a:xfrm>
-      </p:grpSpPr>
-      <p:sp>
-        <p:nvSpPr>
-          <p:cNvPr id="2" name="Slide Image Placeholder 1"/>
-          <p:cNvSpPr>
-            <a:spLocks noGrp="1" noRot="1" noChangeAspect="1"/>
-          </p:cNvSpPr>
-          <p:nvPr>
-            <p:ph type="sldImg"/>
-          </p:nvPr>
-        </p:nvSpPr>
-        <p:spPr/>
-      </p:sp>
-      <p:sp>
-        <p:nvSpPr>
-          <p:cNvPr id="3" name="Notes Placeholder 2"/>
-          <p:cNvSpPr>
-            <a:spLocks noGrp="1"/>
-          </p:cNvSpPr>
-          <p:nvPr>
-            <p:ph type="body" idx="1"/>
-          </p:nvPr>
-        </p:nvSpPr>
-        <p:spPr/>
-        <p:txBody>
-          <a:bodyPr/>
-          <a:lstStyle/>
-          <a:p>
             <a:pPr marL="0" marR="0" lvl="0" indent="0" algn="l" defTabSz="914400" rtl="0" eaLnBrk="1" fontAlgn="auto" latinLnBrk="0" hangingPunct="1">
               <a:lnSpc>
                 <a:spcPct val="100000"/>
@@ -885,7 +800,7 @@
           <a:p>
             <a:fld id="{24141B38-E2C6-4A63-9215-D38544DF7F12}" type="slidenum">
               <a:rPr lang="en-US" smtClean="0"/>
-              <a:t>4</a:t>
+              <a:t>3</a:t>
             </a:fld>
             <a:endParaRPr lang="en-US"/>
           </a:p>
@@ -2775,7 +2690,7 @@
         </p:nvSpPr>
         <p:spPr>
           <a:xfrm>
-            <a:off x="118001" y="0"/>
+            <a:off x="39999" y="56727"/>
             <a:ext cx="5811272" cy="5143500"/>
           </a:xfrm>
           <a:prstGeom prst="rect">
@@ -3116,7 +3031,7 @@
                 <a:latin typeface="Segoe UI" panose="020B0502040204020203" pitchFamily="34" charset="0"/>
                 <a:cs typeface="Segoe UI" panose="020B0502040204020203" pitchFamily="34" charset="0"/>
               </a:rPr>
-              <a:t>Just a Student at UEMK</a:t>
+              <a:t>Undergrad @UEMK</a:t>
             </a:r>
           </a:p>
           <a:p>
@@ -3702,365 +3617,12 @@
           <a:chExt cx="0" cy="0"/>
         </a:xfrm>
       </p:grpSpPr>
-      <p:sp>
-        <p:nvSpPr>
-          <p:cNvPr id="4" name="Rectangle 3">
-            <a:extLst>
-              <a:ext uri="{FF2B5EF4-FFF2-40B4-BE49-F238E27FC236}">
-                <a16:creationId xmlns:a16="http://schemas.microsoft.com/office/drawing/2014/main" id="{073C43C7-78E9-49F4-A33E-731E1FB62675}"/>
-              </a:ext>
-            </a:extLst>
-          </p:cNvPr>
-          <p:cNvSpPr/>
-          <p:nvPr/>
-        </p:nvSpPr>
-        <p:spPr>
-          <a:xfrm>
-            <a:off x="7612912" y="0"/>
-            <a:ext cx="1531088" cy="637953"/>
-          </a:xfrm>
-          <a:prstGeom prst="rect">
-            <a:avLst/>
-          </a:prstGeom>
-          <a:ln>
-            <a:noFill/>
-          </a:ln>
-        </p:spPr>
-        <p:style>
-          <a:lnRef idx="2">
-            <a:schemeClr val="dk1">
-              <a:shade val="50000"/>
-            </a:schemeClr>
-          </a:lnRef>
-          <a:fillRef idx="1">
-            <a:schemeClr val="dk1"/>
-          </a:fillRef>
-          <a:effectRef idx="0">
-            <a:schemeClr val="dk1"/>
-          </a:effectRef>
-          <a:fontRef idx="minor">
-            <a:schemeClr val="lt1"/>
-          </a:fontRef>
-        </p:style>
-        <p:txBody>
-          <a:bodyPr rtlCol="0" anchor="ctr"/>
-          <a:lstStyle/>
-          <a:p>
-            <a:pPr algn="ctr"/>
-            <a:endParaRPr lang="en-IN"/>
-          </a:p>
-        </p:txBody>
-      </p:sp>
-      <p:sp>
-        <p:nvSpPr>
-          <p:cNvPr id="5" name="Rectangle 4">
-            <a:extLst>
-              <a:ext uri="{FF2B5EF4-FFF2-40B4-BE49-F238E27FC236}">
-                <a16:creationId xmlns:a16="http://schemas.microsoft.com/office/drawing/2014/main" id="{31869786-5F73-4933-8E08-205D37B94DED}"/>
-              </a:ext>
-            </a:extLst>
-          </p:cNvPr>
-          <p:cNvSpPr/>
-          <p:nvPr/>
-        </p:nvSpPr>
-        <p:spPr>
-          <a:xfrm>
-            <a:off x="127591" y="4699591"/>
-            <a:ext cx="2541181" cy="329609"/>
-          </a:xfrm>
-          <a:prstGeom prst="rect">
-            <a:avLst/>
-          </a:prstGeom>
-          <a:solidFill>
-            <a:schemeClr val="bg1"/>
-          </a:solidFill>
-          <a:ln>
-            <a:noFill/>
-          </a:ln>
-        </p:spPr>
-        <p:style>
-          <a:lnRef idx="2">
-            <a:schemeClr val="accent6"/>
-          </a:lnRef>
-          <a:fillRef idx="1">
-            <a:schemeClr val="lt1"/>
-          </a:fillRef>
-          <a:effectRef idx="0">
-            <a:schemeClr val="accent6"/>
-          </a:effectRef>
-          <a:fontRef idx="minor">
-            <a:schemeClr val="dk1"/>
-          </a:fontRef>
-        </p:style>
-        <p:txBody>
-          <a:bodyPr rtlCol="0" anchor="ctr"/>
-          <a:lstStyle/>
-          <a:p>
-            <a:pPr algn="ctr"/>
-            <a:endParaRPr lang="en-IN"/>
-          </a:p>
-        </p:txBody>
-      </p:sp>
-      <p:sp>
-        <p:nvSpPr>
-          <p:cNvPr id="6" name="Rectangle 5">
-            <a:extLst>
-              <a:ext uri="{FF2B5EF4-FFF2-40B4-BE49-F238E27FC236}">
-                <a16:creationId xmlns:a16="http://schemas.microsoft.com/office/drawing/2014/main" id="{CBDFFDED-C692-4873-A6EC-615E44046D31}"/>
-              </a:ext>
-            </a:extLst>
-          </p:cNvPr>
-          <p:cNvSpPr/>
-          <p:nvPr/>
-        </p:nvSpPr>
-        <p:spPr>
-          <a:xfrm>
-            <a:off x="6472749" y="4699591"/>
-            <a:ext cx="2541181" cy="329609"/>
-          </a:xfrm>
-          <a:prstGeom prst="rect">
-            <a:avLst/>
-          </a:prstGeom>
-          <a:solidFill>
-            <a:schemeClr val="bg1"/>
-          </a:solidFill>
-          <a:ln>
-            <a:noFill/>
-          </a:ln>
-        </p:spPr>
-        <p:style>
-          <a:lnRef idx="2">
-            <a:schemeClr val="accent6"/>
-          </a:lnRef>
-          <a:fillRef idx="1">
-            <a:schemeClr val="lt1"/>
-          </a:fillRef>
-          <a:effectRef idx="0">
-            <a:schemeClr val="accent6"/>
-          </a:effectRef>
-          <a:fontRef idx="minor">
-            <a:schemeClr val="dk1"/>
-          </a:fontRef>
-        </p:style>
-        <p:txBody>
-          <a:bodyPr rtlCol="0" anchor="ctr"/>
-          <a:lstStyle/>
-          <a:p>
-            <a:pPr algn="ctr"/>
-            <a:endParaRPr lang="en-IN"/>
-          </a:p>
-        </p:txBody>
-      </p:sp>
-      <p:sp>
-        <p:nvSpPr>
-          <p:cNvPr id="7" name="Rectangle 6">
-            <a:extLst>
-              <a:ext uri="{FF2B5EF4-FFF2-40B4-BE49-F238E27FC236}">
-                <a16:creationId xmlns:a16="http://schemas.microsoft.com/office/drawing/2014/main" id="{34D65AF7-6C3B-44B7-98B5-751D10B7CCA7}"/>
-              </a:ext>
-            </a:extLst>
-          </p:cNvPr>
-          <p:cNvSpPr/>
-          <p:nvPr/>
-        </p:nvSpPr>
-        <p:spPr>
-          <a:xfrm>
-            <a:off x="7482842" y="7850"/>
-            <a:ext cx="1531088" cy="637953"/>
-          </a:xfrm>
-          <a:prstGeom prst="rect">
-            <a:avLst/>
-          </a:prstGeom>
-          <a:ln>
-            <a:noFill/>
-          </a:ln>
-        </p:spPr>
-        <p:style>
-          <a:lnRef idx="2">
-            <a:schemeClr val="dk1">
-              <a:shade val="50000"/>
-            </a:schemeClr>
-          </a:lnRef>
-          <a:fillRef idx="1">
-            <a:schemeClr val="dk1"/>
-          </a:fillRef>
-          <a:effectRef idx="0">
-            <a:schemeClr val="dk1"/>
-          </a:effectRef>
-          <a:fontRef idx="minor">
-            <a:schemeClr val="lt1"/>
-          </a:fontRef>
-        </p:style>
-        <p:txBody>
-          <a:bodyPr rtlCol="0" anchor="ctr"/>
-          <a:lstStyle/>
-          <a:p>
-            <a:pPr algn="ctr"/>
-            <a:endParaRPr lang="en-IN"/>
-          </a:p>
-        </p:txBody>
-      </p:sp>
-      <p:sp>
-        <p:nvSpPr>
-          <p:cNvPr id="8" name="Rectangle 7">
-            <a:extLst>
-              <a:ext uri="{FF2B5EF4-FFF2-40B4-BE49-F238E27FC236}">
-                <a16:creationId xmlns:a16="http://schemas.microsoft.com/office/drawing/2014/main" id="{360166E4-C9C5-47EF-A749-915E41095991}"/>
-              </a:ext>
-            </a:extLst>
-          </p:cNvPr>
-          <p:cNvSpPr/>
-          <p:nvPr/>
-        </p:nvSpPr>
-        <p:spPr>
-          <a:xfrm>
-            <a:off x="5316" y="653653"/>
-            <a:ext cx="9138684" cy="4416305"/>
-          </a:xfrm>
-          <a:prstGeom prst="rect">
-            <a:avLst/>
-          </a:prstGeom>
-          <a:solidFill>
-            <a:schemeClr val="bg1"/>
-          </a:solidFill>
-          <a:ln>
-            <a:noFill/>
-          </a:ln>
-        </p:spPr>
-        <p:style>
-          <a:lnRef idx="2">
-            <a:schemeClr val="accent6"/>
-          </a:lnRef>
-          <a:fillRef idx="1">
-            <a:schemeClr val="lt1"/>
-          </a:fillRef>
-          <a:effectRef idx="0">
-            <a:schemeClr val="accent6"/>
-          </a:effectRef>
-          <a:fontRef idx="minor">
-            <a:schemeClr val="dk1"/>
-          </a:fontRef>
-        </p:style>
-        <p:txBody>
-          <a:bodyPr rtlCol="0" anchor="ctr"/>
-          <a:lstStyle/>
-          <a:p>
-            <a:pPr algn="ctr"/>
-            <a:endParaRPr lang="en-IN"/>
-          </a:p>
-        </p:txBody>
-      </p:sp>
-      <p:sp>
-        <p:nvSpPr>
-          <p:cNvPr id="9" name="Rectangle 8">
-            <a:extLst>
-              <a:ext uri="{FF2B5EF4-FFF2-40B4-BE49-F238E27FC236}">
-                <a16:creationId xmlns:a16="http://schemas.microsoft.com/office/drawing/2014/main" id="{48A4B2ED-2CEB-4873-8C3C-024E08575E30}"/>
-              </a:ext>
-            </a:extLst>
-          </p:cNvPr>
-          <p:cNvSpPr/>
-          <p:nvPr/>
-        </p:nvSpPr>
-        <p:spPr>
-          <a:xfrm>
-            <a:off x="6625149" y="4851991"/>
-            <a:ext cx="2541181" cy="329609"/>
-          </a:xfrm>
-          <a:prstGeom prst="rect">
-            <a:avLst/>
-          </a:prstGeom>
-          <a:solidFill>
-            <a:schemeClr val="bg1"/>
-          </a:solidFill>
-          <a:ln>
-            <a:noFill/>
-          </a:ln>
-        </p:spPr>
-        <p:style>
-          <a:lnRef idx="2">
-            <a:schemeClr val="accent6"/>
-          </a:lnRef>
-          <a:fillRef idx="1">
-            <a:schemeClr val="lt1"/>
-          </a:fillRef>
-          <a:effectRef idx="0">
-            <a:schemeClr val="accent6"/>
-          </a:effectRef>
-          <a:fontRef idx="minor">
-            <a:schemeClr val="dk1"/>
-          </a:fontRef>
-        </p:style>
-        <p:txBody>
-          <a:bodyPr rtlCol="0" anchor="ctr"/>
-          <a:lstStyle/>
-          <a:p>
-            <a:pPr algn="ctr"/>
-            <a:endParaRPr lang="en-IN"/>
-          </a:p>
-        </p:txBody>
-      </p:sp>
-      <p:sp>
-        <p:nvSpPr>
-          <p:cNvPr id="10" name="object 2">
-            <a:extLst>
-              <a:ext uri="{FF2B5EF4-FFF2-40B4-BE49-F238E27FC236}">
-                <a16:creationId xmlns:a16="http://schemas.microsoft.com/office/drawing/2014/main" id="{312AF270-CF79-4C66-BDAC-207C34AA197C}"/>
-              </a:ext>
-            </a:extLst>
-          </p:cNvPr>
-          <p:cNvSpPr txBox="1">
-            <a:spLocks noGrp="1"/>
-          </p:cNvSpPr>
-          <p:nvPr>
-            <p:ph type="title"/>
-          </p:nvPr>
-        </p:nvSpPr>
-        <p:spPr>
-          <a:xfrm>
-            <a:off x="127590" y="60251"/>
-            <a:ext cx="4369981" cy="517449"/>
-          </a:xfrm>
-          <a:prstGeom prst="rect">
-            <a:avLst/>
-          </a:prstGeom>
-        </p:spPr>
-        <p:txBody>
-          <a:bodyPr vert="horz" wrap="square" lIns="0" tIns="9525" rIns="0" bIns="0" rtlCol="0" anchor="ctr">
-            <a:spAutoFit/>
-          </a:bodyPr>
-          <a:lstStyle/>
-          <a:p>
-            <a:pPr marL="9525">
-              <a:lnSpc>
-                <a:spcPct val="100000"/>
-              </a:lnSpc>
-              <a:spcBef>
-                <a:spcPts val="75"/>
-              </a:spcBef>
-            </a:pPr>
-            <a:r>
-              <a:rPr lang="en-US" spc="-4" dirty="0">
-                <a:solidFill>
-                  <a:schemeClr val="bg1"/>
-                </a:solidFill>
-              </a:rPr>
-              <a:t>Backend Market Trend</a:t>
-            </a:r>
-            <a:endParaRPr spc="-4" dirty="0">
-              <a:solidFill>
-                <a:schemeClr val="bg1"/>
-              </a:solidFill>
-            </a:endParaRPr>
-          </a:p>
-        </p:txBody>
-      </p:sp>
       <p:pic>
         <p:nvPicPr>
-          <p:cNvPr id="18" name="Picture 17">
+          <p:cNvPr id="5" name="Picture 4">
             <a:extLst>
               <a:ext uri="{FF2B5EF4-FFF2-40B4-BE49-F238E27FC236}">
-                <a16:creationId xmlns:a16="http://schemas.microsoft.com/office/drawing/2014/main" id="{A955D066-4510-4985-8597-B2ED92A383CB}"/>
+                <a16:creationId xmlns:a16="http://schemas.microsoft.com/office/drawing/2014/main" id="{322E5AB6-4555-4CE6-9EFB-81EF59C9ADB9}"/>
               </a:ext>
             </a:extLst>
           </p:cNvPr>
@@ -4070,27 +3632,141 @@
           <p:nvPr/>
         </p:nvPicPr>
         <p:blipFill>
-          <a:blip r:embed="rId2">
-            <a:extLst>
-              <a:ext uri="{BEBA8EAE-BF5A-486C-A8C5-ECC9F3942E4B}">
-                <a14:imgProps xmlns:a14="http://schemas.microsoft.com/office/drawing/2010/main">
-                  <a14:imgLayer r:embed="rId3">
-                    <a14:imgEffect>
-                      <a14:sharpenSoften amount="-25000"/>
-                    </a14:imgEffect>
-                  </a14:imgLayer>
-                </a14:imgProps>
-              </a:ext>
-            </a:extLst>
-          </a:blip>
+          <a:blip r:embed="rId2"/>
           <a:stretch>
             <a:fillRect/>
           </a:stretch>
         </p:blipFill>
         <p:spPr>
           <a:xfrm>
-            <a:off x="1113853" y="682920"/>
-            <a:ext cx="6629486" cy="4333875"/>
+            <a:off x="3209925" y="0"/>
+            <a:ext cx="5934074" cy="5143500"/>
+          </a:xfrm>
+          <a:prstGeom prst="rect">
+            <a:avLst/>
+          </a:prstGeom>
+        </p:spPr>
+      </p:pic>
+      <p:sp>
+        <p:nvSpPr>
+          <p:cNvPr id="2" name="Title 1">
+            <a:extLst>
+              <a:ext uri="{FF2B5EF4-FFF2-40B4-BE49-F238E27FC236}">
+                <a16:creationId xmlns:a16="http://schemas.microsoft.com/office/drawing/2014/main" id="{7546D355-F68B-4C7F-B6FE-BBEED00C8B34}"/>
+              </a:ext>
+            </a:extLst>
+          </p:cNvPr>
+          <p:cNvSpPr>
+            <a:spLocks noGrp="1"/>
+          </p:cNvSpPr>
+          <p:nvPr>
+            <p:ph type="title"/>
+          </p:nvPr>
+        </p:nvSpPr>
+        <p:spPr>
+          <a:xfrm>
+            <a:off x="1028700" y="-86915"/>
+            <a:ext cx="4362450" cy="994172"/>
+          </a:xfrm>
+        </p:spPr>
+        <p:txBody>
+          <a:bodyPr/>
+          <a:lstStyle/>
+          <a:p>
+            <a:r>
+              <a:rPr lang="en-US" dirty="0">
+                <a:solidFill>
+                  <a:schemeClr val="bg1"/>
+                </a:solidFill>
+                <a:latin typeface="Arial Rounded MT Bold" panose="020F0704030504030204" pitchFamily="34" charset="0"/>
+              </a:rPr>
+              <a:t>Chrome     Dev Tools</a:t>
+            </a:r>
+            <a:endParaRPr lang="en-IN" dirty="0">
+              <a:solidFill>
+                <a:schemeClr val="bg1"/>
+              </a:solidFill>
+              <a:latin typeface="Arial Rounded MT Bold" panose="020F0704030504030204" pitchFamily="34" charset="0"/>
+            </a:endParaRPr>
+          </a:p>
+        </p:txBody>
+      </p:sp>
+      <p:sp>
+        <p:nvSpPr>
+          <p:cNvPr id="3" name="Content Placeholder 2">
+            <a:extLst>
+              <a:ext uri="{FF2B5EF4-FFF2-40B4-BE49-F238E27FC236}">
+                <a16:creationId xmlns:a16="http://schemas.microsoft.com/office/drawing/2014/main" id="{34B7D493-BDE1-443E-B094-B67DC0DC4700}"/>
+              </a:ext>
+            </a:extLst>
+          </p:cNvPr>
+          <p:cNvSpPr>
+            <a:spLocks noGrp="1"/>
+          </p:cNvSpPr>
+          <p:nvPr>
+            <p:ph idx="1"/>
+          </p:nvPr>
+        </p:nvSpPr>
+        <p:spPr>
+          <a:xfrm>
+            <a:off x="142875" y="925116"/>
+            <a:ext cx="2943225" cy="4123134"/>
+          </a:xfrm>
+        </p:spPr>
+        <p:txBody>
+          <a:bodyPr>
+            <a:normAutofit/>
+          </a:bodyPr>
+          <a:lstStyle/>
+          <a:p>
+            <a:r>
+              <a:rPr lang="en-US" dirty="0"/>
+              <a:t>Chrome </a:t>
+            </a:r>
+            <a:r>
+              <a:rPr lang="en-US" dirty="0" err="1"/>
+              <a:t>DevTools</a:t>
+            </a:r>
+            <a:r>
+              <a:rPr lang="en-US" dirty="0"/>
+              <a:t> is a set of web developer tools built directly into the Google Chrome </a:t>
+            </a:r>
+            <a:r>
+              <a:rPr lang="en-US" dirty="0" err="1"/>
+              <a:t>browser.DevTools</a:t>
+            </a:r>
+            <a:r>
+              <a:rPr lang="en-US" dirty="0"/>
+              <a:t> can help you edit pages  on-the-fly and diagnose problems quickly, which ultimately helps you build better websites, faster.</a:t>
+            </a:r>
+            <a:endParaRPr lang="en-IN" dirty="0"/>
+          </a:p>
+        </p:txBody>
+      </p:sp>
+      <p:pic>
+        <p:nvPicPr>
+          <p:cNvPr id="9" name="Picture 8">
+            <a:extLst>
+              <a:ext uri="{FF2B5EF4-FFF2-40B4-BE49-F238E27FC236}">
+                <a16:creationId xmlns:a16="http://schemas.microsoft.com/office/drawing/2014/main" id="{E6C1797B-33A0-40EE-BD75-3841C9318ABD}"/>
+              </a:ext>
+            </a:extLst>
+          </p:cNvPr>
+          <p:cNvPicPr>
+            <a:picLocks noChangeAspect="1"/>
+          </p:cNvPicPr>
+          <p:nvPr/>
+        </p:nvPicPr>
+        <p:blipFill>
+          <a:blip r:embed="rId3"/>
+          <a:stretch>
+            <a:fillRect/>
+          </a:stretch>
+        </p:blipFill>
+        <p:spPr>
+          <a:xfrm>
+            <a:off x="0" y="4533828"/>
+            <a:ext cx="2686050" cy="609672"/>
           </a:xfrm>
           <a:prstGeom prst="rect">
             <a:avLst/>
@@ -4100,7 +3776,7 @@
     </p:spTree>
     <p:extLst>
       <p:ext uri="{BB962C8B-B14F-4D97-AF65-F5344CB8AC3E}">
-        <p14:creationId xmlns:p14="http://schemas.microsoft.com/office/powerpoint/2010/main" val="2161830165"/>
+        <p14:creationId xmlns:p14="http://schemas.microsoft.com/office/powerpoint/2010/main" val="1118612045"/>
       </p:ext>
     </p:extLst>
   </p:cSld>
@@ -4139,12 +3815,234 @@
           <a:chExt cx="0" cy="0"/>
         </a:xfrm>
       </p:grpSpPr>
+      <p:sp>
+        <p:nvSpPr>
+          <p:cNvPr id="3" name="Content Placeholder 2">
+            <a:extLst>
+              <a:ext uri="{FF2B5EF4-FFF2-40B4-BE49-F238E27FC236}">
+                <a16:creationId xmlns:a16="http://schemas.microsoft.com/office/drawing/2014/main" id="{32B86DBA-27DF-4A90-A6B6-700AC8D4BE2D}"/>
+              </a:ext>
+            </a:extLst>
+          </p:cNvPr>
+          <p:cNvSpPr>
+            <a:spLocks noGrp="1"/>
+          </p:cNvSpPr>
+          <p:nvPr>
+            <p:ph idx="1"/>
+          </p:nvPr>
+        </p:nvSpPr>
+        <p:spPr>
+          <a:xfrm>
+            <a:off x="0" y="0"/>
+            <a:ext cx="7886700" cy="5102860"/>
+          </a:xfrm>
+        </p:spPr>
+        <p:txBody>
+          <a:bodyPr>
+            <a:normAutofit/>
+          </a:bodyPr>
+          <a:lstStyle/>
+          <a:p>
+            <a:pPr marL="0" indent="0">
+              <a:buNone/>
+            </a:pPr>
+            <a:r>
+              <a:rPr lang="en-IN" sz="4800" dirty="0">
+                <a:solidFill>
+                  <a:schemeClr val="bg1"/>
+                </a:solidFill>
+              </a:rPr>
+              <a:t>What If I get Stuck?</a:t>
+            </a:r>
+          </a:p>
+          <a:p>
+            <a:pPr marL="0" indent="0">
+              <a:buNone/>
+            </a:pPr>
+            <a:endParaRPr lang="en-IN" sz="2400" dirty="0"/>
+          </a:p>
+          <a:p>
+            <a:pPr marL="0" indent="0">
+              <a:buNone/>
+            </a:pPr>
+            <a:endParaRPr lang="en-IN" sz="2400" dirty="0"/>
+          </a:p>
+          <a:p>
+            <a:pPr marL="0" indent="0">
+              <a:buNone/>
+            </a:pPr>
+            <a:endParaRPr lang="en-IN" sz="2400" dirty="0"/>
+          </a:p>
+          <a:p>
+            <a:pPr marL="0" indent="0">
+              <a:buNone/>
+            </a:pPr>
+            <a:endParaRPr lang="en-IN" sz="2400" dirty="0"/>
+          </a:p>
+          <a:p>
+            <a:pPr marL="0" indent="0">
+              <a:buNone/>
+            </a:pPr>
+            <a:endParaRPr lang="en-IN" sz="2400" dirty="0"/>
+          </a:p>
+          <a:p>
+            <a:pPr marL="0" indent="0">
+              <a:buNone/>
+            </a:pPr>
+            <a:endParaRPr lang="en-IN" sz="2400" dirty="0"/>
+          </a:p>
+          <a:p>
+            <a:pPr marL="0" indent="0">
+              <a:buNone/>
+            </a:pPr>
+            <a:endParaRPr lang="en-IN" sz="2400" dirty="0"/>
+          </a:p>
+          <a:p>
+            <a:pPr marL="0" indent="0">
+              <a:buNone/>
+            </a:pPr>
+            <a:endParaRPr lang="en-IN" sz="2400" dirty="0"/>
+          </a:p>
+          <a:p>
+            <a:pPr marL="0" indent="0">
+              <a:buNone/>
+            </a:pPr>
+            <a:endParaRPr lang="en-IN" sz="2400" dirty="0"/>
+          </a:p>
+          <a:p>
+            <a:pPr marL="0" indent="0">
+              <a:buNone/>
+            </a:pPr>
+            <a:r>
+              <a:rPr lang="en-IN" sz="2400" dirty="0"/>
+              <a:t>                                                 </a:t>
+            </a:r>
+            <a:r>
+              <a:rPr lang="en-IN" sz="2400" b="1" dirty="0">
+                <a:latin typeface="Bradley Hand ITC" panose="03070402050302030203" pitchFamily="66" charset="0"/>
+              </a:rPr>
+              <a:t>Make them your best friend</a:t>
+            </a:r>
+          </a:p>
+          <a:p>
+            <a:pPr marL="0" indent="0">
+              <a:buNone/>
+            </a:pPr>
+            <a:endParaRPr lang="en-IN" sz="3600" dirty="0"/>
+          </a:p>
+          <a:p>
+            <a:pPr marL="0" indent="0">
+              <a:buNone/>
+            </a:pPr>
+            <a:endParaRPr lang="en-IN" sz="6000" dirty="0"/>
+          </a:p>
+        </p:txBody>
+      </p:sp>
+      <p:sp>
+        <p:nvSpPr>
+          <p:cNvPr id="4" name="Rectangle 3">
+            <a:extLst>
+              <a:ext uri="{FF2B5EF4-FFF2-40B4-BE49-F238E27FC236}">
+                <a16:creationId xmlns:a16="http://schemas.microsoft.com/office/drawing/2014/main" id="{201A29AE-1630-4837-809E-AB12DB2CD15B}"/>
+              </a:ext>
+            </a:extLst>
+          </p:cNvPr>
+          <p:cNvSpPr/>
+          <p:nvPr/>
+        </p:nvSpPr>
+        <p:spPr>
+          <a:xfrm>
+            <a:off x="7246088" y="0"/>
+            <a:ext cx="1897912" cy="637953"/>
+          </a:xfrm>
+          <a:prstGeom prst="rect">
+            <a:avLst/>
+          </a:prstGeom>
+          <a:ln>
+            <a:noFill/>
+          </a:ln>
+        </p:spPr>
+        <p:style>
+          <a:lnRef idx="2">
+            <a:schemeClr val="dk1">
+              <a:shade val="50000"/>
+            </a:schemeClr>
+          </a:lnRef>
+          <a:fillRef idx="1">
+            <a:schemeClr val="dk1"/>
+          </a:fillRef>
+          <a:effectRef idx="0">
+            <a:schemeClr val="dk1"/>
+          </a:effectRef>
+          <a:fontRef idx="minor">
+            <a:schemeClr val="lt1"/>
+          </a:fontRef>
+        </p:style>
+        <p:txBody>
+          <a:bodyPr rtlCol="0" anchor="ctr"/>
+          <a:lstStyle/>
+          <a:p>
+            <a:pPr algn="ctr"/>
+            <a:endParaRPr lang="en-IN"/>
+          </a:p>
+        </p:txBody>
+      </p:sp>
+      <p:sp>
+        <p:nvSpPr>
+          <p:cNvPr id="5" name="Rectangle 4">
+            <a:extLst>
+              <a:ext uri="{FF2B5EF4-FFF2-40B4-BE49-F238E27FC236}">
+                <a16:creationId xmlns:a16="http://schemas.microsoft.com/office/drawing/2014/main" id="{1E52A627-734D-4CF6-9083-A177137C1E48}"/>
+              </a:ext>
+            </a:extLst>
+          </p:cNvPr>
+          <p:cNvSpPr/>
+          <p:nvPr/>
+        </p:nvSpPr>
+        <p:spPr>
+          <a:xfrm>
+            <a:off x="127591" y="4699591"/>
+            <a:ext cx="2541181" cy="329609"/>
+          </a:xfrm>
+          <a:prstGeom prst="rect">
+            <a:avLst/>
+          </a:prstGeom>
+          <a:solidFill>
+            <a:schemeClr val="bg1"/>
+          </a:solidFill>
+          <a:ln>
+            <a:noFill/>
+          </a:ln>
+        </p:spPr>
+        <p:style>
+          <a:lnRef idx="2">
+            <a:schemeClr val="accent6"/>
+          </a:lnRef>
+          <a:fillRef idx="1">
+            <a:schemeClr val="lt1"/>
+          </a:fillRef>
+          <a:effectRef idx="0">
+            <a:schemeClr val="accent6"/>
+          </a:effectRef>
+          <a:fontRef idx="minor">
+            <a:schemeClr val="dk1"/>
+          </a:fontRef>
+        </p:style>
+        <p:txBody>
+          <a:bodyPr rtlCol="0" anchor="ctr"/>
+          <a:lstStyle/>
+          <a:p>
+            <a:pPr algn="ctr"/>
+            <a:endParaRPr lang="en-IN"/>
+          </a:p>
+        </p:txBody>
+      </p:sp>
       <p:pic>
         <p:nvPicPr>
-          <p:cNvPr id="5" name="Picture 4">
+          <p:cNvPr id="8" name="Picture 7">
             <a:extLst>
               <a:ext uri="{FF2B5EF4-FFF2-40B4-BE49-F238E27FC236}">
-                <a16:creationId xmlns:a16="http://schemas.microsoft.com/office/drawing/2014/main" id="{322E5AB6-4555-4CE6-9EFB-81EF59C9ADB9}"/>
+                <a16:creationId xmlns:a16="http://schemas.microsoft.com/office/drawing/2014/main" id="{2C0856E3-694B-4DAF-B213-361D318F09AC}"/>
               </a:ext>
             </a:extLst>
           </p:cNvPr>
@@ -4161,116 +4059,20 @@
         </p:blipFill>
         <p:spPr>
           <a:xfrm>
-            <a:off x="3209925" y="0"/>
-            <a:ext cx="5934074" cy="5143500"/>
+            <a:off x="-515082" y="3921420"/>
+            <a:ext cx="3562350" cy="1885950"/>
           </a:xfrm>
           <a:prstGeom prst="rect">
             <a:avLst/>
           </a:prstGeom>
         </p:spPr>
       </p:pic>
-      <p:sp>
-        <p:nvSpPr>
-          <p:cNvPr id="2" name="Title 1">
-            <a:extLst>
-              <a:ext uri="{FF2B5EF4-FFF2-40B4-BE49-F238E27FC236}">
-                <a16:creationId xmlns:a16="http://schemas.microsoft.com/office/drawing/2014/main" id="{7546D355-F68B-4C7F-B6FE-BBEED00C8B34}"/>
-              </a:ext>
-            </a:extLst>
-          </p:cNvPr>
-          <p:cNvSpPr>
-            <a:spLocks noGrp="1"/>
-          </p:cNvSpPr>
-          <p:nvPr>
-            <p:ph type="title"/>
-          </p:nvPr>
-        </p:nvSpPr>
-        <p:spPr>
-          <a:xfrm>
-            <a:off x="1028700" y="-86915"/>
-            <a:ext cx="4362450" cy="994172"/>
-          </a:xfrm>
-        </p:spPr>
-        <p:txBody>
-          <a:bodyPr/>
-          <a:lstStyle/>
-          <a:p>
-            <a:r>
-              <a:rPr lang="en-US" dirty="0">
-                <a:solidFill>
-                  <a:schemeClr val="bg1"/>
-                </a:solidFill>
-                <a:latin typeface="Arial Rounded MT Bold" panose="020F0704030504030204" pitchFamily="34" charset="0"/>
-              </a:rPr>
-              <a:t>Chrome     Dev Tools</a:t>
-            </a:r>
-            <a:endParaRPr lang="en-IN" dirty="0">
-              <a:solidFill>
-                <a:schemeClr val="bg1"/>
-              </a:solidFill>
-              <a:latin typeface="Arial Rounded MT Bold" panose="020F0704030504030204" pitchFamily="34" charset="0"/>
-            </a:endParaRPr>
-          </a:p>
-        </p:txBody>
-      </p:sp>
-      <p:sp>
-        <p:nvSpPr>
-          <p:cNvPr id="3" name="Content Placeholder 2">
-            <a:extLst>
-              <a:ext uri="{FF2B5EF4-FFF2-40B4-BE49-F238E27FC236}">
-                <a16:creationId xmlns:a16="http://schemas.microsoft.com/office/drawing/2014/main" id="{34B7D493-BDE1-443E-B094-B67DC0DC4700}"/>
-              </a:ext>
-            </a:extLst>
-          </p:cNvPr>
-          <p:cNvSpPr>
-            <a:spLocks noGrp="1"/>
-          </p:cNvSpPr>
-          <p:nvPr>
-            <p:ph idx="1"/>
-          </p:nvPr>
-        </p:nvSpPr>
-        <p:spPr>
-          <a:xfrm>
-            <a:off x="142875" y="925116"/>
-            <a:ext cx="2943225" cy="4123134"/>
-          </a:xfrm>
-        </p:spPr>
-        <p:txBody>
-          <a:bodyPr>
-            <a:normAutofit/>
-          </a:bodyPr>
-          <a:lstStyle/>
-          <a:p>
-            <a:r>
-              <a:rPr lang="en-US" dirty="0"/>
-              <a:t>Chrome </a:t>
-            </a:r>
-            <a:r>
-              <a:rPr lang="en-US" dirty="0" err="1"/>
-              <a:t>DevTools</a:t>
-            </a:r>
-            <a:r>
-              <a:rPr lang="en-US" dirty="0"/>
-              <a:t> is a set of web developer tools built directly into the Google Chrome </a:t>
-            </a:r>
-            <a:r>
-              <a:rPr lang="en-US" dirty="0" err="1"/>
-              <a:t>browser.DevTools</a:t>
-            </a:r>
-            <a:r>
-              <a:rPr lang="en-US" dirty="0"/>
-              <a:t> can help you edit pages  on-the-fly and diagnose problems quickly, which ultimately helps you build better websites, faster.</a:t>
-            </a:r>
-            <a:endParaRPr lang="en-IN" dirty="0"/>
-          </a:p>
-        </p:txBody>
-      </p:sp>
       <p:pic>
         <p:nvPicPr>
-          <p:cNvPr id="9" name="Picture 8">
+          <p:cNvPr id="10" name="Picture 9">
             <a:extLst>
               <a:ext uri="{FF2B5EF4-FFF2-40B4-BE49-F238E27FC236}">
-                <a16:creationId xmlns:a16="http://schemas.microsoft.com/office/drawing/2014/main" id="{E6C1797B-33A0-40EE-BD75-3841C9318ABD}"/>
+                <a16:creationId xmlns:a16="http://schemas.microsoft.com/office/drawing/2014/main" id="{C368E853-2587-41F6-916D-2CD8EBB660BA}"/>
               </a:ext>
             </a:extLst>
           </p:cNvPr>
@@ -4287,8 +4089,290 @@
         </p:blipFill>
         <p:spPr>
           <a:xfrm>
-            <a:off x="0" y="4533828"/>
-            <a:ext cx="2686050" cy="609672"/>
+            <a:off x="7613374" y="4336629"/>
+            <a:ext cx="1554576" cy="809779"/>
+          </a:xfrm>
+          <a:prstGeom prst="rect">
+            <a:avLst/>
+          </a:prstGeom>
+        </p:spPr>
+      </p:pic>
+      <p:pic>
+        <p:nvPicPr>
+          <p:cNvPr id="6" name="Picture 5">
+            <a:extLst>
+              <a:ext uri="{FF2B5EF4-FFF2-40B4-BE49-F238E27FC236}">
+                <a16:creationId xmlns:a16="http://schemas.microsoft.com/office/drawing/2014/main" id="{AD7571E7-2508-4E78-9594-767A44C56F87}"/>
+              </a:ext>
+            </a:extLst>
+          </p:cNvPr>
+          <p:cNvPicPr>
+            <a:picLocks noChangeAspect="1"/>
+          </p:cNvPicPr>
+          <p:nvPr/>
+        </p:nvPicPr>
+        <p:blipFill>
+          <a:blip r:embed="rId4"/>
+          <a:stretch>
+            <a:fillRect/>
+          </a:stretch>
+        </p:blipFill>
+        <p:spPr>
+          <a:xfrm>
+            <a:off x="6337055" y="3667448"/>
+            <a:ext cx="785812" cy="785812"/>
+          </a:xfrm>
+          <a:prstGeom prst="rect">
+            <a:avLst/>
+          </a:prstGeom>
+        </p:spPr>
+      </p:pic>
+      <p:pic>
+        <p:nvPicPr>
+          <p:cNvPr id="9" name="Picture 8">
+            <a:extLst>
+              <a:ext uri="{FF2B5EF4-FFF2-40B4-BE49-F238E27FC236}">
+                <a16:creationId xmlns:a16="http://schemas.microsoft.com/office/drawing/2014/main" id="{1C02A195-E4C8-4038-9416-BFC3B95E8D24}"/>
+              </a:ext>
+            </a:extLst>
+          </p:cNvPr>
+          <p:cNvPicPr>
+            <a:picLocks noChangeAspect="1"/>
+          </p:cNvPicPr>
+          <p:nvPr/>
+        </p:nvPicPr>
+        <p:blipFill>
+          <a:blip r:embed="rId5"/>
+          <a:stretch>
+            <a:fillRect/>
+          </a:stretch>
+        </p:blipFill>
+        <p:spPr>
+          <a:xfrm>
+            <a:off x="5194706" y="867928"/>
+            <a:ext cx="2284697" cy="631368"/>
+          </a:xfrm>
+          <a:prstGeom prst="rect">
+            <a:avLst/>
+          </a:prstGeom>
+        </p:spPr>
+      </p:pic>
+      <p:pic>
+        <p:nvPicPr>
+          <p:cNvPr id="12" name="Picture 11">
+            <a:extLst>
+              <a:ext uri="{FF2B5EF4-FFF2-40B4-BE49-F238E27FC236}">
+                <a16:creationId xmlns:a16="http://schemas.microsoft.com/office/drawing/2014/main" id="{E916745C-CBDA-4264-8AAF-EB6760D2F5A6}"/>
+              </a:ext>
+            </a:extLst>
+          </p:cNvPr>
+          <p:cNvPicPr>
+            <a:picLocks noChangeAspect="1"/>
+          </p:cNvPicPr>
+          <p:nvPr/>
+        </p:nvPicPr>
+        <p:blipFill>
+          <a:blip r:embed="rId6"/>
+          <a:stretch>
+            <a:fillRect/>
+          </a:stretch>
+        </p:blipFill>
+        <p:spPr>
+          <a:xfrm>
+            <a:off x="3162327" y="3515198"/>
+            <a:ext cx="1071562" cy="1071562"/>
+          </a:xfrm>
+          <a:prstGeom prst="rect">
+            <a:avLst/>
+          </a:prstGeom>
+        </p:spPr>
+      </p:pic>
+      <p:pic>
+        <p:nvPicPr>
+          <p:cNvPr id="14" name="Picture 13">
+            <a:extLst>
+              <a:ext uri="{FF2B5EF4-FFF2-40B4-BE49-F238E27FC236}">
+                <a16:creationId xmlns:a16="http://schemas.microsoft.com/office/drawing/2014/main" id="{E1995EE9-D051-4F32-89CD-1EBEF425A75F}"/>
+              </a:ext>
+            </a:extLst>
+          </p:cNvPr>
+          <p:cNvPicPr>
+            <a:picLocks noChangeAspect="1"/>
+          </p:cNvPicPr>
+          <p:nvPr/>
+        </p:nvPicPr>
+        <p:blipFill>
+          <a:blip r:embed="rId7"/>
+          <a:stretch>
+            <a:fillRect/>
+          </a:stretch>
+        </p:blipFill>
+        <p:spPr>
+          <a:xfrm>
+            <a:off x="6814240" y="2443636"/>
+            <a:ext cx="1931378" cy="1071562"/>
+          </a:xfrm>
+          <a:prstGeom prst="rect">
+            <a:avLst/>
+          </a:prstGeom>
+        </p:spPr>
+      </p:pic>
+      <p:pic>
+        <p:nvPicPr>
+          <p:cNvPr id="16" name="Picture 15">
+            <a:extLst>
+              <a:ext uri="{FF2B5EF4-FFF2-40B4-BE49-F238E27FC236}">
+                <a16:creationId xmlns:a16="http://schemas.microsoft.com/office/drawing/2014/main" id="{E1B71B45-E462-411C-8FD5-0650295AD991}"/>
+              </a:ext>
+            </a:extLst>
+          </p:cNvPr>
+          <p:cNvPicPr>
+            <a:picLocks noChangeAspect="1"/>
+          </p:cNvPicPr>
+          <p:nvPr/>
+        </p:nvPicPr>
+        <p:blipFill>
+          <a:blip r:embed="rId8"/>
+          <a:stretch>
+            <a:fillRect/>
+          </a:stretch>
+        </p:blipFill>
+        <p:spPr>
+          <a:xfrm>
+            <a:off x="317613" y="772325"/>
+            <a:ext cx="3665129" cy="1435509"/>
+          </a:xfrm>
+          <a:prstGeom prst="rect">
+            <a:avLst/>
+          </a:prstGeom>
+        </p:spPr>
+      </p:pic>
+      <p:pic>
+        <p:nvPicPr>
+          <p:cNvPr id="18" name="Picture 17">
+            <a:extLst>
+              <a:ext uri="{FF2B5EF4-FFF2-40B4-BE49-F238E27FC236}">
+                <a16:creationId xmlns:a16="http://schemas.microsoft.com/office/drawing/2014/main" id="{6FA45B11-95C4-4C9E-A1E9-3AEC5A181BDA}"/>
+              </a:ext>
+            </a:extLst>
+          </p:cNvPr>
+          <p:cNvPicPr>
+            <a:picLocks noChangeAspect="1"/>
+          </p:cNvPicPr>
+          <p:nvPr/>
+        </p:nvPicPr>
+        <p:blipFill>
+          <a:blip r:embed="rId9"/>
+          <a:stretch>
+            <a:fillRect/>
+          </a:stretch>
+        </p:blipFill>
+        <p:spPr>
+          <a:xfrm>
+            <a:off x="3656105" y="2027486"/>
+            <a:ext cx="2665397" cy="1047888"/>
+          </a:xfrm>
+          <a:prstGeom prst="rect">
+            <a:avLst/>
+          </a:prstGeom>
+        </p:spPr>
+      </p:pic>
+      <p:pic>
+        <p:nvPicPr>
+          <p:cNvPr id="20" name="Picture 19">
+            <a:extLst>
+              <a:ext uri="{FF2B5EF4-FFF2-40B4-BE49-F238E27FC236}">
+                <a16:creationId xmlns:a16="http://schemas.microsoft.com/office/drawing/2014/main" id="{830E219B-62EE-4AD0-8875-9380559FEB56}"/>
+              </a:ext>
+            </a:extLst>
+          </p:cNvPr>
+          <p:cNvPicPr>
+            <a:picLocks noChangeAspect="1"/>
+          </p:cNvPicPr>
+          <p:nvPr/>
+        </p:nvPicPr>
+        <p:blipFill>
+          <a:blip r:embed="rId10"/>
+          <a:stretch>
+            <a:fillRect/>
+          </a:stretch>
+        </p:blipFill>
+        <p:spPr>
+          <a:xfrm>
+            <a:off x="7458866" y="1842610"/>
+            <a:ext cx="804862" cy="804862"/>
+          </a:xfrm>
+          <a:prstGeom prst="rect">
+            <a:avLst/>
+          </a:prstGeom>
+        </p:spPr>
+      </p:pic>
+      <p:pic>
+        <p:nvPicPr>
+          <p:cNvPr id="22" name="Picture 21">
+            <a:extLst>
+              <a:ext uri="{FF2B5EF4-FFF2-40B4-BE49-F238E27FC236}">
+                <a16:creationId xmlns:a16="http://schemas.microsoft.com/office/drawing/2014/main" id="{9EDDCE09-8AFD-45F9-A8F2-846054FBC2B2}"/>
+              </a:ext>
+            </a:extLst>
+          </p:cNvPr>
+          <p:cNvPicPr>
+            <a:picLocks noChangeAspect="1"/>
+          </p:cNvPicPr>
+          <p:nvPr/>
+        </p:nvPicPr>
+        <p:blipFill>
+          <a:blip r:embed="rId11">
+            <a:extLst>
+              <a:ext uri="{BEBA8EAE-BF5A-486C-A8C5-ECC9F3942E4B}">
+                <a14:imgProps xmlns:a14="http://schemas.microsoft.com/office/drawing/2010/main">
+                  <a14:imgLayer r:embed="rId12">
+                    <a14:imgEffect>
+                      <a14:backgroundRemoval t="10000" b="90000" l="10000" r="90000"/>
+                    </a14:imgEffect>
+                  </a14:imgLayer>
+                </a14:imgProps>
+              </a:ext>
+            </a:extLst>
+          </a:blip>
+          <a:stretch>
+            <a:fillRect/>
+          </a:stretch>
+        </p:blipFill>
+        <p:spPr>
+          <a:xfrm>
+            <a:off x="-58275" y="2571750"/>
+            <a:ext cx="2843574" cy="1592401"/>
+          </a:xfrm>
+          <a:prstGeom prst="rect">
+            <a:avLst/>
+          </a:prstGeom>
+        </p:spPr>
+      </p:pic>
+      <p:pic>
+        <p:nvPicPr>
+          <p:cNvPr id="7" name="Picture 6">
+            <a:extLst>
+              <a:ext uri="{FF2B5EF4-FFF2-40B4-BE49-F238E27FC236}">
+                <a16:creationId xmlns:a16="http://schemas.microsoft.com/office/drawing/2014/main" id="{A7F3EAFC-3E0B-4DDF-8113-4B393BBAEFE3}"/>
+              </a:ext>
+            </a:extLst>
+          </p:cNvPr>
+          <p:cNvPicPr>
+            <a:picLocks noChangeAspect="1"/>
+          </p:cNvPicPr>
+          <p:nvPr/>
+        </p:nvPicPr>
+        <p:blipFill>
+          <a:blip r:embed="rId13"/>
+          <a:stretch>
+            <a:fillRect/>
+          </a:stretch>
+        </p:blipFill>
+        <p:spPr>
+          <a:xfrm>
+            <a:off x="2661869" y="2072540"/>
+            <a:ext cx="1232336" cy="1232336"/>
           </a:xfrm>
           <a:prstGeom prst="rect">
             <a:avLst/>
@@ -4298,7 +4382,7 @@
     </p:spTree>
     <p:extLst>
       <p:ext uri="{BB962C8B-B14F-4D97-AF65-F5344CB8AC3E}">
-        <p14:creationId xmlns:p14="http://schemas.microsoft.com/office/powerpoint/2010/main" val="1118612045"/>
+        <p14:creationId xmlns:p14="http://schemas.microsoft.com/office/powerpoint/2010/main" val="3863471975"/>
       </p:ext>
     </p:extLst>
   </p:cSld>
@@ -4355,8 +4439,8 @@
         </p:nvSpPr>
         <p:spPr>
           <a:xfrm>
-            <a:off x="0" y="0"/>
-            <a:ext cx="7886700" cy="5102860"/>
+            <a:off x="628650" y="1134848"/>
+            <a:ext cx="7886700" cy="3263504"/>
           </a:xfrm>
         </p:spPr>
         <p:txBody>
@@ -4369,94 +4453,18 @@
               <a:buNone/>
             </a:pPr>
             <a:r>
-              <a:rPr lang="en-IN" sz="4800" dirty="0">
-                <a:solidFill>
-                  <a:schemeClr val="bg1"/>
-                </a:solidFill>
-              </a:rPr>
-              <a:t>What If I get Stuck?</a:t>
+              <a:rPr lang="en-IN" sz="6000" dirty="0"/>
+              <a:t>What’s Next?</a:t>
             </a:r>
           </a:p>
           <a:p>
             <a:pPr marL="0" indent="0">
               <a:buNone/>
             </a:pPr>
-            <a:endParaRPr lang="en-IN" sz="2400" dirty="0"/>
-          </a:p>
-          <a:p>
-            <a:pPr marL="0" indent="0">
-              <a:buNone/>
-            </a:pPr>
-            <a:endParaRPr lang="en-IN" sz="2400" dirty="0"/>
-          </a:p>
-          <a:p>
-            <a:pPr marL="0" indent="0">
-              <a:buNone/>
-            </a:pPr>
-            <a:endParaRPr lang="en-IN" sz="2400" dirty="0"/>
-          </a:p>
-          <a:p>
-            <a:pPr marL="0" indent="0">
-              <a:buNone/>
-            </a:pPr>
-            <a:endParaRPr lang="en-IN" sz="2400" dirty="0"/>
-          </a:p>
-          <a:p>
-            <a:pPr marL="0" indent="0">
-              <a:buNone/>
-            </a:pPr>
-            <a:endParaRPr lang="en-IN" sz="2400" dirty="0"/>
-          </a:p>
-          <a:p>
-            <a:pPr marL="0" indent="0">
-              <a:buNone/>
-            </a:pPr>
-            <a:endParaRPr lang="en-IN" sz="2400" dirty="0"/>
-          </a:p>
-          <a:p>
-            <a:pPr marL="0" indent="0">
-              <a:buNone/>
-            </a:pPr>
-            <a:endParaRPr lang="en-IN" sz="2400" dirty="0"/>
-          </a:p>
-          <a:p>
-            <a:pPr marL="0" indent="0">
-              <a:buNone/>
-            </a:pPr>
-            <a:endParaRPr lang="en-IN" sz="2400" dirty="0"/>
-          </a:p>
-          <a:p>
-            <a:pPr marL="0" indent="0">
-              <a:buNone/>
-            </a:pPr>
-            <a:endParaRPr lang="en-IN" sz="2400" dirty="0"/>
-          </a:p>
-          <a:p>
-            <a:pPr marL="0" indent="0">
-              <a:buNone/>
-            </a:pPr>
-            <a:r>
-              <a:rPr lang="en-IN" sz="2400" dirty="0"/>
-              <a:t>                                                 </a:t>
-            </a:r>
-            <a:r>
-              <a:rPr lang="en-IN" sz="2400" b="1" dirty="0">
-                <a:latin typeface="Bradley Hand ITC" panose="03070402050302030203" pitchFamily="66" charset="0"/>
-              </a:rPr>
-              <a:t>Make them your best friend</a:t>
-            </a:r>
-          </a:p>
-          <a:p>
-            <a:pPr marL="0" indent="0">
-              <a:buNone/>
-            </a:pPr>
-            <a:endParaRPr lang="en-IN" sz="3600" dirty="0"/>
-          </a:p>
-          <a:p>
-            <a:pPr marL="0" indent="0">
-              <a:buNone/>
-            </a:pPr>
-            <a:endParaRPr lang="en-IN" sz="6000" dirty="0"/>
+            <a:r>
+              <a:rPr lang="en-IN" sz="6000" dirty="0"/>
+              <a:t>Do some Hands-On</a:t>
+            </a:r>
           </a:p>
         </p:txBody>
       </p:sp>
@@ -4611,260 +4619,8 @@
         </p:blipFill>
         <p:spPr>
           <a:xfrm>
-            <a:off x="7250565" y="4160841"/>
-            <a:ext cx="1808444" cy="942019"/>
-          </a:xfrm>
-          <a:prstGeom prst="rect">
-            <a:avLst/>
-          </a:prstGeom>
-        </p:spPr>
-      </p:pic>
-      <p:pic>
-        <p:nvPicPr>
-          <p:cNvPr id="6" name="Picture 5">
-            <a:extLst>
-              <a:ext uri="{FF2B5EF4-FFF2-40B4-BE49-F238E27FC236}">
-                <a16:creationId xmlns:a16="http://schemas.microsoft.com/office/drawing/2014/main" id="{AD7571E7-2508-4E78-9594-767A44C56F87}"/>
-              </a:ext>
-            </a:extLst>
-          </p:cNvPr>
-          <p:cNvPicPr>
-            <a:picLocks noChangeAspect="1"/>
-          </p:cNvPicPr>
-          <p:nvPr/>
-        </p:nvPicPr>
-        <p:blipFill>
-          <a:blip r:embed="rId4"/>
-          <a:stretch>
-            <a:fillRect/>
-          </a:stretch>
-        </p:blipFill>
-        <p:spPr>
-          <a:xfrm>
-            <a:off x="6337055" y="3667448"/>
-            <a:ext cx="785812" cy="785812"/>
-          </a:xfrm>
-          <a:prstGeom prst="rect">
-            <a:avLst/>
-          </a:prstGeom>
-        </p:spPr>
-      </p:pic>
-      <p:pic>
-        <p:nvPicPr>
-          <p:cNvPr id="9" name="Picture 8">
-            <a:extLst>
-              <a:ext uri="{FF2B5EF4-FFF2-40B4-BE49-F238E27FC236}">
-                <a16:creationId xmlns:a16="http://schemas.microsoft.com/office/drawing/2014/main" id="{1C02A195-E4C8-4038-9416-BFC3B95E8D24}"/>
-              </a:ext>
-            </a:extLst>
-          </p:cNvPr>
-          <p:cNvPicPr>
-            <a:picLocks noChangeAspect="1"/>
-          </p:cNvPicPr>
-          <p:nvPr/>
-        </p:nvPicPr>
-        <p:blipFill>
-          <a:blip r:embed="rId5"/>
-          <a:stretch>
-            <a:fillRect/>
-          </a:stretch>
-        </p:blipFill>
-        <p:spPr>
-          <a:xfrm>
-            <a:off x="5194706" y="867928"/>
-            <a:ext cx="2284697" cy="631368"/>
-          </a:xfrm>
-          <a:prstGeom prst="rect">
-            <a:avLst/>
-          </a:prstGeom>
-        </p:spPr>
-      </p:pic>
-      <p:pic>
-        <p:nvPicPr>
-          <p:cNvPr id="12" name="Picture 11">
-            <a:extLst>
-              <a:ext uri="{FF2B5EF4-FFF2-40B4-BE49-F238E27FC236}">
-                <a16:creationId xmlns:a16="http://schemas.microsoft.com/office/drawing/2014/main" id="{E916745C-CBDA-4264-8AAF-EB6760D2F5A6}"/>
-              </a:ext>
-            </a:extLst>
-          </p:cNvPr>
-          <p:cNvPicPr>
-            <a:picLocks noChangeAspect="1"/>
-          </p:cNvPicPr>
-          <p:nvPr/>
-        </p:nvPicPr>
-        <p:blipFill>
-          <a:blip r:embed="rId6"/>
-          <a:stretch>
-            <a:fillRect/>
-          </a:stretch>
-        </p:blipFill>
-        <p:spPr>
-          <a:xfrm>
-            <a:off x="3162327" y="3515198"/>
-            <a:ext cx="1071562" cy="1071562"/>
-          </a:xfrm>
-          <a:prstGeom prst="rect">
-            <a:avLst/>
-          </a:prstGeom>
-        </p:spPr>
-      </p:pic>
-      <p:pic>
-        <p:nvPicPr>
-          <p:cNvPr id="14" name="Picture 13">
-            <a:extLst>
-              <a:ext uri="{FF2B5EF4-FFF2-40B4-BE49-F238E27FC236}">
-                <a16:creationId xmlns:a16="http://schemas.microsoft.com/office/drawing/2014/main" id="{E1995EE9-D051-4F32-89CD-1EBEF425A75F}"/>
-              </a:ext>
-            </a:extLst>
-          </p:cNvPr>
-          <p:cNvPicPr>
-            <a:picLocks noChangeAspect="1"/>
-          </p:cNvPicPr>
-          <p:nvPr/>
-        </p:nvPicPr>
-        <p:blipFill>
-          <a:blip r:embed="rId7"/>
-          <a:stretch>
-            <a:fillRect/>
-          </a:stretch>
-        </p:blipFill>
-        <p:spPr>
-          <a:xfrm>
-            <a:off x="6814240" y="2443636"/>
-            <a:ext cx="1931378" cy="1071562"/>
-          </a:xfrm>
-          <a:prstGeom prst="rect">
-            <a:avLst/>
-          </a:prstGeom>
-        </p:spPr>
-      </p:pic>
-      <p:pic>
-        <p:nvPicPr>
-          <p:cNvPr id="16" name="Picture 15">
-            <a:extLst>
-              <a:ext uri="{FF2B5EF4-FFF2-40B4-BE49-F238E27FC236}">
-                <a16:creationId xmlns:a16="http://schemas.microsoft.com/office/drawing/2014/main" id="{E1B71B45-E462-411C-8FD5-0650295AD991}"/>
-              </a:ext>
-            </a:extLst>
-          </p:cNvPr>
-          <p:cNvPicPr>
-            <a:picLocks noChangeAspect="1"/>
-          </p:cNvPicPr>
-          <p:nvPr/>
-        </p:nvPicPr>
-        <p:blipFill>
-          <a:blip r:embed="rId8"/>
-          <a:stretch>
-            <a:fillRect/>
-          </a:stretch>
-        </p:blipFill>
-        <p:spPr>
-          <a:xfrm>
-            <a:off x="317613" y="772325"/>
-            <a:ext cx="3665129" cy="1435509"/>
-          </a:xfrm>
-          <a:prstGeom prst="rect">
-            <a:avLst/>
-          </a:prstGeom>
-        </p:spPr>
-      </p:pic>
-      <p:pic>
-        <p:nvPicPr>
-          <p:cNvPr id="18" name="Picture 17">
-            <a:extLst>
-              <a:ext uri="{FF2B5EF4-FFF2-40B4-BE49-F238E27FC236}">
-                <a16:creationId xmlns:a16="http://schemas.microsoft.com/office/drawing/2014/main" id="{6FA45B11-95C4-4C9E-A1E9-3AEC5A181BDA}"/>
-              </a:ext>
-            </a:extLst>
-          </p:cNvPr>
-          <p:cNvPicPr>
-            <a:picLocks noChangeAspect="1"/>
-          </p:cNvPicPr>
-          <p:nvPr/>
-        </p:nvPicPr>
-        <p:blipFill>
-          <a:blip r:embed="rId9"/>
-          <a:stretch>
-            <a:fillRect/>
-          </a:stretch>
-        </p:blipFill>
-        <p:spPr>
-          <a:xfrm>
-            <a:off x="3656105" y="2027486"/>
-            <a:ext cx="2665397" cy="1047888"/>
-          </a:xfrm>
-          <a:prstGeom prst="rect">
-            <a:avLst/>
-          </a:prstGeom>
-        </p:spPr>
-      </p:pic>
-      <p:pic>
-        <p:nvPicPr>
-          <p:cNvPr id="20" name="Picture 19">
-            <a:extLst>
-              <a:ext uri="{FF2B5EF4-FFF2-40B4-BE49-F238E27FC236}">
-                <a16:creationId xmlns:a16="http://schemas.microsoft.com/office/drawing/2014/main" id="{830E219B-62EE-4AD0-8875-9380559FEB56}"/>
-              </a:ext>
-            </a:extLst>
-          </p:cNvPr>
-          <p:cNvPicPr>
-            <a:picLocks noChangeAspect="1"/>
-          </p:cNvPicPr>
-          <p:nvPr/>
-        </p:nvPicPr>
-        <p:blipFill>
-          <a:blip r:embed="rId10"/>
-          <a:stretch>
-            <a:fillRect/>
-          </a:stretch>
-        </p:blipFill>
-        <p:spPr>
-          <a:xfrm>
-            <a:off x="7458866" y="1842610"/>
-            <a:ext cx="804862" cy="804862"/>
-          </a:xfrm>
-          <a:prstGeom prst="rect">
-            <a:avLst/>
-          </a:prstGeom>
-        </p:spPr>
-      </p:pic>
-      <p:pic>
-        <p:nvPicPr>
-          <p:cNvPr id="22" name="Picture 21">
-            <a:extLst>
-              <a:ext uri="{FF2B5EF4-FFF2-40B4-BE49-F238E27FC236}">
-                <a16:creationId xmlns:a16="http://schemas.microsoft.com/office/drawing/2014/main" id="{9EDDCE09-8AFD-45F9-A8F2-846054FBC2B2}"/>
-              </a:ext>
-            </a:extLst>
-          </p:cNvPr>
-          <p:cNvPicPr>
-            <a:picLocks noChangeAspect="1"/>
-          </p:cNvPicPr>
-          <p:nvPr/>
-        </p:nvPicPr>
-        <p:blipFill>
-          <a:blip r:embed="rId11">
-            <a:extLst>
-              <a:ext uri="{BEBA8EAE-BF5A-486C-A8C5-ECC9F3942E4B}">
-                <a14:imgProps xmlns:a14="http://schemas.microsoft.com/office/drawing/2010/main">
-                  <a14:imgLayer r:embed="rId12">
-                    <a14:imgEffect>
-                      <a14:backgroundRemoval t="10000" b="90000" l="10000" r="90000"/>
-                    </a14:imgEffect>
-                  </a14:imgLayer>
-                </a14:imgProps>
-              </a:ext>
-            </a:extLst>
-          </a:blip>
-          <a:stretch>
-            <a:fillRect/>
-          </a:stretch>
-        </p:blipFill>
-        <p:spPr>
-          <a:xfrm>
-            <a:off x="-58275" y="2571750"/>
-            <a:ext cx="2843574" cy="1592401"/>
+            <a:off x="6096734" y="3559811"/>
+            <a:ext cx="2962275" cy="1543050"/>
           </a:xfrm>
           <a:prstGeom prst="rect">
             <a:avLst/>
@@ -4874,7 +4630,7 @@
     </p:spTree>
     <p:extLst>
       <p:ext uri="{BB962C8B-B14F-4D97-AF65-F5344CB8AC3E}">
-        <p14:creationId xmlns:p14="http://schemas.microsoft.com/office/powerpoint/2010/main" val="3863471975"/>
+        <p14:creationId xmlns:p14="http://schemas.microsoft.com/office/powerpoint/2010/main" val="86990290"/>
       </p:ext>
     </p:extLst>
   </p:cSld>
@@ -4896,929 +4652,7 @@
 </p:sld>
 </file>
 
-<file path=ppt/slides/slide13.xml><?xml version="1.0" encoding="utf-8"?>
-<p:sld xmlns:a="http://schemas.openxmlformats.org/drawingml/2006/main" xmlns:r="http://schemas.openxmlformats.org/officeDocument/2006/relationships" xmlns:p="http://schemas.openxmlformats.org/presentationml/2006/main">
-  <p:cSld>
-    <p:spTree>
-      <p:nvGrpSpPr>
-        <p:cNvPr id="1" name=""/>
-        <p:cNvGrpSpPr/>
-        <p:nvPr/>
-      </p:nvGrpSpPr>
-      <p:grpSpPr>
-        <a:xfrm>
-          <a:off x="0" y="0"/>
-          <a:ext cx="0" cy="0"/>
-          <a:chOff x="0" y="0"/>
-          <a:chExt cx="0" cy="0"/>
-        </a:xfrm>
-      </p:grpSpPr>
-      <p:sp>
-        <p:nvSpPr>
-          <p:cNvPr id="3" name="Content Placeholder 2">
-            <a:extLst>
-              <a:ext uri="{FF2B5EF4-FFF2-40B4-BE49-F238E27FC236}">
-                <a16:creationId xmlns:a16="http://schemas.microsoft.com/office/drawing/2014/main" id="{32B86DBA-27DF-4A90-A6B6-700AC8D4BE2D}"/>
-              </a:ext>
-            </a:extLst>
-          </p:cNvPr>
-          <p:cNvSpPr>
-            <a:spLocks noGrp="1"/>
-          </p:cNvSpPr>
-          <p:nvPr>
-            <p:ph idx="1"/>
-          </p:nvPr>
-        </p:nvSpPr>
-        <p:spPr>
-          <a:xfrm>
-            <a:off x="628650" y="1134848"/>
-            <a:ext cx="7886700" cy="3263504"/>
-          </a:xfrm>
-        </p:spPr>
-        <p:txBody>
-          <a:bodyPr>
-            <a:normAutofit/>
-          </a:bodyPr>
-          <a:lstStyle/>
-          <a:p>
-            <a:pPr marL="0" indent="0">
-              <a:buNone/>
-            </a:pPr>
-            <a:r>
-              <a:rPr lang="en-IN" sz="6000" dirty="0"/>
-              <a:t>What’s Next?</a:t>
-            </a:r>
-          </a:p>
-          <a:p>
-            <a:pPr marL="0" indent="0">
-              <a:buNone/>
-            </a:pPr>
-            <a:r>
-              <a:rPr lang="en-IN" sz="6000" dirty="0"/>
-              <a:t>Do some Hands-On</a:t>
-            </a:r>
-          </a:p>
-        </p:txBody>
-      </p:sp>
-      <p:sp>
-        <p:nvSpPr>
-          <p:cNvPr id="4" name="Rectangle 3">
-            <a:extLst>
-              <a:ext uri="{FF2B5EF4-FFF2-40B4-BE49-F238E27FC236}">
-                <a16:creationId xmlns:a16="http://schemas.microsoft.com/office/drawing/2014/main" id="{201A29AE-1630-4837-809E-AB12DB2CD15B}"/>
-              </a:ext>
-            </a:extLst>
-          </p:cNvPr>
-          <p:cNvSpPr/>
-          <p:nvPr/>
-        </p:nvSpPr>
-        <p:spPr>
-          <a:xfrm>
-            <a:off x="7246088" y="0"/>
-            <a:ext cx="1897912" cy="637953"/>
-          </a:xfrm>
-          <a:prstGeom prst="rect">
-            <a:avLst/>
-          </a:prstGeom>
-          <a:ln>
-            <a:noFill/>
-          </a:ln>
-        </p:spPr>
-        <p:style>
-          <a:lnRef idx="2">
-            <a:schemeClr val="dk1">
-              <a:shade val="50000"/>
-            </a:schemeClr>
-          </a:lnRef>
-          <a:fillRef idx="1">
-            <a:schemeClr val="dk1"/>
-          </a:fillRef>
-          <a:effectRef idx="0">
-            <a:schemeClr val="dk1"/>
-          </a:effectRef>
-          <a:fontRef idx="minor">
-            <a:schemeClr val="lt1"/>
-          </a:fontRef>
-        </p:style>
-        <p:txBody>
-          <a:bodyPr rtlCol="0" anchor="ctr"/>
-          <a:lstStyle/>
-          <a:p>
-            <a:pPr algn="ctr"/>
-            <a:endParaRPr lang="en-IN"/>
-          </a:p>
-        </p:txBody>
-      </p:sp>
-      <p:sp>
-        <p:nvSpPr>
-          <p:cNvPr id="5" name="Rectangle 4">
-            <a:extLst>
-              <a:ext uri="{FF2B5EF4-FFF2-40B4-BE49-F238E27FC236}">
-                <a16:creationId xmlns:a16="http://schemas.microsoft.com/office/drawing/2014/main" id="{1E52A627-734D-4CF6-9083-A177137C1E48}"/>
-              </a:ext>
-            </a:extLst>
-          </p:cNvPr>
-          <p:cNvSpPr/>
-          <p:nvPr/>
-        </p:nvSpPr>
-        <p:spPr>
-          <a:xfrm>
-            <a:off x="127591" y="4699591"/>
-            <a:ext cx="2541181" cy="329609"/>
-          </a:xfrm>
-          <a:prstGeom prst="rect">
-            <a:avLst/>
-          </a:prstGeom>
-          <a:solidFill>
-            <a:schemeClr val="bg1"/>
-          </a:solidFill>
-          <a:ln>
-            <a:noFill/>
-          </a:ln>
-        </p:spPr>
-        <p:style>
-          <a:lnRef idx="2">
-            <a:schemeClr val="accent6"/>
-          </a:lnRef>
-          <a:fillRef idx="1">
-            <a:schemeClr val="lt1"/>
-          </a:fillRef>
-          <a:effectRef idx="0">
-            <a:schemeClr val="accent6"/>
-          </a:effectRef>
-          <a:fontRef idx="minor">
-            <a:schemeClr val="dk1"/>
-          </a:fontRef>
-        </p:style>
-        <p:txBody>
-          <a:bodyPr rtlCol="0" anchor="ctr"/>
-          <a:lstStyle/>
-          <a:p>
-            <a:pPr algn="ctr"/>
-            <a:endParaRPr lang="en-IN"/>
-          </a:p>
-        </p:txBody>
-      </p:sp>
-      <p:pic>
-        <p:nvPicPr>
-          <p:cNvPr id="8" name="Picture 7">
-            <a:extLst>
-              <a:ext uri="{FF2B5EF4-FFF2-40B4-BE49-F238E27FC236}">
-                <a16:creationId xmlns:a16="http://schemas.microsoft.com/office/drawing/2014/main" id="{2C0856E3-694B-4DAF-B213-361D318F09AC}"/>
-              </a:ext>
-            </a:extLst>
-          </p:cNvPr>
-          <p:cNvPicPr>
-            <a:picLocks noChangeAspect="1"/>
-          </p:cNvPicPr>
-          <p:nvPr/>
-        </p:nvPicPr>
-        <p:blipFill>
-          <a:blip r:embed="rId2"/>
-          <a:stretch>
-            <a:fillRect/>
-          </a:stretch>
-        </p:blipFill>
-        <p:spPr>
-          <a:xfrm>
-            <a:off x="-515082" y="3921420"/>
-            <a:ext cx="3562350" cy="1885950"/>
-          </a:xfrm>
-          <a:prstGeom prst="rect">
-            <a:avLst/>
-          </a:prstGeom>
-        </p:spPr>
-      </p:pic>
-      <p:pic>
-        <p:nvPicPr>
-          <p:cNvPr id="10" name="Picture 9">
-            <a:extLst>
-              <a:ext uri="{FF2B5EF4-FFF2-40B4-BE49-F238E27FC236}">
-                <a16:creationId xmlns:a16="http://schemas.microsoft.com/office/drawing/2014/main" id="{C368E853-2587-41F6-916D-2CD8EBB660BA}"/>
-              </a:ext>
-            </a:extLst>
-          </p:cNvPr>
-          <p:cNvPicPr>
-            <a:picLocks noChangeAspect="1"/>
-          </p:cNvPicPr>
-          <p:nvPr/>
-        </p:nvPicPr>
-        <p:blipFill>
-          <a:blip r:embed="rId3"/>
-          <a:stretch>
-            <a:fillRect/>
-          </a:stretch>
-        </p:blipFill>
-        <p:spPr>
-          <a:xfrm>
-            <a:off x="6096734" y="3559811"/>
-            <a:ext cx="2962275" cy="1543050"/>
-          </a:xfrm>
-          <a:prstGeom prst="rect">
-            <a:avLst/>
-          </a:prstGeom>
-        </p:spPr>
-      </p:pic>
-    </p:spTree>
-    <p:extLst>
-      <p:ext uri="{BB962C8B-B14F-4D97-AF65-F5344CB8AC3E}">
-        <p14:creationId xmlns:p14="http://schemas.microsoft.com/office/powerpoint/2010/main" val="86990290"/>
-      </p:ext>
-    </p:extLst>
-  </p:cSld>
-  <p:clrMapOvr>
-    <a:masterClrMapping/>
-  </p:clrMapOvr>
-  <mc:AlternateContent xmlns:mc="http://schemas.openxmlformats.org/markup-compatibility/2006">
-    <mc:Choice xmlns:p14="http://schemas.microsoft.com/office/powerpoint/2010/main" Requires="p14">
-      <p:transition spd="med" p14:dur="700">
-        <p:fade/>
-      </p:transition>
-    </mc:Choice>
-    <mc:Fallback>
-      <p:transition spd="med">
-        <p:fade/>
-      </p:transition>
-    </mc:Fallback>
-  </mc:AlternateContent>
-</p:sld>
-</file>
-
 <file path=ppt/slides/slide2.xml><?xml version="1.0" encoding="utf-8"?>
-<p:sld xmlns:a="http://schemas.openxmlformats.org/drawingml/2006/main" xmlns:r="http://schemas.openxmlformats.org/officeDocument/2006/relationships" xmlns:p="http://schemas.openxmlformats.org/presentationml/2006/main">
-  <p:cSld>
-    <p:spTree>
-      <p:nvGrpSpPr>
-        <p:cNvPr id="1" name=""/>
-        <p:cNvGrpSpPr/>
-        <p:nvPr/>
-      </p:nvGrpSpPr>
-      <p:grpSpPr>
-        <a:xfrm>
-          <a:off x="0" y="0"/>
-          <a:ext cx="0" cy="0"/>
-          <a:chOff x="0" y="0"/>
-          <a:chExt cx="0" cy="0"/>
-        </a:xfrm>
-      </p:grpSpPr>
-      <p:sp>
-        <p:nvSpPr>
-          <p:cNvPr id="2" name="Content Placeholder 1">
-            <a:extLst>
-              <a:ext uri="{FF2B5EF4-FFF2-40B4-BE49-F238E27FC236}">
-                <a16:creationId xmlns:a16="http://schemas.microsoft.com/office/drawing/2014/main" id="{FEEAA7FC-9AF9-4142-94D0-8A6E2F145702}"/>
-              </a:ext>
-            </a:extLst>
-          </p:cNvPr>
-          <p:cNvSpPr>
-            <a:spLocks noGrp="1"/>
-          </p:cNvSpPr>
-          <p:nvPr>
-            <p:ph idx="1"/>
-          </p:nvPr>
-        </p:nvSpPr>
-        <p:spPr>
-          <a:xfrm>
-            <a:off x="230090" y="761394"/>
-            <a:ext cx="8683819" cy="4023440"/>
-          </a:xfrm>
-        </p:spPr>
-        <p:txBody>
-          <a:bodyPr>
-            <a:noAutofit/>
-          </a:bodyPr>
-          <a:lstStyle/>
-          <a:p>
-            <a:pPr marL="0" indent="0" fontAlgn="base">
-              <a:buNone/>
-            </a:pPr>
-            <a:r>
-              <a:rPr lang="en-US" sz="1400" dirty="0"/>
-              <a:t>Introduction to Web Development  				</a:t>
-            </a:r>
-            <a:endParaRPr lang="en-IN" sz="1400" dirty="0"/>
-          </a:p>
-          <a:p>
-            <a:pPr marL="0" indent="0" fontAlgn="base">
-              <a:buNone/>
-            </a:pPr>
-            <a:r>
-              <a:rPr lang="en-US" sz="1400" dirty="0"/>
-              <a:t>HTML							</a:t>
-            </a:r>
-          </a:p>
-          <a:p>
-            <a:pPr marL="0" indent="0" fontAlgn="base">
-              <a:buNone/>
-            </a:pPr>
-            <a:r>
-              <a:rPr lang="en-US" sz="1400" dirty="0"/>
-              <a:t>CSS with Web Design					</a:t>
-            </a:r>
-          </a:p>
-          <a:p>
-            <a:pPr marL="0" indent="0" fontAlgn="base">
-              <a:buNone/>
-            </a:pPr>
-            <a:r>
-              <a:rPr lang="en-US" sz="1400" dirty="0"/>
-              <a:t>Bootstrap and other styling Framework			</a:t>
-            </a:r>
-          </a:p>
-          <a:p>
-            <a:pPr marL="0" indent="0" fontAlgn="base">
-              <a:buNone/>
-            </a:pPr>
-            <a:r>
-              <a:rPr lang="en-US" sz="1400" dirty="0"/>
-              <a:t>Git and GitHub						</a:t>
-            </a:r>
-          </a:p>
-          <a:p>
-            <a:pPr marL="0" indent="0" fontAlgn="base">
-              <a:buNone/>
-            </a:pPr>
-            <a:r>
-              <a:rPr lang="en-US" sz="1400" dirty="0"/>
-              <a:t>JavaScript						</a:t>
-            </a:r>
-          </a:p>
-          <a:p>
-            <a:pPr marL="0" indent="0" fontAlgn="base">
-              <a:buNone/>
-            </a:pPr>
-            <a:r>
-              <a:rPr lang="en-US" sz="1400" dirty="0"/>
-              <a:t>jQuery							Vue</a:t>
-            </a:r>
-          </a:p>
-          <a:p>
-            <a:pPr marL="0" indent="0" fontAlgn="base">
-              <a:buNone/>
-            </a:pPr>
-            <a:r>
-              <a:rPr lang="en-US" sz="1400" dirty="0"/>
-              <a:t>Firebase							Other Concepts</a:t>
-            </a:r>
-          </a:p>
-          <a:p>
-            <a:pPr marL="0" indent="0" fontAlgn="base">
-              <a:buNone/>
-            </a:pPr>
-            <a:r>
-              <a:rPr lang="en-US" sz="1400" dirty="0"/>
-              <a:t>PHP							EJS</a:t>
-            </a:r>
-          </a:p>
-          <a:p>
-            <a:pPr marL="0" indent="0" fontAlgn="base">
-              <a:buNone/>
-            </a:pPr>
-            <a:r>
-              <a:rPr lang="en-US" sz="1600" dirty="0"/>
-              <a:t>Database (SQL vs </a:t>
-            </a:r>
-            <a:r>
-              <a:rPr lang="en-IN" sz="1600" dirty="0"/>
-              <a:t>NoSQL)				Projects</a:t>
-            </a:r>
-          </a:p>
-          <a:p>
-            <a:pPr marL="0" indent="0" fontAlgn="base">
-              <a:buNone/>
-            </a:pPr>
-            <a:r>
-              <a:rPr lang="en-US" sz="1600" dirty="0"/>
-              <a:t>Ajax</a:t>
-            </a:r>
-          </a:p>
-          <a:p>
-            <a:pPr fontAlgn="base"/>
-            <a:endParaRPr lang="en-US" sz="2000" dirty="0"/>
-          </a:p>
-          <a:p>
-            <a:pPr fontAlgn="base"/>
-            <a:endParaRPr lang="en-US" sz="2000" dirty="0"/>
-          </a:p>
-        </p:txBody>
-      </p:sp>
-      <p:sp>
-        <p:nvSpPr>
-          <p:cNvPr id="3" name="Title 2">
-            <a:extLst>
-              <a:ext uri="{FF2B5EF4-FFF2-40B4-BE49-F238E27FC236}">
-                <a16:creationId xmlns:a16="http://schemas.microsoft.com/office/drawing/2014/main" id="{EBE3ECB3-8081-4B2D-BCA0-EBAFE2F0B5D4}"/>
-              </a:ext>
-            </a:extLst>
-          </p:cNvPr>
-          <p:cNvSpPr>
-            <a:spLocks noGrp="1"/>
-          </p:cNvSpPr>
-          <p:nvPr>
-            <p:ph type="title"/>
-          </p:nvPr>
-        </p:nvSpPr>
-        <p:spPr/>
-        <p:txBody>
-          <a:bodyPr>
-            <a:normAutofit fontScale="90000"/>
-          </a:bodyPr>
-          <a:lstStyle/>
-          <a:p>
-            <a:r>
-              <a:rPr lang="en-US" sz="3600" b="1" dirty="0">
-                <a:solidFill>
-                  <a:schemeClr val="bg1"/>
-                </a:solidFill>
-                <a:latin typeface="Segoe UI Light" panose="020B0502040204020203" pitchFamily="34" charset="0"/>
-                <a:cs typeface="Segoe UI Light" panose="020B0502040204020203" pitchFamily="34" charset="0"/>
-              </a:rPr>
-              <a:t>Course Module in Brief</a:t>
-            </a:r>
-            <a:endParaRPr lang="en-US" b="1" dirty="0"/>
-          </a:p>
-        </p:txBody>
-      </p:sp>
-      <p:pic>
-        <p:nvPicPr>
-          <p:cNvPr id="11" name="Picture 10">
-            <a:extLst>
-              <a:ext uri="{FF2B5EF4-FFF2-40B4-BE49-F238E27FC236}">
-                <a16:creationId xmlns:a16="http://schemas.microsoft.com/office/drawing/2014/main" id="{5BDD9F21-87FF-4DE2-8C5F-155FD270B3A4}"/>
-              </a:ext>
-            </a:extLst>
-          </p:cNvPr>
-          <p:cNvPicPr>
-            <a:picLocks noChangeAspect="1"/>
-          </p:cNvPicPr>
-          <p:nvPr/>
-        </p:nvPicPr>
-        <p:blipFill>
-          <a:blip r:embed="rId3"/>
-          <a:stretch>
-            <a:fillRect/>
-          </a:stretch>
-        </p:blipFill>
-        <p:spPr>
-          <a:xfrm>
-            <a:off x="5826675" y="4698568"/>
-            <a:ext cx="366400" cy="378677"/>
-          </a:xfrm>
-          <a:prstGeom prst="rect">
-            <a:avLst/>
-          </a:prstGeom>
-        </p:spPr>
-      </p:pic>
-      <p:sp>
-        <p:nvSpPr>
-          <p:cNvPr id="12" name="Text Placeholder 4">
-            <a:extLst>
-              <a:ext uri="{FF2B5EF4-FFF2-40B4-BE49-F238E27FC236}">
-                <a16:creationId xmlns:a16="http://schemas.microsoft.com/office/drawing/2014/main" id="{9FCAE605-942B-4B73-B9F9-628F61C4BF15}"/>
-              </a:ext>
-            </a:extLst>
-          </p:cNvPr>
-          <p:cNvSpPr txBox="1">
-            <a:spLocks/>
-          </p:cNvSpPr>
-          <p:nvPr/>
-        </p:nvSpPr>
-        <p:spPr>
-          <a:xfrm>
-            <a:off x="6285185" y="4683250"/>
-            <a:ext cx="1903339" cy="307777"/>
-          </a:xfrm>
-          <a:prstGeom prst="rect">
-            <a:avLst/>
-          </a:prstGeom>
-          <a:noFill/>
-        </p:spPr>
-        <p:txBody>
-          <a:bodyPr vert="horz" wrap="square" lIns="0" tIns="0" rIns="0" bIns="0" rtlCol="0">
-            <a:spAutoFit/>
-          </a:bodyPr>
-          <a:lstStyle>
-            <a:lvl1pPr marL="0" marR="0" indent="0" algn="l" defTabSz="932742" rtl="0" eaLnBrk="1" fontAlgn="auto" latinLnBrk="0" hangingPunct="1">
-              <a:lnSpc>
-                <a:spcPct val="100000"/>
-              </a:lnSpc>
-              <a:spcBef>
-                <a:spcPts val="0"/>
-              </a:spcBef>
-              <a:spcAft>
-                <a:spcPts val="0"/>
-              </a:spcAft>
-              <a:buClrTx/>
-              <a:buSzPct val="90000"/>
-              <a:buFont typeface="Wingdings" panose="05000000000000000000" pitchFamily="2" charset="2"/>
-              <a:buNone/>
-              <a:tabLst/>
-              <a:defRPr sz="2000" kern="1200" spc="0" baseline="0">
-                <a:gradFill>
-                  <a:gsLst>
-                    <a:gs pos="91000">
-                      <a:schemeClr val="tx1"/>
-                    </a:gs>
-                    <a:gs pos="0">
-                      <a:schemeClr val="tx1"/>
-                    </a:gs>
-                  </a:gsLst>
-                  <a:lin ang="5400000" scaled="0"/>
-                </a:gradFill>
-                <a:latin typeface="+mn-lt"/>
-                <a:ea typeface="+mn-ea"/>
-                <a:cs typeface="Segoe UI" panose="020B0502040204020203" pitchFamily="34" charset="0"/>
-              </a:defRPr>
-            </a:lvl1pPr>
-            <a:lvl2pPr marL="457200" marR="0" indent="-228600" algn="l" defTabSz="932742" rtl="0" eaLnBrk="1" fontAlgn="auto" latinLnBrk="0" hangingPunct="1">
-              <a:lnSpc>
-                <a:spcPct val="100000"/>
-              </a:lnSpc>
-              <a:spcBef>
-                <a:spcPct val="20000"/>
-              </a:spcBef>
-              <a:spcAft>
-                <a:spcPts val="0"/>
-              </a:spcAft>
-              <a:buClrTx/>
-              <a:buSzPct val="90000"/>
-              <a:buFont typeface="Wingdings" panose="05000000000000000000" pitchFamily="2" charset="2"/>
-              <a:buChar char=""/>
-              <a:tabLst/>
-              <a:defRPr sz="2000" kern="1200" spc="0" baseline="0">
-                <a:gradFill>
-                  <a:gsLst>
-                    <a:gs pos="1250">
-                      <a:schemeClr val="tx1"/>
-                    </a:gs>
-                    <a:gs pos="100000">
-                      <a:schemeClr val="tx1"/>
-                    </a:gs>
-                  </a:gsLst>
-                  <a:lin ang="5400000" scaled="0"/>
-                </a:gradFill>
-                <a:latin typeface="+mn-lt"/>
-                <a:ea typeface="+mn-ea"/>
-                <a:cs typeface="+mn-cs"/>
-              </a:defRPr>
-            </a:lvl2pPr>
-            <a:lvl3pPr marL="657225" marR="0" indent="-200025" algn="l" defTabSz="932742" rtl="0" eaLnBrk="1" fontAlgn="auto" latinLnBrk="0" hangingPunct="1">
-              <a:lnSpc>
-                <a:spcPct val="100000"/>
-              </a:lnSpc>
-              <a:spcBef>
-                <a:spcPct val="20000"/>
-              </a:spcBef>
-              <a:spcAft>
-                <a:spcPts val="0"/>
-              </a:spcAft>
-              <a:buClrTx/>
-              <a:buSzPct val="90000"/>
-              <a:buFont typeface="Wingdings" panose="05000000000000000000" pitchFamily="2" charset="2"/>
-              <a:buChar char=""/>
-              <a:tabLst/>
-              <a:defRPr sz="1600" kern="1200" spc="0" baseline="0">
-                <a:gradFill>
-                  <a:gsLst>
-                    <a:gs pos="1250">
-                      <a:schemeClr val="tx1"/>
-                    </a:gs>
-                    <a:gs pos="100000">
-                      <a:schemeClr val="tx1"/>
-                    </a:gs>
-                  </a:gsLst>
-                  <a:lin ang="5400000" scaled="0"/>
-                </a:gradFill>
-                <a:latin typeface="+mn-lt"/>
-                <a:ea typeface="+mn-ea"/>
-                <a:cs typeface="+mn-cs"/>
-              </a:defRPr>
-            </a:lvl3pPr>
-            <a:lvl4pPr marL="842963" marR="0" indent="-180975" algn="l" defTabSz="932742" rtl="0" eaLnBrk="1" fontAlgn="auto" latinLnBrk="0" hangingPunct="1">
-              <a:lnSpc>
-                <a:spcPct val="100000"/>
-              </a:lnSpc>
-              <a:spcBef>
-                <a:spcPct val="20000"/>
-              </a:spcBef>
-              <a:spcAft>
-                <a:spcPts val="0"/>
-              </a:spcAft>
-              <a:buClrTx/>
-              <a:buSzPct val="90000"/>
-              <a:buFont typeface="Wingdings" panose="05000000000000000000" pitchFamily="2" charset="2"/>
-              <a:buChar char=""/>
-              <a:tabLst/>
-              <a:defRPr sz="1400" kern="1200" spc="0" baseline="0">
-                <a:gradFill>
-                  <a:gsLst>
-                    <a:gs pos="1250">
-                      <a:schemeClr val="tx1"/>
-                    </a:gs>
-                    <a:gs pos="100000">
-                      <a:schemeClr val="tx1"/>
-                    </a:gs>
-                  </a:gsLst>
-                  <a:lin ang="5400000" scaled="0"/>
-                </a:gradFill>
-                <a:latin typeface="+mn-lt"/>
-                <a:ea typeface="+mn-ea"/>
-                <a:cs typeface="+mn-cs"/>
-              </a:defRPr>
-            </a:lvl4pPr>
-            <a:lvl5pPr marL="1023938" marR="0" indent="-168275" algn="l" defTabSz="932742" rtl="0" eaLnBrk="1" fontAlgn="auto" latinLnBrk="0" hangingPunct="1">
-              <a:lnSpc>
-                <a:spcPct val="100000"/>
-              </a:lnSpc>
-              <a:spcBef>
-                <a:spcPct val="20000"/>
-              </a:spcBef>
-              <a:spcAft>
-                <a:spcPts val="0"/>
-              </a:spcAft>
-              <a:buClrTx/>
-              <a:buSzPct val="90000"/>
-              <a:buFont typeface="Wingdings" panose="05000000000000000000" pitchFamily="2" charset="2"/>
-              <a:buChar char=""/>
-              <a:tabLst/>
-              <a:defRPr sz="1400" kern="1200" spc="0" baseline="0">
-                <a:gradFill>
-                  <a:gsLst>
-                    <a:gs pos="1250">
-                      <a:schemeClr val="tx1"/>
-                    </a:gs>
-                    <a:gs pos="100000">
-                      <a:schemeClr val="tx1"/>
-                    </a:gs>
-                  </a:gsLst>
-                  <a:lin ang="5400000" scaled="0"/>
-                </a:gradFill>
-                <a:latin typeface="+mn-lt"/>
-                <a:ea typeface="+mn-ea"/>
-                <a:cs typeface="+mn-cs"/>
-              </a:defRPr>
-            </a:lvl5pPr>
-            <a:lvl6pPr marL="2565040" indent="-233186" algn="l" defTabSz="932742" rtl="0" eaLnBrk="1" latinLnBrk="0" hangingPunct="1">
-              <a:spcBef>
-                <a:spcPct val="20000"/>
-              </a:spcBef>
-              <a:buFont typeface="Arial" pitchFamily="34" charset="0"/>
-              <a:buChar char="•"/>
-              <a:defRPr sz="2000" kern="1200">
-                <a:solidFill>
-                  <a:schemeClr val="tx1"/>
-                </a:solidFill>
-                <a:latin typeface="+mn-lt"/>
-                <a:ea typeface="+mn-ea"/>
-                <a:cs typeface="+mn-cs"/>
-              </a:defRPr>
-            </a:lvl6pPr>
-            <a:lvl7pPr marL="3031412" indent="-233186" algn="l" defTabSz="932742" rtl="0" eaLnBrk="1" latinLnBrk="0" hangingPunct="1">
-              <a:spcBef>
-                <a:spcPct val="20000"/>
-              </a:spcBef>
-              <a:buFont typeface="Arial" pitchFamily="34" charset="0"/>
-              <a:buChar char="•"/>
-              <a:defRPr sz="2000" kern="1200">
-                <a:solidFill>
-                  <a:schemeClr val="tx1"/>
-                </a:solidFill>
-                <a:latin typeface="+mn-lt"/>
-                <a:ea typeface="+mn-ea"/>
-                <a:cs typeface="+mn-cs"/>
-              </a:defRPr>
-            </a:lvl7pPr>
-            <a:lvl8pPr marL="3497783" indent="-233186" algn="l" defTabSz="932742" rtl="0" eaLnBrk="1" latinLnBrk="0" hangingPunct="1">
-              <a:spcBef>
-                <a:spcPct val="20000"/>
-              </a:spcBef>
-              <a:buFont typeface="Arial" pitchFamily="34" charset="0"/>
-              <a:buChar char="•"/>
-              <a:defRPr sz="2000" kern="1200">
-                <a:solidFill>
-                  <a:schemeClr val="tx1"/>
-                </a:solidFill>
-                <a:latin typeface="+mn-lt"/>
-                <a:ea typeface="+mn-ea"/>
-                <a:cs typeface="+mn-cs"/>
-              </a:defRPr>
-            </a:lvl8pPr>
-            <a:lvl9pPr marL="3964155" indent="-233186" algn="l" defTabSz="932742" rtl="0" eaLnBrk="1" latinLnBrk="0" hangingPunct="1">
-              <a:spcBef>
-                <a:spcPct val="20000"/>
-              </a:spcBef>
-              <a:buFont typeface="Arial" pitchFamily="34" charset="0"/>
-              <a:buChar char="•"/>
-              <a:defRPr sz="2000" kern="1200">
-                <a:solidFill>
-                  <a:schemeClr val="tx1"/>
-                </a:solidFill>
-                <a:latin typeface="+mn-lt"/>
-                <a:ea typeface="+mn-ea"/>
-                <a:cs typeface="+mn-cs"/>
-              </a:defRPr>
-            </a:lvl9pPr>
-          </a:lstStyle>
-          <a:p>
-            <a:r>
-              <a:rPr lang="en-US" dirty="0">
-                <a:solidFill>
-                  <a:schemeClr val="tx1"/>
-                </a:solidFill>
-              </a:rPr>
-              <a:t>@</a:t>
-            </a:r>
-            <a:r>
-              <a:rPr lang="en-US" dirty="0" err="1">
-                <a:solidFill>
-                  <a:schemeClr val="tx1"/>
-                </a:solidFill>
-              </a:rPr>
-              <a:t>s_oumyadip</a:t>
-            </a:r>
-            <a:endParaRPr lang="en-US" dirty="0">
-              <a:solidFill>
-                <a:schemeClr val="tx1"/>
-              </a:solidFill>
-            </a:endParaRPr>
-          </a:p>
-        </p:txBody>
-      </p:sp>
-      <p:sp>
-        <p:nvSpPr>
-          <p:cNvPr id="6" name="Rectangle 5">
-            <a:extLst>
-              <a:ext uri="{FF2B5EF4-FFF2-40B4-BE49-F238E27FC236}">
-                <a16:creationId xmlns:a16="http://schemas.microsoft.com/office/drawing/2014/main" id="{3CD25823-15EB-449B-AA68-D28C5BC4FD4A}"/>
-              </a:ext>
-            </a:extLst>
-          </p:cNvPr>
-          <p:cNvSpPr/>
-          <p:nvPr/>
-        </p:nvSpPr>
-        <p:spPr>
-          <a:xfrm>
-            <a:off x="7246088" y="0"/>
-            <a:ext cx="1897912" cy="637953"/>
-          </a:xfrm>
-          <a:prstGeom prst="rect">
-            <a:avLst/>
-          </a:prstGeom>
-          <a:ln>
-            <a:noFill/>
-          </a:ln>
-        </p:spPr>
-        <p:style>
-          <a:lnRef idx="2">
-            <a:schemeClr val="dk1">
-              <a:shade val="50000"/>
-            </a:schemeClr>
-          </a:lnRef>
-          <a:fillRef idx="1">
-            <a:schemeClr val="dk1"/>
-          </a:fillRef>
-          <a:effectRef idx="0">
-            <a:schemeClr val="dk1"/>
-          </a:effectRef>
-          <a:fontRef idx="minor">
-            <a:schemeClr val="lt1"/>
-          </a:fontRef>
-        </p:style>
-        <p:txBody>
-          <a:bodyPr rtlCol="0" anchor="ctr"/>
-          <a:lstStyle/>
-          <a:p>
-            <a:pPr algn="ctr"/>
-            <a:endParaRPr lang="en-IN"/>
-          </a:p>
-        </p:txBody>
-      </p:sp>
-      <p:sp>
-        <p:nvSpPr>
-          <p:cNvPr id="7" name="Rectangle 6">
-            <a:extLst>
-              <a:ext uri="{FF2B5EF4-FFF2-40B4-BE49-F238E27FC236}">
-                <a16:creationId xmlns:a16="http://schemas.microsoft.com/office/drawing/2014/main" id="{A7BE44CE-D0CD-4A79-A594-F5D6D33B0A2E}"/>
-              </a:ext>
-            </a:extLst>
-          </p:cNvPr>
-          <p:cNvSpPr/>
-          <p:nvPr/>
-        </p:nvSpPr>
-        <p:spPr>
-          <a:xfrm>
-            <a:off x="127591" y="4699591"/>
-            <a:ext cx="2541181" cy="329609"/>
-          </a:xfrm>
-          <a:prstGeom prst="rect">
-            <a:avLst/>
-          </a:prstGeom>
-          <a:solidFill>
-            <a:schemeClr val="bg1"/>
-          </a:solidFill>
-          <a:ln>
-            <a:noFill/>
-          </a:ln>
-        </p:spPr>
-        <p:style>
-          <a:lnRef idx="2">
-            <a:schemeClr val="accent6"/>
-          </a:lnRef>
-          <a:fillRef idx="1">
-            <a:schemeClr val="lt1"/>
-          </a:fillRef>
-          <a:effectRef idx="0">
-            <a:schemeClr val="accent6"/>
-          </a:effectRef>
-          <a:fontRef idx="minor">
-            <a:schemeClr val="dk1"/>
-          </a:fontRef>
-        </p:style>
-        <p:txBody>
-          <a:bodyPr rtlCol="0" anchor="ctr"/>
-          <a:lstStyle/>
-          <a:p>
-            <a:pPr algn="ctr"/>
-            <a:endParaRPr lang="en-IN"/>
-          </a:p>
-        </p:txBody>
-      </p:sp>
-      <p:sp>
-        <p:nvSpPr>
-          <p:cNvPr id="8" name="Rectangle 7">
-            <a:extLst>
-              <a:ext uri="{FF2B5EF4-FFF2-40B4-BE49-F238E27FC236}">
-                <a16:creationId xmlns:a16="http://schemas.microsoft.com/office/drawing/2014/main" id="{68D1493F-A8FA-4A1D-A599-ED50DD2ADA40}"/>
-              </a:ext>
-            </a:extLst>
-          </p:cNvPr>
-          <p:cNvSpPr/>
-          <p:nvPr/>
-        </p:nvSpPr>
-        <p:spPr>
-          <a:xfrm>
-            <a:off x="5560829" y="4582831"/>
-            <a:ext cx="3583172" cy="494414"/>
-          </a:xfrm>
-          <a:prstGeom prst="rect">
-            <a:avLst/>
-          </a:prstGeom>
-          <a:solidFill>
-            <a:schemeClr val="bg1"/>
-          </a:solidFill>
-          <a:ln>
-            <a:noFill/>
-          </a:ln>
-        </p:spPr>
-        <p:style>
-          <a:lnRef idx="2">
-            <a:schemeClr val="accent6"/>
-          </a:lnRef>
-          <a:fillRef idx="1">
-            <a:schemeClr val="lt1"/>
-          </a:fillRef>
-          <a:effectRef idx="0">
-            <a:schemeClr val="accent6"/>
-          </a:effectRef>
-          <a:fontRef idx="minor">
-            <a:schemeClr val="dk1"/>
-          </a:fontRef>
-        </p:style>
-        <p:txBody>
-          <a:bodyPr rtlCol="0" anchor="ctr"/>
-          <a:lstStyle/>
-          <a:p>
-            <a:pPr algn="ctr"/>
-            <a:endParaRPr lang="en-IN"/>
-          </a:p>
-        </p:txBody>
-      </p:sp>
-    </p:spTree>
-    <p:extLst>
-      <p:ext uri="{BB962C8B-B14F-4D97-AF65-F5344CB8AC3E}">
-        <p14:creationId xmlns:p14="http://schemas.microsoft.com/office/powerpoint/2010/main" val="2454879390"/>
-      </p:ext>
-    </p:extLst>
-  </p:cSld>
-  <p:clrMapOvr>
-    <a:masterClrMapping/>
-  </p:clrMapOvr>
-  <mc:AlternateContent xmlns:mc="http://schemas.openxmlformats.org/markup-compatibility/2006" xmlns:p14="http://schemas.microsoft.com/office/powerpoint/2010/main">
-    <mc:Choice Requires="p14">
-      <p:transition spd="med" p14:dur="700">
-        <p:fade/>
-      </p:transition>
-    </mc:Choice>
-    <mc:Fallback xmlns="">
-      <p:transition spd="med">
-        <p:fade/>
-      </p:transition>
-    </mc:Fallback>
-  </mc:AlternateContent>
-</p:sld>
-</file>
-
-<file path=ppt/slides/slide3.xml><?xml version="1.0" encoding="utf-8"?>
 <p:sld xmlns:a="http://schemas.openxmlformats.org/drawingml/2006/main" xmlns:r="http://schemas.openxmlformats.org/officeDocument/2006/relationships" xmlns:p="http://schemas.openxmlformats.org/presentationml/2006/main">
   <p:cSld>
     <p:spTree>
@@ -6658,13 +5492,246 @@
   <p:clrMapOvr>
     <a:masterClrMapping/>
   </p:clrMapOvr>
-  <mc:AlternateContent xmlns:mc="http://schemas.openxmlformats.org/markup-compatibility/2006">
-    <mc:Choice xmlns:p14="http://schemas.microsoft.com/office/powerpoint/2010/main" Requires="p14">
+  <mc:AlternateContent xmlns:mc="http://schemas.openxmlformats.org/markup-compatibility/2006" xmlns:p14="http://schemas.microsoft.com/office/powerpoint/2010/main">
+    <mc:Choice Requires="p14">
       <p:transition spd="med" p14:dur="700">
         <p:fade/>
       </p:transition>
     </mc:Choice>
-    <mc:Fallback>
+    <mc:Fallback xmlns="">
+      <p:transition spd="med">
+        <p:fade/>
+      </p:transition>
+    </mc:Fallback>
+  </mc:AlternateContent>
+</p:sld>
+</file>
+
+<file path=ppt/slides/slide3.xml><?xml version="1.0" encoding="utf-8"?>
+<p:sld xmlns:a="http://schemas.openxmlformats.org/drawingml/2006/main" xmlns:r="http://schemas.openxmlformats.org/officeDocument/2006/relationships" xmlns:p="http://schemas.openxmlformats.org/presentationml/2006/main">
+  <p:cSld>
+    <p:spTree>
+      <p:nvGrpSpPr>
+        <p:cNvPr id="1" name=""/>
+        <p:cNvGrpSpPr/>
+        <p:nvPr/>
+      </p:nvGrpSpPr>
+      <p:grpSpPr>
+        <a:xfrm>
+          <a:off x="0" y="0"/>
+          <a:ext cx="0" cy="0"/>
+          <a:chOff x="0" y="0"/>
+          <a:chExt cx="0" cy="0"/>
+        </a:xfrm>
+      </p:grpSpPr>
+      <p:sp>
+        <p:nvSpPr>
+          <p:cNvPr id="4" name="Title 3">
+            <a:extLst>
+              <a:ext uri="{FF2B5EF4-FFF2-40B4-BE49-F238E27FC236}">
+                <a16:creationId xmlns:a16="http://schemas.microsoft.com/office/drawing/2014/main" id="{29D2E045-44F2-4E15-815F-6668EF74B3A2}"/>
+              </a:ext>
+            </a:extLst>
+          </p:cNvPr>
+          <p:cNvSpPr>
+            <a:spLocks noGrp="1"/>
+          </p:cNvSpPr>
+          <p:nvPr>
+            <p:ph type="ctrTitle"/>
+          </p:nvPr>
+        </p:nvSpPr>
+        <p:spPr>
+          <a:xfrm>
+            <a:off x="1143000" y="1335758"/>
+            <a:ext cx="6858000" cy="1790700"/>
+          </a:xfrm>
+        </p:spPr>
+        <p:txBody>
+          <a:bodyPr/>
+          <a:lstStyle/>
+          <a:p>
+            <a:r>
+              <a:rPr lang="en-US" sz="4000" dirty="0"/>
+              <a:t>What is </a:t>
+            </a:r>
+            <a:r>
+              <a:rPr lang="en-US" sz="4800" dirty="0"/>
+              <a:t>Web Development </a:t>
+            </a:r>
+            <a:r>
+              <a:rPr lang="en-US" sz="4000" dirty="0"/>
+              <a:t>?</a:t>
+            </a:r>
+            <a:endParaRPr lang="en-US" dirty="0"/>
+          </a:p>
+        </p:txBody>
+      </p:sp>
+      <p:sp>
+        <p:nvSpPr>
+          <p:cNvPr id="2" name="Rectangle 1">
+            <a:extLst>
+              <a:ext uri="{FF2B5EF4-FFF2-40B4-BE49-F238E27FC236}">
+                <a16:creationId xmlns:a16="http://schemas.microsoft.com/office/drawing/2014/main" id="{CDF48180-EF01-4521-A2C5-76DD2B373F03}"/>
+              </a:ext>
+            </a:extLst>
+          </p:cNvPr>
+          <p:cNvSpPr/>
+          <p:nvPr/>
+        </p:nvSpPr>
+        <p:spPr>
+          <a:xfrm>
+            <a:off x="7246088" y="0"/>
+            <a:ext cx="1897912" cy="637953"/>
+          </a:xfrm>
+          <a:prstGeom prst="rect">
+            <a:avLst/>
+          </a:prstGeom>
+          <a:ln>
+            <a:noFill/>
+          </a:ln>
+        </p:spPr>
+        <p:style>
+          <a:lnRef idx="2">
+            <a:schemeClr val="dk1">
+              <a:shade val="50000"/>
+            </a:schemeClr>
+          </a:lnRef>
+          <a:fillRef idx="1">
+            <a:schemeClr val="dk1"/>
+          </a:fillRef>
+          <a:effectRef idx="0">
+            <a:schemeClr val="dk1"/>
+          </a:effectRef>
+          <a:fontRef idx="minor">
+            <a:schemeClr val="lt1"/>
+          </a:fontRef>
+        </p:style>
+        <p:txBody>
+          <a:bodyPr rtlCol="0" anchor="ctr"/>
+          <a:lstStyle/>
+          <a:p>
+            <a:pPr algn="ctr"/>
+            <a:endParaRPr lang="en-IN"/>
+          </a:p>
+        </p:txBody>
+      </p:sp>
+      <p:sp>
+        <p:nvSpPr>
+          <p:cNvPr id="3" name="Rectangle 2">
+            <a:extLst>
+              <a:ext uri="{FF2B5EF4-FFF2-40B4-BE49-F238E27FC236}">
+                <a16:creationId xmlns:a16="http://schemas.microsoft.com/office/drawing/2014/main" id="{D4A59DEF-AD47-40E0-9DE9-916AFE4FB305}"/>
+              </a:ext>
+            </a:extLst>
+          </p:cNvPr>
+          <p:cNvSpPr/>
+          <p:nvPr/>
+        </p:nvSpPr>
+        <p:spPr>
+          <a:xfrm>
+            <a:off x="127591" y="4699591"/>
+            <a:ext cx="2541181" cy="329609"/>
+          </a:xfrm>
+          <a:prstGeom prst="rect">
+            <a:avLst/>
+          </a:prstGeom>
+          <a:solidFill>
+            <a:schemeClr val="bg1"/>
+          </a:solidFill>
+          <a:ln>
+            <a:noFill/>
+          </a:ln>
+        </p:spPr>
+        <p:style>
+          <a:lnRef idx="2">
+            <a:schemeClr val="accent6"/>
+          </a:lnRef>
+          <a:fillRef idx="1">
+            <a:schemeClr val="lt1"/>
+          </a:fillRef>
+          <a:effectRef idx="0">
+            <a:schemeClr val="accent6"/>
+          </a:effectRef>
+          <a:fontRef idx="minor">
+            <a:schemeClr val="dk1"/>
+          </a:fontRef>
+        </p:style>
+        <p:txBody>
+          <a:bodyPr rtlCol="0" anchor="ctr"/>
+          <a:lstStyle/>
+          <a:p>
+            <a:pPr algn="ctr"/>
+            <a:endParaRPr lang="en-IN"/>
+          </a:p>
+        </p:txBody>
+      </p:sp>
+      <p:sp>
+        <p:nvSpPr>
+          <p:cNvPr id="6" name="Rectangle 5">
+            <a:extLst>
+              <a:ext uri="{FF2B5EF4-FFF2-40B4-BE49-F238E27FC236}">
+                <a16:creationId xmlns:a16="http://schemas.microsoft.com/office/drawing/2014/main" id="{8A722D30-954D-4C5D-8847-EB4B85B65801}"/>
+              </a:ext>
+            </a:extLst>
+          </p:cNvPr>
+          <p:cNvSpPr/>
+          <p:nvPr/>
+        </p:nvSpPr>
+        <p:spPr>
+          <a:xfrm>
+            <a:off x="6602819" y="4747636"/>
+            <a:ext cx="2541181" cy="329609"/>
+          </a:xfrm>
+          <a:prstGeom prst="rect">
+            <a:avLst/>
+          </a:prstGeom>
+          <a:solidFill>
+            <a:schemeClr val="bg1"/>
+          </a:solidFill>
+          <a:ln>
+            <a:noFill/>
+          </a:ln>
+        </p:spPr>
+        <p:style>
+          <a:lnRef idx="2">
+            <a:schemeClr val="accent6"/>
+          </a:lnRef>
+          <a:fillRef idx="1">
+            <a:schemeClr val="lt1"/>
+          </a:fillRef>
+          <a:effectRef idx="0">
+            <a:schemeClr val="accent6"/>
+          </a:effectRef>
+          <a:fontRef idx="minor">
+            <a:schemeClr val="dk1"/>
+          </a:fontRef>
+        </p:style>
+        <p:txBody>
+          <a:bodyPr rtlCol="0" anchor="ctr"/>
+          <a:lstStyle/>
+          <a:p>
+            <a:pPr algn="ctr"/>
+            <a:endParaRPr lang="en-IN"/>
+          </a:p>
+        </p:txBody>
+      </p:sp>
+    </p:spTree>
+    <p:extLst>
+      <p:ext uri="{BB962C8B-B14F-4D97-AF65-F5344CB8AC3E}">
+        <p14:creationId xmlns:p14="http://schemas.microsoft.com/office/powerpoint/2010/main" val="4269869616"/>
+      </p:ext>
+    </p:extLst>
+  </p:cSld>
+  <p:clrMapOvr>
+    <a:masterClrMapping/>
+  </p:clrMapOvr>
+  <mc:AlternateContent xmlns:mc="http://schemas.openxmlformats.org/markup-compatibility/2006" xmlns:p14="http://schemas.microsoft.com/office/powerpoint/2010/main">
+    <mc:Choice Requires="p14">
+      <p:transition spd="med" p14:dur="700">
+        <p:fade/>
+      </p:transition>
+    </mc:Choice>
+    <mc:Fallback xmlns="">
       <p:transition spd="med">
         <p:fade/>
       </p:transition>
@@ -6692,10 +5759,10 @@
       </p:grpSpPr>
       <p:sp>
         <p:nvSpPr>
-          <p:cNvPr id="4" name="Title 3">
+          <p:cNvPr id="3" name="Content Placeholder 2">
             <a:extLst>
               <a:ext uri="{FF2B5EF4-FFF2-40B4-BE49-F238E27FC236}">
-                <a16:creationId xmlns:a16="http://schemas.microsoft.com/office/drawing/2014/main" id="{29D2E045-44F2-4E15-815F-6668EF74B3A2}"/>
+                <a16:creationId xmlns:a16="http://schemas.microsoft.com/office/drawing/2014/main" id="{9177AFE2-887A-4D4E-9BBE-E67CEF7EA538}"/>
               </a:ext>
             </a:extLst>
           </p:cNvPr>
@@ -6703,13 +5770,188 @@
             <a:spLocks noGrp="1"/>
           </p:cNvSpPr>
           <p:nvPr>
-            <p:ph type="ctrTitle"/>
+            <p:ph idx="1"/>
           </p:nvPr>
         </p:nvSpPr>
         <p:spPr>
           <a:xfrm>
-            <a:off x="1143000" y="1335758"/>
-            <a:ext cx="6858000" cy="1790700"/>
+            <a:off x="242851" y="800562"/>
+            <a:ext cx="7633742" cy="3326329"/>
+          </a:xfrm>
+        </p:spPr>
+        <p:txBody>
+          <a:bodyPr>
+            <a:normAutofit/>
+          </a:bodyPr>
+          <a:lstStyle/>
+          <a:p>
+            <a:pPr marL="0" indent="0">
+              <a:buNone/>
+            </a:pPr>
+            <a:r>
+              <a:rPr lang="en-US" b="1" dirty="0"/>
+              <a:t>Web development</a:t>
+            </a:r>
+            <a:r>
+              <a:rPr lang="en-US" dirty="0"/>
+              <a:t> is the work involved in developing a </a:t>
+            </a:r>
+          </a:p>
+          <a:p>
+            <a:pPr marL="0" indent="0">
+              <a:buNone/>
+            </a:pPr>
+            <a:r>
+              <a:rPr lang="en-US" dirty="0">
+                <a:hlinkClick r:id="rId2" tooltip="Web site"/>
+              </a:rPr>
+              <a:t>Web site</a:t>
+            </a:r>
+            <a:r>
+              <a:rPr lang="en-US" dirty="0"/>
+              <a:t> for the </a:t>
+            </a:r>
+            <a:r>
+              <a:rPr lang="en-US" dirty="0">
+                <a:hlinkClick r:id="rId3" tooltip="Internet"/>
+              </a:rPr>
+              <a:t>Internet</a:t>
+            </a:r>
+            <a:r>
+              <a:rPr lang="en-US" dirty="0"/>
+              <a:t> (</a:t>
+            </a:r>
+            <a:r>
+              <a:rPr lang="en-US" dirty="0">
+                <a:hlinkClick r:id="rId4" tooltip="World Wide Web"/>
+              </a:rPr>
+              <a:t>World Wide Web</a:t>
+            </a:r>
+            <a:r>
+              <a:rPr lang="en-US" dirty="0"/>
+              <a:t>) or an </a:t>
+            </a:r>
+            <a:r>
+              <a:rPr lang="en-US" dirty="0">
+                <a:hlinkClick r:id="rId5" tooltip="Intranet"/>
+              </a:rPr>
+              <a:t>intranet</a:t>
+            </a:r>
+            <a:r>
+              <a:rPr lang="en-US" dirty="0"/>
+              <a:t> </a:t>
+            </a:r>
+          </a:p>
+          <a:p>
+            <a:pPr marL="0" indent="0">
+              <a:buNone/>
+            </a:pPr>
+            <a:r>
+              <a:rPr lang="en-US" dirty="0"/>
+              <a:t>(a private network).</a:t>
+            </a:r>
+            <a:r>
+              <a:rPr lang="en-US" baseline="30000" dirty="0">
+                <a:hlinkClick r:id="rId6"/>
+              </a:rPr>
+              <a:t>[1]</a:t>
+            </a:r>
+            <a:r>
+              <a:rPr lang="en-US" dirty="0"/>
+              <a:t> Web development can range </a:t>
+            </a:r>
+          </a:p>
+          <a:p>
+            <a:pPr marL="0" indent="0">
+              <a:buNone/>
+            </a:pPr>
+            <a:r>
+              <a:rPr lang="en-US" dirty="0"/>
+              <a:t>from developing a simple single </a:t>
+            </a:r>
+            <a:r>
+              <a:rPr lang="en-US" dirty="0">
+                <a:hlinkClick r:id="rId7" tooltip="Static Web page"/>
+              </a:rPr>
+              <a:t>static page</a:t>
+            </a:r>
+            <a:r>
+              <a:rPr lang="en-US" dirty="0"/>
+              <a:t> of </a:t>
+            </a:r>
+            <a:r>
+              <a:rPr lang="en-US" dirty="0">
+                <a:hlinkClick r:id="rId8" tooltip="Plain text"/>
+              </a:rPr>
+              <a:t>plain text</a:t>
+            </a:r>
+            <a:r>
+              <a:rPr lang="en-US" dirty="0"/>
+              <a:t> to complex </a:t>
+            </a:r>
+            <a:r>
+              <a:rPr lang="en-US" dirty="0">
+                <a:hlinkClick r:id="rId9" tooltip="Web application"/>
+              </a:rPr>
+              <a:t>web applications</a:t>
+            </a:r>
+            <a:r>
+              <a:rPr lang="en-US" dirty="0"/>
+              <a:t>, </a:t>
+            </a:r>
+            <a:r>
+              <a:rPr lang="en-US" dirty="0">
+                <a:hlinkClick r:id="rId10" tooltip="Electronic business"/>
+              </a:rPr>
+              <a:t>electronic businesses</a:t>
+            </a:r>
+            <a:r>
+              <a:rPr lang="en-US" dirty="0"/>
+              <a:t>, </a:t>
+            </a:r>
+          </a:p>
+          <a:p>
+            <a:pPr marL="0" indent="0">
+              <a:buNone/>
+            </a:pPr>
+            <a:r>
+              <a:rPr lang="en-US" dirty="0"/>
+              <a:t>and </a:t>
+            </a:r>
+            <a:r>
+              <a:rPr lang="en-US" dirty="0">
+                <a:hlinkClick r:id="rId11" tooltip="Social network service"/>
+              </a:rPr>
+              <a:t>social network services</a:t>
+            </a:r>
+            <a:r>
+              <a:rPr lang="en-US" dirty="0"/>
+              <a:t>.</a:t>
+            </a:r>
+            <a:endParaRPr lang="en-US" sz="1600" dirty="0"/>
+          </a:p>
+        </p:txBody>
+      </p:sp>
+      <p:sp>
+        <p:nvSpPr>
+          <p:cNvPr id="5" name="Title 4">
+            <a:extLst>
+              <a:ext uri="{FF2B5EF4-FFF2-40B4-BE49-F238E27FC236}">
+                <a16:creationId xmlns:a16="http://schemas.microsoft.com/office/drawing/2014/main" id="{68FEEC93-12DE-457B-A389-05CDB12384FE}"/>
+              </a:ext>
+            </a:extLst>
+          </p:cNvPr>
+          <p:cNvSpPr>
+            <a:spLocks noGrp="1"/>
+          </p:cNvSpPr>
+          <p:nvPr>
+            <p:ph type="title"/>
+          </p:nvPr>
+        </p:nvSpPr>
+        <p:spPr>
+          <a:xfrm>
+            <a:off x="317565" y="-101015"/>
+            <a:ext cx="7886700" cy="994172"/>
           </a:xfrm>
         </p:spPr>
         <p:txBody>
@@ -6717,27 +5959,22 @@
           <a:lstStyle/>
           <a:p>
             <a:r>
-              <a:rPr lang="en-US" sz="4000" dirty="0"/>
-              <a:t>What is </a:t>
-            </a:r>
-            <a:r>
-              <a:rPr lang="en-US" sz="4800" dirty="0"/>
-              <a:t>Web Development </a:t>
-            </a:r>
-            <a:r>
-              <a:rPr lang="en-US" sz="4000" dirty="0"/>
-              <a:t>?</a:t>
-            </a:r>
-            <a:endParaRPr lang="en-US" dirty="0"/>
-          </a:p>
-        </p:txBody>
-      </p:sp>
-      <p:sp>
-        <p:nvSpPr>
-          <p:cNvPr id="2" name="Rectangle 1">
+              <a:rPr lang="en-IN" dirty="0">
+                <a:solidFill>
+                  <a:schemeClr val="bg1"/>
+                </a:solidFill>
+              </a:rPr>
+              <a:t>What is Web Development?</a:t>
+            </a:r>
+          </a:p>
+        </p:txBody>
+      </p:sp>
+      <p:sp>
+        <p:nvSpPr>
+          <p:cNvPr id="8" name="Rectangle 7">
             <a:extLst>
               <a:ext uri="{FF2B5EF4-FFF2-40B4-BE49-F238E27FC236}">
-                <a16:creationId xmlns:a16="http://schemas.microsoft.com/office/drawing/2014/main" id="{CDF48180-EF01-4521-A2C5-76DD2B373F03}"/>
+                <a16:creationId xmlns:a16="http://schemas.microsoft.com/office/drawing/2014/main" id="{C9FBCFB6-2549-4793-971B-50E426DE3C74}"/>
               </a:ext>
             </a:extLst>
           </p:cNvPr>
@@ -6783,10 +6020,10 @@
       </p:sp>
       <p:sp>
         <p:nvSpPr>
-          <p:cNvPr id="3" name="Rectangle 2">
+          <p:cNvPr id="10" name="Rectangle 9">
             <a:extLst>
               <a:ext uri="{FF2B5EF4-FFF2-40B4-BE49-F238E27FC236}">
-                <a16:creationId xmlns:a16="http://schemas.microsoft.com/office/drawing/2014/main" id="{D4A59DEF-AD47-40E0-9DE9-916AFE4FB305}"/>
+                <a16:creationId xmlns:a16="http://schemas.microsoft.com/office/drawing/2014/main" id="{F7FA136D-8950-4B64-9B51-15FFB3355E70}"/>
               </a:ext>
             </a:extLst>
           </p:cNvPr>
@@ -6831,409 +6068,6 @@
           </a:p>
         </p:txBody>
       </p:sp>
-      <p:sp>
-        <p:nvSpPr>
-          <p:cNvPr id="6" name="Rectangle 5">
-            <a:extLst>
-              <a:ext uri="{FF2B5EF4-FFF2-40B4-BE49-F238E27FC236}">
-                <a16:creationId xmlns:a16="http://schemas.microsoft.com/office/drawing/2014/main" id="{8A722D30-954D-4C5D-8847-EB4B85B65801}"/>
-              </a:ext>
-            </a:extLst>
-          </p:cNvPr>
-          <p:cNvSpPr/>
-          <p:nvPr/>
-        </p:nvSpPr>
-        <p:spPr>
-          <a:xfrm>
-            <a:off x="6602819" y="4747636"/>
-            <a:ext cx="2541181" cy="329609"/>
-          </a:xfrm>
-          <a:prstGeom prst="rect">
-            <a:avLst/>
-          </a:prstGeom>
-          <a:solidFill>
-            <a:schemeClr val="bg1"/>
-          </a:solidFill>
-          <a:ln>
-            <a:noFill/>
-          </a:ln>
-        </p:spPr>
-        <p:style>
-          <a:lnRef idx="2">
-            <a:schemeClr val="accent6"/>
-          </a:lnRef>
-          <a:fillRef idx="1">
-            <a:schemeClr val="lt1"/>
-          </a:fillRef>
-          <a:effectRef idx="0">
-            <a:schemeClr val="accent6"/>
-          </a:effectRef>
-          <a:fontRef idx="minor">
-            <a:schemeClr val="dk1"/>
-          </a:fontRef>
-        </p:style>
-        <p:txBody>
-          <a:bodyPr rtlCol="0" anchor="ctr"/>
-          <a:lstStyle/>
-          <a:p>
-            <a:pPr algn="ctr"/>
-            <a:endParaRPr lang="en-IN"/>
-          </a:p>
-        </p:txBody>
-      </p:sp>
-    </p:spTree>
-    <p:extLst>
-      <p:ext uri="{BB962C8B-B14F-4D97-AF65-F5344CB8AC3E}">
-        <p14:creationId xmlns:p14="http://schemas.microsoft.com/office/powerpoint/2010/main" val="4269869616"/>
-      </p:ext>
-    </p:extLst>
-  </p:cSld>
-  <p:clrMapOvr>
-    <a:masterClrMapping/>
-  </p:clrMapOvr>
-  <mc:AlternateContent xmlns:mc="http://schemas.openxmlformats.org/markup-compatibility/2006" xmlns:p14="http://schemas.microsoft.com/office/powerpoint/2010/main">
-    <mc:Choice Requires="p14">
-      <p:transition spd="med" p14:dur="700">
-        <p:fade/>
-      </p:transition>
-    </mc:Choice>
-    <mc:Fallback xmlns="">
-      <p:transition spd="med">
-        <p:fade/>
-      </p:transition>
-    </mc:Fallback>
-  </mc:AlternateContent>
-</p:sld>
-</file>
-
-<file path=ppt/slides/slide5.xml><?xml version="1.0" encoding="utf-8"?>
-<p:sld xmlns:a="http://schemas.openxmlformats.org/drawingml/2006/main" xmlns:r="http://schemas.openxmlformats.org/officeDocument/2006/relationships" xmlns:p="http://schemas.openxmlformats.org/presentationml/2006/main">
-  <p:cSld>
-    <p:spTree>
-      <p:nvGrpSpPr>
-        <p:cNvPr id="1" name=""/>
-        <p:cNvGrpSpPr/>
-        <p:nvPr/>
-      </p:nvGrpSpPr>
-      <p:grpSpPr>
-        <a:xfrm>
-          <a:off x="0" y="0"/>
-          <a:ext cx="0" cy="0"/>
-          <a:chOff x="0" y="0"/>
-          <a:chExt cx="0" cy="0"/>
-        </a:xfrm>
-      </p:grpSpPr>
-      <p:sp>
-        <p:nvSpPr>
-          <p:cNvPr id="3" name="Content Placeholder 2">
-            <a:extLst>
-              <a:ext uri="{FF2B5EF4-FFF2-40B4-BE49-F238E27FC236}">
-                <a16:creationId xmlns:a16="http://schemas.microsoft.com/office/drawing/2014/main" id="{9177AFE2-887A-4D4E-9BBE-E67CEF7EA538}"/>
-              </a:ext>
-            </a:extLst>
-          </p:cNvPr>
-          <p:cNvSpPr>
-            <a:spLocks noGrp="1"/>
-          </p:cNvSpPr>
-          <p:nvPr>
-            <p:ph idx="1"/>
-          </p:nvPr>
-        </p:nvSpPr>
-        <p:spPr>
-          <a:xfrm>
-            <a:off x="242851" y="800562"/>
-            <a:ext cx="7633742" cy="3326329"/>
-          </a:xfrm>
-        </p:spPr>
-        <p:txBody>
-          <a:bodyPr>
-            <a:normAutofit/>
-          </a:bodyPr>
-          <a:lstStyle/>
-          <a:p>
-            <a:pPr marL="0" indent="0">
-              <a:buNone/>
-            </a:pPr>
-            <a:r>
-              <a:rPr lang="en-US" b="1" dirty="0"/>
-              <a:t>Web development</a:t>
-            </a:r>
-            <a:r>
-              <a:rPr lang="en-US" dirty="0"/>
-              <a:t> is the work involved in developing a </a:t>
-            </a:r>
-          </a:p>
-          <a:p>
-            <a:pPr marL="0" indent="0">
-              <a:buNone/>
-            </a:pPr>
-            <a:r>
-              <a:rPr lang="en-US" dirty="0">
-                <a:hlinkClick r:id="rId2" tooltip="Web site"/>
-              </a:rPr>
-              <a:t>Web site</a:t>
-            </a:r>
-            <a:r>
-              <a:rPr lang="en-US" dirty="0"/>
-              <a:t> for the </a:t>
-            </a:r>
-            <a:r>
-              <a:rPr lang="en-US" dirty="0">
-                <a:hlinkClick r:id="rId3" tooltip="Internet"/>
-              </a:rPr>
-              <a:t>Internet</a:t>
-            </a:r>
-            <a:r>
-              <a:rPr lang="en-US" dirty="0"/>
-              <a:t> (</a:t>
-            </a:r>
-            <a:r>
-              <a:rPr lang="en-US" dirty="0">
-                <a:hlinkClick r:id="rId4" tooltip="World Wide Web"/>
-              </a:rPr>
-              <a:t>World Wide Web</a:t>
-            </a:r>
-            <a:r>
-              <a:rPr lang="en-US" dirty="0"/>
-              <a:t>) or an </a:t>
-            </a:r>
-            <a:r>
-              <a:rPr lang="en-US" dirty="0">
-                <a:hlinkClick r:id="rId5" tooltip="Intranet"/>
-              </a:rPr>
-              <a:t>intranet</a:t>
-            </a:r>
-            <a:r>
-              <a:rPr lang="en-US" dirty="0"/>
-              <a:t> </a:t>
-            </a:r>
-          </a:p>
-          <a:p>
-            <a:pPr marL="0" indent="0">
-              <a:buNone/>
-            </a:pPr>
-            <a:r>
-              <a:rPr lang="en-US" dirty="0"/>
-              <a:t>(a private network).</a:t>
-            </a:r>
-            <a:r>
-              <a:rPr lang="en-US" baseline="30000" dirty="0">
-                <a:hlinkClick r:id="rId6"/>
-              </a:rPr>
-              <a:t>[1]</a:t>
-            </a:r>
-            <a:r>
-              <a:rPr lang="en-US" dirty="0"/>
-              <a:t> Web development can range </a:t>
-            </a:r>
-          </a:p>
-          <a:p>
-            <a:pPr marL="0" indent="0">
-              <a:buNone/>
-            </a:pPr>
-            <a:r>
-              <a:rPr lang="en-US" dirty="0"/>
-              <a:t>from developing a simple single </a:t>
-            </a:r>
-            <a:r>
-              <a:rPr lang="en-US" dirty="0">
-                <a:hlinkClick r:id="rId7" tooltip="Static Web page"/>
-              </a:rPr>
-              <a:t>static page</a:t>
-            </a:r>
-            <a:r>
-              <a:rPr lang="en-US" dirty="0"/>
-              <a:t> of </a:t>
-            </a:r>
-            <a:r>
-              <a:rPr lang="en-US" dirty="0">
-                <a:hlinkClick r:id="rId8" tooltip="Plain text"/>
-              </a:rPr>
-              <a:t>plain text</a:t>
-            </a:r>
-            <a:r>
-              <a:rPr lang="en-US" dirty="0"/>
-              <a:t> to complex </a:t>
-            </a:r>
-            <a:r>
-              <a:rPr lang="en-US" dirty="0">
-                <a:hlinkClick r:id="rId9" tooltip="Web application"/>
-              </a:rPr>
-              <a:t>web applications</a:t>
-            </a:r>
-            <a:r>
-              <a:rPr lang="en-US" dirty="0"/>
-              <a:t>, </a:t>
-            </a:r>
-            <a:r>
-              <a:rPr lang="en-US" dirty="0">
-                <a:hlinkClick r:id="rId10" tooltip="Electronic business"/>
-              </a:rPr>
-              <a:t>electronic businesses</a:t>
-            </a:r>
-            <a:r>
-              <a:rPr lang="en-US" dirty="0"/>
-              <a:t>, </a:t>
-            </a:r>
-          </a:p>
-          <a:p>
-            <a:pPr marL="0" indent="0">
-              <a:buNone/>
-            </a:pPr>
-            <a:r>
-              <a:rPr lang="en-US" dirty="0"/>
-              <a:t>and </a:t>
-            </a:r>
-            <a:r>
-              <a:rPr lang="en-US" dirty="0">
-                <a:hlinkClick r:id="rId11" tooltip="Social network service"/>
-              </a:rPr>
-              <a:t>social network services</a:t>
-            </a:r>
-            <a:r>
-              <a:rPr lang="en-US" dirty="0"/>
-              <a:t>.</a:t>
-            </a:r>
-            <a:endParaRPr lang="en-US" sz="1600" dirty="0"/>
-          </a:p>
-        </p:txBody>
-      </p:sp>
-      <p:sp>
-        <p:nvSpPr>
-          <p:cNvPr id="5" name="Title 4">
-            <a:extLst>
-              <a:ext uri="{FF2B5EF4-FFF2-40B4-BE49-F238E27FC236}">
-                <a16:creationId xmlns:a16="http://schemas.microsoft.com/office/drawing/2014/main" id="{68FEEC93-12DE-457B-A389-05CDB12384FE}"/>
-              </a:ext>
-            </a:extLst>
-          </p:cNvPr>
-          <p:cNvSpPr>
-            <a:spLocks noGrp="1"/>
-          </p:cNvSpPr>
-          <p:nvPr>
-            <p:ph type="title"/>
-          </p:nvPr>
-        </p:nvSpPr>
-        <p:spPr>
-          <a:xfrm>
-            <a:off x="317565" y="-101015"/>
-            <a:ext cx="7886700" cy="994172"/>
-          </a:xfrm>
-        </p:spPr>
-        <p:txBody>
-          <a:bodyPr/>
-          <a:lstStyle/>
-          <a:p>
-            <a:r>
-              <a:rPr lang="en-IN" dirty="0">
-                <a:solidFill>
-                  <a:schemeClr val="bg1"/>
-                </a:solidFill>
-              </a:rPr>
-              <a:t>What is Web Development?</a:t>
-            </a:r>
-          </a:p>
-        </p:txBody>
-      </p:sp>
-      <p:sp>
-        <p:nvSpPr>
-          <p:cNvPr id="8" name="Rectangle 7">
-            <a:extLst>
-              <a:ext uri="{FF2B5EF4-FFF2-40B4-BE49-F238E27FC236}">
-                <a16:creationId xmlns:a16="http://schemas.microsoft.com/office/drawing/2014/main" id="{C9FBCFB6-2549-4793-971B-50E426DE3C74}"/>
-              </a:ext>
-            </a:extLst>
-          </p:cNvPr>
-          <p:cNvSpPr/>
-          <p:nvPr/>
-        </p:nvSpPr>
-        <p:spPr>
-          <a:xfrm>
-            <a:off x="7246088" y="0"/>
-            <a:ext cx="1897912" cy="637953"/>
-          </a:xfrm>
-          <a:prstGeom prst="rect">
-            <a:avLst/>
-          </a:prstGeom>
-          <a:ln>
-            <a:noFill/>
-          </a:ln>
-        </p:spPr>
-        <p:style>
-          <a:lnRef idx="2">
-            <a:schemeClr val="dk1">
-              <a:shade val="50000"/>
-            </a:schemeClr>
-          </a:lnRef>
-          <a:fillRef idx="1">
-            <a:schemeClr val="dk1"/>
-          </a:fillRef>
-          <a:effectRef idx="0">
-            <a:schemeClr val="dk1"/>
-          </a:effectRef>
-          <a:fontRef idx="minor">
-            <a:schemeClr val="lt1"/>
-          </a:fontRef>
-        </p:style>
-        <p:txBody>
-          <a:bodyPr rtlCol="0" anchor="ctr"/>
-          <a:lstStyle/>
-          <a:p>
-            <a:pPr algn="ctr"/>
-            <a:endParaRPr lang="en-IN"/>
-          </a:p>
-        </p:txBody>
-      </p:sp>
-      <p:sp>
-        <p:nvSpPr>
-          <p:cNvPr id="10" name="Rectangle 9">
-            <a:extLst>
-              <a:ext uri="{FF2B5EF4-FFF2-40B4-BE49-F238E27FC236}">
-                <a16:creationId xmlns:a16="http://schemas.microsoft.com/office/drawing/2014/main" id="{F7FA136D-8950-4B64-9B51-15FFB3355E70}"/>
-              </a:ext>
-            </a:extLst>
-          </p:cNvPr>
-          <p:cNvSpPr/>
-          <p:nvPr/>
-        </p:nvSpPr>
-        <p:spPr>
-          <a:xfrm>
-            <a:off x="127591" y="4699591"/>
-            <a:ext cx="2541181" cy="329609"/>
-          </a:xfrm>
-          <a:prstGeom prst="rect">
-            <a:avLst/>
-          </a:prstGeom>
-          <a:solidFill>
-            <a:schemeClr val="bg1"/>
-          </a:solidFill>
-          <a:ln>
-            <a:noFill/>
-          </a:ln>
-        </p:spPr>
-        <p:style>
-          <a:lnRef idx="2">
-            <a:schemeClr val="accent6"/>
-          </a:lnRef>
-          <a:fillRef idx="1">
-            <a:schemeClr val="lt1"/>
-          </a:fillRef>
-          <a:effectRef idx="0">
-            <a:schemeClr val="accent6"/>
-          </a:effectRef>
-          <a:fontRef idx="minor">
-            <a:schemeClr val="dk1"/>
-          </a:fontRef>
-        </p:style>
-        <p:txBody>
-          <a:bodyPr rtlCol="0" anchor="ctr"/>
-          <a:lstStyle/>
-          <a:p>
-            <a:pPr algn="ctr"/>
-            <a:endParaRPr lang="en-IN"/>
-          </a:p>
-        </p:txBody>
-      </p:sp>
       <p:pic>
         <p:nvPicPr>
           <p:cNvPr id="17" name="Picture 16">
@@ -7256,7 +6090,7 @@
         </p:blipFill>
         <p:spPr>
           <a:xfrm>
-            <a:off x="6909028" y="3700889"/>
+            <a:off x="6942471" y="3780517"/>
             <a:ext cx="2195917" cy="1362983"/>
           </a:xfrm>
           <a:prstGeom prst="rect">
@@ -7795,6 +6629,446 @@
 </p:sld>
 </file>
 
+<file path=ppt/slides/slide5.xml><?xml version="1.0" encoding="utf-8"?>
+<p:sld xmlns:a="http://schemas.openxmlformats.org/drawingml/2006/main" xmlns:r="http://schemas.openxmlformats.org/officeDocument/2006/relationships" xmlns:p="http://schemas.openxmlformats.org/presentationml/2006/main">
+  <p:cSld>
+    <p:spTree>
+      <p:nvGrpSpPr>
+        <p:cNvPr id="1" name=""/>
+        <p:cNvGrpSpPr/>
+        <p:nvPr/>
+      </p:nvGrpSpPr>
+      <p:grpSpPr>
+        <a:xfrm>
+          <a:off x="0" y="0"/>
+          <a:ext cx="0" cy="0"/>
+          <a:chOff x="0" y="0"/>
+          <a:chExt cx="0" cy="0"/>
+        </a:xfrm>
+      </p:grpSpPr>
+      <p:sp>
+        <p:nvSpPr>
+          <p:cNvPr id="4" name="Rectangle 3">
+            <a:extLst>
+              <a:ext uri="{FF2B5EF4-FFF2-40B4-BE49-F238E27FC236}">
+                <a16:creationId xmlns:a16="http://schemas.microsoft.com/office/drawing/2014/main" id="{073C43C7-78E9-49F4-A33E-731E1FB62675}"/>
+              </a:ext>
+            </a:extLst>
+          </p:cNvPr>
+          <p:cNvSpPr/>
+          <p:nvPr/>
+        </p:nvSpPr>
+        <p:spPr>
+          <a:xfrm>
+            <a:off x="7612912" y="0"/>
+            <a:ext cx="1531088" cy="637953"/>
+          </a:xfrm>
+          <a:prstGeom prst="rect">
+            <a:avLst/>
+          </a:prstGeom>
+          <a:ln>
+            <a:noFill/>
+          </a:ln>
+        </p:spPr>
+        <p:style>
+          <a:lnRef idx="2">
+            <a:schemeClr val="dk1">
+              <a:shade val="50000"/>
+            </a:schemeClr>
+          </a:lnRef>
+          <a:fillRef idx="1">
+            <a:schemeClr val="dk1"/>
+          </a:fillRef>
+          <a:effectRef idx="0">
+            <a:schemeClr val="dk1"/>
+          </a:effectRef>
+          <a:fontRef idx="minor">
+            <a:schemeClr val="lt1"/>
+          </a:fontRef>
+        </p:style>
+        <p:txBody>
+          <a:bodyPr rtlCol="0" anchor="ctr"/>
+          <a:lstStyle/>
+          <a:p>
+            <a:pPr algn="ctr"/>
+            <a:endParaRPr lang="en-IN"/>
+          </a:p>
+        </p:txBody>
+      </p:sp>
+      <p:sp>
+        <p:nvSpPr>
+          <p:cNvPr id="5" name="Rectangle 4">
+            <a:extLst>
+              <a:ext uri="{FF2B5EF4-FFF2-40B4-BE49-F238E27FC236}">
+                <a16:creationId xmlns:a16="http://schemas.microsoft.com/office/drawing/2014/main" id="{31869786-5F73-4933-8E08-205D37B94DED}"/>
+              </a:ext>
+            </a:extLst>
+          </p:cNvPr>
+          <p:cNvSpPr/>
+          <p:nvPr/>
+        </p:nvSpPr>
+        <p:spPr>
+          <a:xfrm>
+            <a:off x="127591" y="4699591"/>
+            <a:ext cx="2541181" cy="329609"/>
+          </a:xfrm>
+          <a:prstGeom prst="rect">
+            <a:avLst/>
+          </a:prstGeom>
+          <a:solidFill>
+            <a:schemeClr val="bg1"/>
+          </a:solidFill>
+          <a:ln>
+            <a:noFill/>
+          </a:ln>
+        </p:spPr>
+        <p:style>
+          <a:lnRef idx="2">
+            <a:schemeClr val="accent6"/>
+          </a:lnRef>
+          <a:fillRef idx="1">
+            <a:schemeClr val="lt1"/>
+          </a:fillRef>
+          <a:effectRef idx="0">
+            <a:schemeClr val="accent6"/>
+          </a:effectRef>
+          <a:fontRef idx="minor">
+            <a:schemeClr val="dk1"/>
+          </a:fontRef>
+        </p:style>
+        <p:txBody>
+          <a:bodyPr rtlCol="0" anchor="ctr"/>
+          <a:lstStyle/>
+          <a:p>
+            <a:pPr algn="ctr"/>
+            <a:endParaRPr lang="en-IN"/>
+          </a:p>
+        </p:txBody>
+      </p:sp>
+      <p:sp>
+        <p:nvSpPr>
+          <p:cNvPr id="6" name="Rectangle 5">
+            <a:extLst>
+              <a:ext uri="{FF2B5EF4-FFF2-40B4-BE49-F238E27FC236}">
+                <a16:creationId xmlns:a16="http://schemas.microsoft.com/office/drawing/2014/main" id="{CBDFFDED-C692-4873-A6EC-615E44046D31}"/>
+              </a:ext>
+            </a:extLst>
+          </p:cNvPr>
+          <p:cNvSpPr/>
+          <p:nvPr/>
+        </p:nvSpPr>
+        <p:spPr>
+          <a:xfrm>
+            <a:off x="6472749" y="4699591"/>
+            <a:ext cx="2541181" cy="329609"/>
+          </a:xfrm>
+          <a:prstGeom prst="rect">
+            <a:avLst/>
+          </a:prstGeom>
+          <a:solidFill>
+            <a:schemeClr val="bg1"/>
+          </a:solidFill>
+          <a:ln>
+            <a:noFill/>
+          </a:ln>
+        </p:spPr>
+        <p:style>
+          <a:lnRef idx="2">
+            <a:schemeClr val="accent6"/>
+          </a:lnRef>
+          <a:fillRef idx="1">
+            <a:schemeClr val="lt1"/>
+          </a:fillRef>
+          <a:effectRef idx="0">
+            <a:schemeClr val="accent6"/>
+          </a:effectRef>
+          <a:fontRef idx="minor">
+            <a:schemeClr val="dk1"/>
+          </a:fontRef>
+        </p:style>
+        <p:txBody>
+          <a:bodyPr rtlCol="0" anchor="ctr"/>
+          <a:lstStyle/>
+          <a:p>
+            <a:pPr algn="ctr"/>
+            <a:endParaRPr lang="en-IN"/>
+          </a:p>
+        </p:txBody>
+      </p:sp>
+      <p:sp>
+        <p:nvSpPr>
+          <p:cNvPr id="7" name="Rectangle 6">
+            <a:extLst>
+              <a:ext uri="{FF2B5EF4-FFF2-40B4-BE49-F238E27FC236}">
+                <a16:creationId xmlns:a16="http://schemas.microsoft.com/office/drawing/2014/main" id="{34D65AF7-6C3B-44B7-98B5-751D10B7CCA7}"/>
+              </a:ext>
+            </a:extLst>
+          </p:cNvPr>
+          <p:cNvSpPr/>
+          <p:nvPr/>
+        </p:nvSpPr>
+        <p:spPr>
+          <a:xfrm>
+            <a:off x="7482842" y="7850"/>
+            <a:ext cx="1531088" cy="637953"/>
+          </a:xfrm>
+          <a:prstGeom prst="rect">
+            <a:avLst/>
+          </a:prstGeom>
+          <a:ln>
+            <a:noFill/>
+          </a:ln>
+        </p:spPr>
+        <p:style>
+          <a:lnRef idx="2">
+            <a:schemeClr val="dk1">
+              <a:shade val="50000"/>
+            </a:schemeClr>
+          </a:lnRef>
+          <a:fillRef idx="1">
+            <a:schemeClr val="dk1"/>
+          </a:fillRef>
+          <a:effectRef idx="0">
+            <a:schemeClr val="dk1"/>
+          </a:effectRef>
+          <a:fontRef idx="minor">
+            <a:schemeClr val="lt1"/>
+          </a:fontRef>
+        </p:style>
+        <p:txBody>
+          <a:bodyPr rtlCol="0" anchor="ctr"/>
+          <a:lstStyle/>
+          <a:p>
+            <a:pPr algn="ctr"/>
+            <a:endParaRPr lang="en-IN"/>
+          </a:p>
+        </p:txBody>
+      </p:sp>
+      <p:sp>
+        <p:nvSpPr>
+          <p:cNvPr id="8" name="Rectangle 7">
+            <a:extLst>
+              <a:ext uri="{FF2B5EF4-FFF2-40B4-BE49-F238E27FC236}">
+                <a16:creationId xmlns:a16="http://schemas.microsoft.com/office/drawing/2014/main" id="{360166E4-C9C5-47EF-A749-915E41095991}"/>
+              </a:ext>
+            </a:extLst>
+          </p:cNvPr>
+          <p:cNvSpPr/>
+          <p:nvPr/>
+        </p:nvSpPr>
+        <p:spPr>
+          <a:xfrm>
+            <a:off x="5316" y="653653"/>
+            <a:ext cx="9138684" cy="4416305"/>
+          </a:xfrm>
+          <a:prstGeom prst="rect">
+            <a:avLst/>
+          </a:prstGeom>
+          <a:solidFill>
+            <a:schemeClr val="bg1"/>
+          </a:solidFill>
+          <a:ln>
+            <a:noFill/>
+          </a:ln>
+        </p:spPr>
+        <p:style>
+          <a:lnRef idx="2">
+            <a:schemeClr val="accent6"/>
+          </a:lnRef>
+          <a:fillRef idx="1">
+            <a:schemeClr val="lt1"/>
+          </a:fillRef>
+          <a:effectRef idx="0">
+            <a:schemeClr val="accent6"/>
+          </a:effectRef>
+          <a:fontRef idx="minor">
+            <a:schemeClr val="dk1"/>
+          </a:fontRef>
+        </p:style>
+        <p:txBody>
+          <a:bodyPr rtlCol="0" anchor="ctr"/>
+          <a:lstStyle/>
+          <a:p>
+            <a:pPr algn="ctr"/>
+            <a:endParaRPr lang="en-IN"/>
+          </a:p>
+        </p:txBody>
+      </p:sp>
+      <p:sp>
+        <p:nvSpPr>
+          <p:cNvPr id="9" name="Rectangle 8">
+            <a:extLst>
+              <a:ext uri="{FF2B5EF4-FFF2-40B4-BE49-F238E27FC236}">
+                <a16:creationId xmlns:a16="http://schemas.microsoft.com/office/drawing/2014/main" id="{48A4B2ED-2CEB-4873-8C3C-024E08575E30}"/>
+              </a:ext>
+            </a:extLst>
+          </p:cNvPr>
+          <p:cNvSpPr/>
+          <p:nvPr/>
+        </p:nvSpPr>
+        <p:spPr>
+          <a:xfrm>
+            <a:off x="6625149" y="4851991"/>
+            <a:ext cx="2541181" cy="329609"/>
+          </a:xfrm>
+          <a:prstGeom prst="rect">
+            <a:avLst/>
+          </a:prstGeom>
+          <a:solidFill>
+            <a:schemeClr val="bg1"/>
+          </a:solidFill>
+          <a:ln>
+            <a:noFill/>
+          </a:ln>
+        </p:spPr>
+        <p:style>
+          <a:lnRef idx="2">
+            <a:schemeClr val="accent6"/>
+          </a:lnRef>
+          <a:fillRef idx="1">
+            <a:schemeClr val="lt1"/>
+          </a:fillRef>
+          <a:effectRef idx="0">
+            <a:schemeClr val="accent6"/>
+          </a:effectRef>
+          <a:fontRef idx="minor">
+            <a:schemeClr val="dk1"/>
+          </a:fontRef>
+        </p:style>
+        <p:txBody>
+          <a:bodyPr rtlCol="0" anchor="ctr"/>
+          <a:lstStyle/>
+          <a:p>
+            <a:pPr algn="ctr"/>
+            <a:endParaRPr lang="en-IN"/>
+          </a:p>
+        </p:txBody>
+      </p:sp>
+      <p:sp>
+        <p:nvSpPr>
+          <p:cNvPr id="10" name="object 2">
+            <a:extLst>
+              <a:ext uri="{FF2B5EF4-FFF2-40B4-BE49-F238E27FC236}">
+                <a16:creationId xmlns:a16="http://schemas.microsoft.com/office/drawing/2014/main" id="{312AF270-CF79-4C66-BDAC-207C34AA197C}"/>
+              </a:ext>
+            </a:extLst>
+          </p:cNvPr>
+          <p:cNvSpPr txBox="1">
+            <a:spLocks noGrp="1"/>
+          </p:cNvSpPr>
+          <p:nvPr>
+            <p:ph type="title"/>
+          </p:nvPr>
+        </p:nvSpPr>
+        <p:spPr>
+          <a:xfrm>
+            <a:off x="127590" y="60251"/>
+            <a:ext cx="4369981" cy="517449"/>
+          </a:xfrm>
+          <a:prstGeom prst="rect">
+            <a:avLst/>
+          </a:prstGeom>
+        </p:spPr>
+        <p:txBody>
+          <a:bodyPr vert="horz" wrap="square" lIns="0" tIns="9525" rIns="0" bIns="0" rtlCol="0" anchor="ctr">
+            <a:spAutoFit/>
+          </a:bodyPr>
+          <a:lstStyle/>
+          <a:p>
+            <a:pPr marL="9525">
+              <a:lnSpc>
+                <a:spcPct val="100000"/>
+              </a:lnSpc>
+              <a:spcBef>
+                <a:spcPts val="75"/>
+              </a:spcBef>
+            </a:pPr>
+            <a:r>
+              <a:rPr lang="en-US" spc="-4" dirty="0">
+                <a:solidFill>
+                  <a:schemeClr val="bg1"/>
+                </a:solidFill>
+              </a:rPr>
+              <a:t>Web Career Goals</a:t>
+            </a:r>
+            <a:endParaRPr spc="-4" dirty="0">
+              <a:solidFill>
+                <a:schemeClr val="bg1"/>
+              </a:solidFill>
+            </a:endParaRPr>
+          </a:p>
+        </p:txBody>
+      </p:sp>
+      <p:pic>
+        <p:nvPicPr>
+          <p:cNvPr id="8194" name="Picture 2" descr="The 9 Best Programming Languages to Learn in 2021 | Fullstack Academy">
+            <a:extLst>
+              <a:ext uri="{FF2B5EF4-FFF2-40B4-BE49-F238E27FC236}">
+                <a16:creationId xmlns:a16="http://schemas.microsoft.com/office/drawing/2014/main" id="{5424A807-708E-4221-BE87-149D341BB191}"/>
+              </a:ext>
+            </a:extLst>
+          </p:cNvPr>
+          <p:cNvPicPr>
+            <a:picLocks noChangeAspect="1" noChangeArrowheads="1"/>
+          </p:cNvPicPr>
+          <p:nvPr/>
+        </p:nvPicPr>
+        <p:blipFill rotWithShape="1">
+          <a:blip r:embed="rId2">
+            <a:extLst>
+              <a:ext uri="{28A0092B-C50C-407E-A947-70E740481C1C}">
+                <a14:useLocalDpi xmlns:a14="http://schemas.microsoft.com/office/drawing/2010/main" val="0"/>
+              </a:ext>
+            </a:extLst>
+          </a:blip>
+          <a:srcRect t="3707" b="6809"/>
+          <a:stretch/>
+        </p:blipFill>
+        <p:spPr bwMode="auto">
+          <a:xfrm>
+            <a:off x="1591229" y="756684"/>
+            <a:ext cx="5968207" cy="4272516"/>
+          </a:xfrm>
+          <a:prstGeom prst="rect">
+            <a:avLst/>
+          </a:prstGeom>
+          <a:noFill/>
+          <a:extLst>
+            <a:ext uri="{909E8E84-426E-40DD-AFC4-6F175D3DCCD1}">
+              <a14:hiddenFill xmlns:a14="http://schemas.microsoft.com/office/drawing/2010/main">
+                <a:solidFill>
+                  <a:srgbClr val="FFFFFF"/>
+                </a:solidFill>
+              </a14:hiddenFill>
+            </a:ext>
+          </a:extLst>
+        </p:spPr>
+      </p:pic>
+    </p:spTree>
+    <p:extLst>
+      <p:ext uri="{BB962C8B-B14F-4D97-AF65-F5344CB8AC3E}">
+        <p14:creationId xmlns:p14="http://schemas.microsoft.com/office/powerpoint/2010/main" val="730289125"/>
+      </p:ext>
+    </p:extLst>
+  </p:cSld>
+  <p:clrMapOvr>
+    <a:masterClrMapping/>
+  </p:clrMapOvr>
+  <mc:AlternateContent xmlns:mc="http://schemas.openxmlformats.org/markup-compatibility/2006" xmlns:p14="http://schemas.microsoft.com/office/powerpoint/2010/main">
+    <mc:Choice Requires="p14">
+      <p:transition spd="med" p14:dur="700">
+        <p:fade/>
+      </p:transition>
+    </mc:Choice>
+    <mc:Fallback xmlns="">
+      <p:transition spd="med">
+        <p:fade/>
+      </p:transition>
+    </mc:Fallback>
+  </mc:AlternateContent>
+</p:sld>
+</file>
+
 <file path=ppt/slides/slide6.xml><?xml version="1.0" encoding="utf-8"?>
 <p:sld xmlns:a="http://schemas.openxmlformats.org/drawingml/2006/main" xmlns:r="http://schemas.openxmlformats.org/officeDocument/2006/relationships" xmlns:p="http://schemas.openxmlformats.org/presentationml/2006/main">
   <p:cSld>
@@ -8110,67 +7384,12 @@
           </a:p>
         </p:txBody>
       </p:sp>
-      <p:sp>
-        <p:nvSpPr>
-          <p:cNvPr id="10" name="object 2">
-            <a:extLst>
-              <a:ext uri="{FF2B5EF4-FFF2-40B4-BE49-F238E27FC236}">
-                <a16:creationId xmlns:a16="http://schemas.microsoft.com/office/drawing/2014/main" id="{312AF270-CF79-4C66-BDAC-207C34AA197C}"/>
-              </a:ext>
-            </a:extLst>
-          </p:cNvPr>
-          <p:cNvSpPr txBox="1">
-            <a:spLocks noGrp="1"/>
-          </p:cNvSpPr>
-          <p:nvPr>
-            <p:ph type="title"/>
-          </p:nvPr>
-        </p:nvSpPr>
-        <p:spPr>
-          <a:xfrm>
-            <a:off x="127590" y="60251"/>
-            <a:ext cx="4369981" cy="517449"/>
-          </a:xfrm>
-          <a:prstGeom prst="rect">
-            <a:avLst/>
-          </a:prstGeom>
-        </p:spPr>
-        <p:txBody>
-          <a:bodyPr vert="horz" wrap="square" lIns="0" tIns="9525" rIns="0" bIns="0" rtlCol="0" anchor="ctr">
-            <a:spAutoFit/>
-          </a:bodyPr>
-          <a:lstStyle/>
-          <a:p>
-            <a:pPr marL="9525">
-              <a:lnSpc>
-                <a:spcPct val="100000"/>
-              </a:lnSpc>
-              <a:spcBef>
-                <a:spcPts val="75"/>
-              </a:spcBef>
-            </a:pPr>
-            <a:r>
-              <a:rPr lang="en-US" spc="-4" dirty="0">
-                <a:solidFill>
-                  <a:schemeClr val="bg1"/>
-                </a:solidFill>
-              </a:rPr>
-              <a:t>Web Career Goals</a:t>
-            </a:r>
-            <a:endParaRPr spc="-4" dirty="0">
-              <a:solidFill>
-                <a:schemeClr val="bg1"/>
-              </a:solidFill>
-            </a:endParaRPr>
-          </a:p>
-        </p:txBody>
-      </p:sp>
       <p:pic>
         <p:nvPicPr>
-          <p:cNvPr id="8194" name="Picture 2" descr="The 9 Best Programming Languages to Learn in 2021 | Fullstack Academy">
+          <p:cNvPr id="3076" name="Picture 4" descr="Front End Development, Back End Development, and Full Stack Developers">
             <a:extLst>
               <a:ext uri="{FF2B5EF4-FFF2-40B4-BE49-F238E27FC236}">
-                <a16:creationId xmlns:a16="http://schemas.microsoft.com/office/drawing/2014/main" id="{5424A807-708E-4221-BE87-149D341BB191}"/>
+                <a16:creationId xmlns:a16="http://schemas.microsoft.com/office/drawing/2014/main" id="{F7397D51-2656-4FCA-BD90-CABA54DA878A}"/>
               </a:ext>
             </a:extLst>
           </p:cNvPr>
@@ -8179,7 +7398,7 @@
           </p:cNvPicPr>
           <p:nvPr/>
         </p:nvPicPr>
-        <p:blipFill rotWithShape="1">
+        <p:blipFill>
           <a:blip r:embed="rId2">
             <a:extLst>
               <a:ext uri="{28A0092B-C50C-407E-A947-70E740481C1C}">
@@ -8187,13 +7406,15 @@
               </a:ext>
             </a:extLst>
           </a:blip>
-          <a:srcRect t="3707" b="6809"/>
-          <a:stretch/>
+          <a:srcRect/>
+          <a:stretch>
+            <a:fillRect/>
+          </a:stretch>
         </p:blipFill>
         <p:spPr bwMode="auto">
           <a:xfrm>
-            <a:off x="1591229" y="756684"/>
-            <a:ext cx="5968207" cy="4272516"/>
+            <a:off x="1359153" y="675622"/>
+            <a:ext cx="6123689" cy="3814225"/>
           </a:xfrm>
           <a:prstGeom prst="rect">
             <a:avLst/>
@@ -8210,10 +7431,322 @@
           </a:extLst>
         </p:spPr>
       </p:pic>
+      <p:pic>
+        <p:nvPicPr>
+          <p:cNvPr id="3" name="Picture 2">
+            <a:extLst>
+              <a:ext uri="{FF2B5EF4-FFF2-40B4-BE49-F238E27FC236}">
+                <a16:creationId xmlns:a16="http://schemas.microsoft.com/office/drawing/2014/main" id="{85BCB04C-EA2C-40C6-A8C5-5AC59A1ADB89}"/>
+              </a:ext>
+            </a:extLst>
+          </p:cNvPr>
+          <p:cNvPicPr>
+            <a:picLocks noChangeAspect="1"/>
+          </p:cNvPicPr>
+          <p:nvPr/>
+        </p:nvPicPr>
+        <p:blipFill>
+          <a:blip r:embed="rId3"/>
+          <a:stretch>
+            <a:fillRect/>
+          </a:stretch>
+        </p:blipFill>
+        <p:spPr>
+          <a:xfrm>
+            <a:off x="7511159" y="2524896"/>
+            <a:ext cx="1556238" cy="778119"/>
+          </a:xfrm>
+          <a:prstGeom prst="rect">
+            <a:avLst/>
+          </a:prstGeom>
+        </p:spPr>
+      </p:pic>
+      <p:pic>
+        <p:nvPicPr>
+          <p:cNvPr id="11" name="Picture 10">
+            <a:extLst>
+              <a:ext uri="{FF2B5EF4-FFF2-40B4-BE49-F238E27FC236}">
+                <a16:creationId xmlns:a16="http://schemas.microsoft.com/office/drawing/2014/main" id="{3F00A603-9E51-4EE6-96C9-AE50711B1A7A}"/>
+              </a:ext>
+            </a:extLst>
+          </p:cNvPr>
+          <p:cNvPicPr>
+            <a:picLocks noChangeAspect="1"/>
+          </p:cNvPicPr>
+          <p:nvPr/>
+        </p:nvPicPr>
+        <p:blipFill>
+          <a:blip r:embed="rId4"/>
+          <a:stretch>
+            <a:fillRect/>
+          </a:stretch>
+        </p:blipFill>
+        <p:spPr>
+          <a:xfrm>
+            <a:off x="7630074" y="4071866"/>
+            <a:ext cx="1366694" cy="835961"/>
+          </a:xfrm>
+          <a:prstGeom prst="rect">
+            <a:avLst/>
+          </a:prstGeom>
+        </p:spPr>
+      </p:pic>
+      <p:pic>
+        <p:nvPicPr>
+          <p:cNvPr id="13" name="Picture 12">
+            <a:extLst>
+              <a:ext uri="{FF2B5EF4-FFF2-40B4-BE49-F238E27FC236}">
+                <a16:creationId xmlns:a16="http://schemas.microsoft.com/office/drawing/2014/main" id="{F54BED93-C861-45AF-B101-56C1454A1119}"/>
+              </a:ext>
+            </a:extLst>
+          </p:cNvPr>
+          <p:cNvPicPr>
+            <a:picLocks noChangeAspect="1"/>
+          </p:cNvPicPr>
+          <p:nvPr/>
+        </p:nvPicPr>
+        <p:blipFill>
+          <a:blip r:embed="rId5"/>
+          <a:stretch>
+            <a:fillRect/>
+          </a:stretch>
+        </p:blipFill>
+        <p:spPr>
+          <a:xfrm>
+            <a:off x="4860460" y="4365381"/>
+            <a:ext cx="2003913" cy="778119"/>
+          </a:xfrm>
+          <a:prstGeom prst="rect">
+            <a:avLst/>
+          </a:prstGeom>
+        </p:spPr>
+      </p:pic>
+      <p:pic>
+        <p:nvPicPr>
+          <p:cNvPr id="15" name="Picture 14">
+            <a:extLst>
+              <a:ext uri="{FF2B5EF4-FFF2-40B4-BE49-F238E27FC236}">
+                <a16:creationId xmlns:a16="http://schemas.microsoft.com/office/drawing/2014/main" id="{68BF7053-70F5-430E-8986-1B133BD5F9FB}"/>
+              </a:ext>
+            </a:extLst>
+          </p:cNvPr>
+          <p:cNvPicPr>
+            <a:picLocks noChangeAspect="1"/>
+          </p:cNvPicPr>
+          <p:nvPr/>
+        </p:nvPicPr>
+        <p:blipFill>
+          <a:blip r:embed="rId6"/>
+          <a:stretch>
+            <a:fillRect/>
+          </a:stretch>
+        </p:blipFill>
+        <p:spPr>
+          <a:xfrm>
+            <a:off x="127591" y="742270"/>
+            <a:ext cx="2003913" cy="1418500"/>
+          </a:xfrm>
+          <a:prstGeom prst="rect">
+            <a:avLst/>
+          </a:prstGeom>
+        </p:spPr>
+      </p:pic>
+      <p:pic>
+        <p:nvPicPr>
+          <p:cNvPr id="17" name="Picture 16">
+            <a:extLst>
+              <a:ext uri="{FF2B5EF4-FFF2-40B4-BE49-F238E27FC236}">
+                <a16:creationId xmlns:a16="http://schemas.microsoft.com/office/drawing/2014/main" id="{0666FF1A-268E-48DF-91B8-BC5C7593001C}"/>
+              </a:ext>
+            </a:extLst>
+          </p:cNvPr>
+          <p:cNvPicPr>
+            <a:picLocks noChangeAspect="1"/>
+          </p:cNvPicPr>
+          <p:nvPr/>
+        </p:nvPicPr>
+        <p:blipFill>
+          <a:blip r:embed="rId7"/>
+          <a:stretch>
+            <a:fillRect/>
+          </a:stretch>
+        </p:blipFill>
+        <p:spPr>
+          <a:xfrm>
+            <a:off x="100465" y="2683243"/>
+            <a:ext cx="1197952" cy="598976"/>
+          </a:xfrm>
+          <a:prstGeom prst="rect">
+            <a:avLst/>
+          </a:prstGeom>
+        </p:spPr>
+      </p:pic>
+      <p:pic>
+        <p:nvPicPr>
+          <p:cNvPr id="19" name="Picture 18">
+            <a:extLst>
+              <a:ext uri="{FF2B5EF4-FFF2-40B4-BE49-F238E27FC236}">
+                <a16:creationId xmlns:a16="http://schemas.microsoft.com/office/drawing/2014/main" id="{EE559351-76D0-4324-8F32-92975316C82C}"/>
+              </a:ext>
+            </a:extLst>
+          </p:cNvPr>
+          <p:cNvPicPr>
+            <a:picLocks noChangeAspect="1"/>
+          </p:cNvPicPr>
+          <p:nvPr/>
+        </p:nvPicPr>
+        <p:blipFill>
+          <a:blip r:embed="rId8"/>
+          <a:stretch>
+            <a:fillRect/>
+          </a:stretch>
+        </p:blipFill>
+        <p:spPr>
+          <a:xfrm>
+            <a:off x="450964" y="4012170"/>
+            <a:ext cx="778119" cy="778119"/>
+          </a:xfrm>
+          <a:prstGeom prst="rect">
+            <a:avLst/>
+          </a:prstGeom>
+        </p:spPr>
+      </p:pic>
+      <p:graphicFrame>
+        <p:nvGraphicFramePr>
+          <p:cNvPr id="2" name="Table 9">
+            <a:extLst>
+              <a:ext uri="{FF2B5EF4-FFF2-40B4-BE49-F238E27FC236}">
+                <a16:creationId xmlns:a16="http://schemas.microsoft.com/office/drawing/2014/main" id="{2E8899E2-20C0-4051-8B1A-9AC86C88B570}"/>
+              </a:ext>
+            </a:extLst>
+          </p:cNvPr>
+          <p:cNvGraphicFramePr>
+            <a:graphicFrameLocks noGrp="1"/>
+          </p:cNvGraphicFramePr>
+          <p:nvPr>
+            <p:extLst>
+              <p:ext uri="{D42A27DB-BD31-4B8C-83A1-F6EECF244321}">
+                <p14:modId xmlns:p14="http://schemas.microsoft.com/office/powerpoint/2010/main" val="4127991393"/>
+              </p:ext>
+            </p:extLst>
+          </p:nvPr>
+        </p:nvGraphicFramePr>
+        <p:xfrm>
+          <a:off x="5316" y="-4327"/>
+          <a:ext cx="9144000" cy="684344"/>
+        </p:xfrm>
+        <a:graphic>
+          <a:graphicData uri="http://schemas.openxmlformats.org/drawingml/2006/table">
+            <a:tbl>
+              <a:tblPr firstRow="1" bandRow="1">
+                <a:tableStyleId>{5C22544A-7EE6-4342-B048-85BDC9FD1C3A}</a:tableStyleId>
+              </a:tblPr>
+              <a:tblGrid>
+                <a:gridCol w="9144000">
+                  <a:extLst>
+                    <a:ext uri="{9D8B030D-6E8A-4147-A177-3AD203B41FA5}">
+                      <a16:colId xmlns:a16="http://schemas.microsoft.com/office/drawing/2014/main" val="749140339"/>
+                    </a:ext>
+                  </a:extLst>
+                </a:gridCol>
+              </a:tblGrid>
+              <a:tr h="684344">
+                <a:tc>
+                  <a:txBody>
+                    <a:bodyPr/>
+                    <a:lstStyle/>
+                    <a:p>
+                      <a:r>
+                        <a:rPr lang="en-US" sz="2000" dirty="0">
+                          <a:latin typeface="Arial Rounded MT Bold" panose="020F0704030504030204" pitchFamily="34" charset="0"/>
+                        </a:rPr>
+                        <a:t>Who are full stack developers ? (5+ years)</a:t>
+                      </a:r>
+                      <a:endParaRPr lang="en-IN" dirty="0">
+                        <a:latin typeface="Arial Rounded MT Bold" panose="020F0704030504030204" pitchFamily="34" charset="0"/>
+                      </a:endParaRPr>
+                    </a:p>
+                  </a:txBody>
+                  <a:tcPr>
+                    <a:solidFill>
+                      <a:schemeClr val="tx2"/>
+                    </a:solidFill>
+                  </a:tcPr>
+                </a:tc>
+                <a:extLst>
+                  <a:ext uri="{0D108BD9-81ED-4DB2-BD59-A6C34878D82A}">
+                    <a16:rowId xmlns:a16="http://schemas.microsoft.com/office/drawing/2014/main" val="3559328367"/>
+                  </a:ext>
+                </a:extLst>
+              </a:tr>
+            </a:tbl>
+          </a:graphicData>
+        </a:graphic>
+      </p:graphicFrame>
+      <p:pic>
+        <p:nvPicPr>
+          <p:cNvPr id="12" name="Picture 11">
+            <a:extLst>
+              <a:ext uri="{FF2B5EF4-FFF2-40B4-BE49-F238E27FC236}">
+                <a16:creationId xmlns:a16="http://schemas.microsoft.com/office/drawing/2014/main" id="{47F77044-9DA9-42E1-B3BB-A3768EF99EF8}"/>
+              </a:ext>
+            </a:extLst>
+          </p:cNvPr>
+          <p:cNvPicPr>
+            <a:picLocks noChangeAspect="1"/>
+          </p:cNvPicPr>
+          <p:nvPr/>
+        </p:nvPicPr>
+        <p:blipFill>
+          <a:blip r:embed="rId9"/>
+          <a:stretch>
+            <a:fillRect/>
+          </a:stretch>
+        </p:blipFill>
+        <p:spPr>
+          <a:xfrm>
+            <a:off x="1825222" y="4594297"/>
+            <a:ext cx="1289198" cy="427523"/>
+          </a:xfrm>
+          <a:prstGeom prst="rect">
+            <a:avLst/>
+          </a:prstGeom>
+        </p:spPr>
+      </p:pic>
+      <p:pic>
+        <p:nvPicPr>
+          <p:cNvPr id="16" name="Picture 15">
+            <a:extLst>
+              <a:ext uri="{FF2B5EF4-FFF2-40B4-BE49-F238E27FC236}">
+                <a16:creationId xmlns:a16="http://schemas.microsoft.com/office/drawing/2014/main" id="{E5E7BDF3-9872-4DA5-AB31-6F3F009B13E0}"/>
+              </a:ext>
+            </a:extLst>
+          </p:cNvPr>
+          <p:cNvPicPr>
+            <a:picLocks noChangeAspect="1"/>
+          </p:cNvPicPr>
+          <p:nvPr/>
+        </p:nvPicPr>
+        <p:blipFill>
+          <a:blip r:embed="rId10"/>
+          <a:stretch>
+            <a:fillRect/>
+          </a:stretch>
+        </p:blipFill>
+        <p:spPr>
+          <a:xfrm>
+            <a:off x="6755348" y="717200"/>
+            <a:ext cx="2155298" cy="1031084"/>
+          </a:xfrm>
+          <a:prstGeom prst="rect">
+            <a:avLst/>
+          </a:prstGeom>
+        </p:spPr>
+      </p:pic>
     </p:spTree>
     <p:extLst>
       <p:ext uri="{BB962C8B-B14F-4D97-AF65-F5344CB8AC3E}">
-        <p14:creationId xmlns:p14="http://schemas.microsoft.com/office/powerpoint/2010/main" val="730289125"/>
+        <p14:creationId xmlns:p14="http://schemas.microsoft.com/office/powerpoint/2010/main" val="4146656272"/>
       </p:ext>
     </p:extLst>
   </p:cSld>
@@ -8552,10 +8085,10 @@
       </p:sp>
       <p:pic>
         <p:nvPicPr>
-          <p:cNvPr id="3076" name="Picture 4" descr="Front End Development, Back End Development, and Full Stack Developers">
+          <p:cNvPr id="4100" name="Picture 4" descr="Revindex Storefront 13 - HTML5, CSS3, JS, Bootstrap - Revindex -">
             <a:extLst>
               <a:ext uri="{FF2B5EF4-FFF2-40B4-BE49-F238E27FC236}">
-                <a16:creationId xmlns:a16="http://schemas.microsoft.com/office/drawing/2014/main" id="{F7397D51-2656-4FCA-BD90-CABA54DA878A}"/>
+                <a16:creationId xmlns:a16="http://schemas.microsoft.com/office/drawing/2014/main" id="{E2E19118-13EF-440C-ACCE-A3949B1BE107}"/>
               </a:ext>
             </a:extLst>
           </p:cNvPr>
@@ -8564,7 +8097,7 @@
           </p:cNvPicPr>
           <p:nvPr/>
         </p:nvPicPr>
-        <p:blipFill>
+        <p:blipFill rotWithShape="1">
           <a:blip r:embed="rId2">
             <a:extLst>
               <a:ext uri="{28A0092B-C50C-407E-A947-70E740481C1C}">
@@ -8572,15 +8105,13 @@
               </a:ext>
             </a:extLst>
           </a:blip>
-          <a:srcRect/>
-          <a:stretch>
-            <a:fillRect/>
-          </a:stretch>
+          <a:srcRect b="42151"/>
+          <a:stretch/>
         </p:blipFill>
         <p:spPr bwMode="auto">
           <a:xfrm>
-            <a:off x="1359153" y="675622"/>
-            <a:ext cx="6123689" cy="3814225"/>
+            <a:off x="318280" y="1138667"/>
+            <a:ext cx="8507440" cy="3075910"/>
           </a:xfrm>
           <a:prstGeom prst="rect">
             <a:avLst/>
@@ -8597,334 +8128,65 @@
           </a:extLst>
         </p:spPr>
       </p:pic>
-      <p:pic>
-        <p:nvPicPr>
-          <p:cNvPr id="3" name="Picture 2">
+      <p:sp>
+        <p:nvSpPr>
+          <p:cNvPr id="10" name="object 2">
             <a:extLst>
               <a:ext uri="{FF2B5EF4-FFF2-40B4-BE49-F238E27FC236}">
-                <a16:creationId xmlns:a16="http://schemas.microsoft.com/office/drawing/2014/main" id="{85BCB04C-EA2C-40C6-A8C5-5AC59A1ADB89}"/>
+                <a16:creationId xmlns:a16="http://schemas.microsoft.com/office/drawing/2014/main" id="{0EF5D5F3-65CA-4262-8CBF-25F1AAFE4BE9}"/>
               </a:ext>
             </a:extLst>
           </p:cNvPr>
-          <p:cNvPicPr>
-            <a:picLocks noChangeAspect="1"/>
-          </p:cNvPicPr>
-          <p:nvPr/>
-        </p:nvPicPr>
-        <p:blipFill>
-          <a:blip r:embed="rId3"/>
-          <a:stretch>
-            <a:fillRect/>
-          </a:stretch>
-        </p:blipFill>
-        <p:spPr>
-          <a:xfrm>
-            <a:off x="7511159" y="2524896"/>
-            <a:ext cx="1556238" cy="778119"/>
+          <p:cNvSpPr txBox="1">
+            <a:spLocks noGrp="1"/>
+          </p:cNvSpPr>
+          <p:nvPr>
+            <p:ph type="title"/>
+          </p:nvPr>
+        </p:nvSpPr>
+        <p:spPr>
+          <a:xfrm>
+            <a:off x="127590" y="60251"/>
+            <a:ext cx="4369981" cy="517449"/>
           </a:xfrm>
           <a:prstGeom prst="rect">
             <a:avLst/>
           </a:prstGeom>
         </p:spPr>
-      </p:pic>
-      <p:pic>
-        <p:nvPicPr>
-          <p:cNvPr id="11" name="Picture 10">
-            <a:extLst>
-              <a:ext uri="{FF2B5EF4-FFF2-40B4-BE49-F238E27FC236}">
-                <a16:creationId xmlns:a16="http://schemas.microsoft.com/office/drawing/2014/main" id="{3F00A603-9E51-4EE6-96C9-AE50711B1A7A}"/>
-              </a:ext>
-            </a:extLst>
-          </p:cNvPr>
-          <p:cNvPicPr>
-            <a:picLocks noChangeAspect="1"/>
-          </p:cNvPicPr>
-          <p:nvPr/>
-        </p:nvPicPr>
-        <p:blipFill>
-          <a:blip r:embed="rId4"/>
-          <a:stretch>
-            <a:fillRect/>
-          </a:stretch>
-        </p:blipFill>
-        <p:spPr>
-          <a:xfrm>
-            <a:off x="7630074" y="4071866"/>
-            <a:ext cx="1366694" cy="835961"/>
-          </a:xfrm>
-          <a:prstGeom prst="rect">
-            <a:avLst/>
-          </a:prstGeom>
-        </p:spPr>
-      </p:pic>
-      <p:pic>
-        <p:nvPicPr>
-          <p:cNvPr id="13" name="Picture 12">
-            <a:extLst>
-              <a:ext uri="{FF2B5EF4-FFF2-40B4-BE49-F238E27FC236}">
-                <a16:creationId xmlns:a16="http://schemas.microsoft.com/office/drawing/2014/main" id="{F54BED93-C861-45AF-B101-56C1454A1119}"/>
-              </a:ext>
-            </a:extLst>
-          </p:cNvPr>
-          <p:cNvPicPr>
-            <a:picLocks noChangeAspect="1"/>
-          </p:cNvPicPr>
-          <p:nvPr/>
-        </p:nvPicPr>
-        <p:blipFill>
-          <a:blip r:embed="rId5"/>
-          <a:stretch>
-            <a:fillRect/>
-          </a:stretch>
-        </p:blipFill>
-        <p:spPr>
-          <a:xfrm>
-            <a:off x="4860460" y="4365381"/>
-            <a:ext cx="2003913" cy="778119"/>
-          </a:xfrm>
-          <a:prstGeom prst="rect">
-            <a:avLst/>
-          </a:prstGeom>
-        </p:spPr>
-      </p:pic>
-      <p:pic>
-        <p:nvPicPr>
-          <p:cNvPr id="15" name="Picture 14">
-            <a:extLst>
-              <a:ext uri="{FF2B5EF4-FFF2-40B4-BE49-F238E27FC236}">
-                <a16:creationId xmlns:a16="http://schemas.microsoft.com/office/drawing/2014/main" id="{68BF7053-70F5-430E-8986-1B133BD5F9FB}"/>
-              </a:ext>
-            </a:extLst>
-          </p:cNvPr>
-          <p:cNvPicPr>
-            <a:picLocks noChangeAspect="1"/>
-          </p:cNvPicPr>
-          <p:nvPr/>
-        </p:nvPicPr>
-        <p:blipFill>
-          <a:blip r:embed="rId6"/>
-          <a:stretch>
-            <a:fillRect/>
-          </a:stretch>
-        </p:blipFill>
-        <p:spPr>
-          <a:xfrm>
-            <a:off x="127591" y="742270"/>
-            <a:ext cx="2003913" cy="1418500"/>
-          </a:xfrm>
-          <a:prstGeom prst="rect">
-            <a:avLst/>
-          </a:prstGeom>
-        </p:spPr>
-      </p:pic>
-      <p:pic>
-        <p:nvPicPr>
-          <p:cNvPr id="17" name="Picture 16">
-            <a:extLst>
-              <a:ext uri="{FF2B5EF4-FFF2-40B4-BE49-F238E27FC236}">
-                <a16:creationId xmlns:a16="http://schemas.microsoft.com/office/drawing/2014/main" id="{0666FF1A-268E-48DF-91B8-BC5C7593001C}"/>
-              </a:ext>
-            </a:extLst>
-          </p:cNvPr>
-          <p:cNvPicPr>
-            <a:picLocks noChangeAspect="1"/>
-          </p:cNvPicPr>
-          <p:nvPr/>
-        </p:nvPicPr>
-        <p:blipFill>
-          <a:blip r:embed="rId7"/>
-          <a:stretch>
-            <a:fillRect/>
-          </a:stretch>
-        </p:blipFill>
-        <p:spPr>
-          <a:xfrm>
-            <a:off x="100465" y="2683243"/>
-            <a:ext cx="1197952" cy="598976"/>
-          </a:xfrm>
-          <a:prstGeom prst="rect">
-            <a:avLst/>
-          </a:prstGeom>
-        </p:spPr>
-      </p:pic>
-      <p:pic>
-        <p:nvPicPr>
-          <p:cNvPr id="19" name="Picture 18">
-            <a:extLst>
-              <a:ext uri="{FF2B5EF4-FFF2-40B4-BE49-F238E27FC236}">
-                <a16:creationId xmlns:a16="http://schemas.microsoft.com/office/drawing/2014/main" id="{EE559351-76D0-4324-8F32-92975316C82C}"/>
-              </a:ext>
-            </a:extLst>
-          </p:cNvPr>
-          <p:cNvPicPr>
-            <a:picLocks noChangeAspect="1"/>
-          </p:cNvPicPr>
-          <p:nvPr/>
-        </p:nvPicPr>
-        <p:blipFill>
-          <a:blip r:embed="rId8"/>
-          <a:stretch>
-            <a:fillRect/>
-          </a:stretch>
-        </p:blipFill>
-        <p:spPr>
-          <a:xfrm>
-            <a:off x="450964" y="4012170"/>
-            <a:ext cx="778119" cy="778119"/>
-          </a:xfrm>
-          <a:prstGeom prst="rect">
-            <a:avLst/>
-          </a:prstGeom>
-        </p:spPr>
-      </p:pic>
-      <p:graphicFrame>
-        <p:nvGraphicFramePr>
-          <p:cNvPr id="2" name="Table 9">
-            <a:extLst>
-              <a:ext uri="{FF2B5EF4-FFF2-40B4-BE49-F238E27FC236}">
-                <a16:creationId xmlns:a16="http://schemas.microsoft.com/office/drawing/2014/main" id="{2E8899E2-20C0-4051-8B1A-9AC86C88B570}"/>
-              </a:ext>
-            </a:extLst>
-          </p:cNvPr>
-          <p:cNvGraphicFramePr>
-            <a:graphicFrameLocks noGrp="1"/>
-          </p:cNvGraphicFramePr>
-          <p:nvPr>
-            <p:extLst>
-              <p:ext uri="{D42A27DB-BD31-4B8C-83A1-F6EECF244321}">
-                <p14:modId xmlns:p14="http://schemas.microsoft.com/office/powerpoint/2010/main" val="3820268547"/>
-              </p:ext>
-            </p:extLst>
-          </p:nvPr>
-        </p:nvGraphicFramePr>
-        <p:xfrm>
-          <a:off x="0" y="-14375"/>
-          <a:ext cx="9144000" cy="684344"/>
-        </p:xfrm>
-        <a:graphic>
-          <a:graphicData uri="http://schemas.openxmlformats.org/drawingml/2006/table">
-            <a:tbl>
-              <a:tblPr firstRow="1" bandRow="1">
-                <a:tableStyleId>{5C22544A-7EE6-4342-B048-85BDC9FD1C3A}</a:tableStyleId>
-              </a:tblPr>
-              <a:tblGrid>
-                <a:gridCol w="9144000">
-                  <a:extLst>
-                    <a:ext uri="{9D8B030D-6E8A-4147-A177-3AD203B41FA5}">
-                      <a16:colId xmlns:a16="http://schemas.microsoft.com/office/drawing/2014/main" val="749140339"/>
-                    </a:ext>
-                  </a:extLst>
-                </a:gridCol>
-              </a:tblGrid>
-              <a:tr h="684344">
-                <a:tc>
-                  <a:txBody>
-                    <a:bodyPr/>
-                    <a:lstStyle/>
-                    <a:p>
-                      <a:r>
-                        <a:rPr lang="en-US" sz="2000" dirty="0">
-                          <a:latin typeface="Arial Rounded MT Bold" panose="020F0704030504030204" pitchFamily="34" charset="0"/>
-                        </a:rPr>
-                        <a:t>Who are full stack developers ? (5</a:t>
-                      </a:r>
-                      <a:r>
-                        <a:rPr lang="en-US" sz="2000">
-                          <a:latin typeface="Arial Rounded MT Bold" panose="020F0704030504030204" pitchFamily="34" charset="0"/>
-                        </a:rPr>
-                        <a:t>+ years</a:t>
-                      </a:r>
-                      <a:r>
-                        <a:rPr lang="en-US" sz="2000" dirty="0">
-                          <a:latin typeface="Arial Rounded MT Bold" panose="020F0704030504030204" pitchFamily="34" charset="0"/>
-                        </a:rPr>
-                        <a:t>)</a:t>
-                      </a:r>
-                      <a:endParaRPr lang="en-IN" dirty="0">
-                        <a:latin typeface="Arial Rounded MT Bold" panose="020F0704030504030204" pitchFamily="34" charset="0"/>
-                      </a:endParaRPr>
-                    </a:p>
-                  </a:txBody>
-                  <a:tcPr>
-                    <a:solidFill>
-                      <a:schemeClr val="tx2"/>
-                    </a:solidFill>
-                  </a:tcPr>
-                </a:tc>
-                <a:extLst>
-                  <a:ext uri="{0D108BD9-81ED-4DB2-BD59-A6C34878D82A}">
-                    <a16:rowId xmlns:a16="http://schemas.microsoft.com/office/drawing/2014/main" val="3559328367"/>
-                  </a:ext>
-                </a:extLst>
-              </a:tr>
-            </a:tbl>
-          </a:graphicData>
-        </a:graphic>
-      </p:graphicFrame>
-      <p:pic>
-        <p:nvPicPr>
-          <p:cNvPr id="12" name="Picture 11">
-            <a:extLst>
-              <a:ext uri="{FF2B5EF4-FFF2-40B4-BE49-F238E27FC236}">
-                <a16:creationId xmlns:a16="http://schemas.microsoft.com/office/drawing/2014/main" id="{47F77044-9DA9-42E1-B3BB-A3768EF99EF8}"/>
-              </a:ext>
-            </a:extLst>
-          </p:cNvPr>
-          <p:cNvPicPr>
-            <a:picLocks noChangeAspect="1"/>
-          </p:cNvPicPr>
-          <p:nvPr/>
-        </p:nvPicPr>
-        <p:blipFill>
-          <a:blip r:embed="rId9"/>
-          <a:stretch>
-            <a:fillRect/>
-          </a:stretch>
-        </p:blipFill>
-        <p:spPr>
-          <a:xfrm>
-            <a:off x="1825222" y="4594297"/>
-            <a:ext cx="1289198" cy="427523"/>
-          </a:xfrm>
-          <a:prstGeom prst="rect">
-            <a:avLst/>
-          </a:prstGeom>
-        </p:spPr>
-      </p:pic>
-      <p:pic>
-        <p:nvPicPr>
-          <p:cNvPr id="16" name="Picture 15">
-            <a:extLst>
-              <a:ext uri="{FF2B5EF4-FFF2-40B4-BE49-F238E27FC236}">
-                <a16:creationId xmlns:a16="http://schemas.microsoft.com/office/drawing/2014/main" id="{E5E7BDF3-9872-4DA5-AB31-6F3F009B13E0}"/>
-              </a:ext>
-            </a:extLst>
-          </p:cNvPr>
-          <p:cNvPicPr>
-            <a:picLocks noChangeAspect="1"/>
-          </p:cNvPicPr>
-          <p:nvPr/>
-        </p:nvPicPr>
-        <p:blipFill>
-          <a:blip r:embed="rId10"/>
-          <a:stretch>
-            <a:fillRect/>
-          </a:stretch>
-        </p:blipFill>
-        <p:spPr>
-          <a:xfrm>
-            <a:off x="6755348" y="717200"/>
-            <a:ext cx="2155298" cy="1031084"/>
-          </a:xfrm>
-          <a:prstGeom prst="rect">
-            <a:avLst/>
-          </a:prstGeom>
-        </p:spPr>
-      </p:pic>
+        <p:txBody>
+          <a:bodyPr vert="horz" wrap="square" lIns="0" tIns="9525" rIns="0" bIns="0" rtlCol="0" anchor="ctr">
+            <a:spAutoFit/>
+          </a:bodyPr>
+          <a:lstStyle/>
+          <a:p>
+            <a:pPr marL="9525">
+              <a:lnSpc>
+                <a:spcPct val="100000"/>
+              </a:lnSpc>
+              <a:spcBef>
+                <a:spcPts val="75"/>
+              </a:spcBef>
+            </a:pPr>
+            <a:r>
+              <a:rPr lang="en-US" spc="-4" dirty="0">
+                <a:solidFill>
+                  <a:schemeClr val="bg1"/>
+                </a:solidFill>
+              </a:rPr>
+              <a:t>Frontend Components</a:t>
+            </a:r>
+            <a:endParaRPr spc="-4" dirty="0">
+              <a:solidFill>
+                <a:schemeClr val="bg1"/>
+              </a:solidFill>
+            </a:endParaRPr>
+          </a:p>
+        </p:txBody>
+      </p:sp>
     </p:spTree>
     <p:extLst>
       <p:ext uri="{BB962C8B-B14F-4D97-AF65-F5344CB8AC3E}">
-        <p14:creationId xmlns:p14="http://schemas.microsoft.com/office/powerpoint/2010/main" val="4146656272"/>
+        <p14:creationId xmlns:p14="http://schemas.microsoft.com/office/powerpoint/2010/main" val="4171231448"/>
       </p:ext>
     </p:extLst>
   </p:cSld>
@@ -9263,10 +8525,10 @@
       </p:sp>
       <p:pic>
         <p:nvPicPr>
-          <p:cNvPr id="4100" name="Picture 4" descr="Revindex Storefront 13 - HTML5, CSS3, JS, Bootstrap - Revindex -">
+          <p:cNvPr id="5122" name="Picture 2" descr="React vs Angular vs Vue.js — What to choose in 2020? (updated in 2020) | by  TechMagic | TechMagic | Medium">
             <a:extLst>
               <a:ext uri="{FF2B5EF4-FFF2-40B4-BE49-F238E27FC236}">
-                <a16:creationId xmlns:a16="http://schemas.microsoft.com/office/drawing/2014/main" id="{E2E19118-13EF-440C-ACCE-A3949B1BE107}"/>
+                <a16:creationId xmlns:a16="http://schemas.microsoft.com/office/drawing/2014/main" id="{60060520-B4D1-46D6-9F80-1307E2119405}"/>
               </a:ext>
             </a:extLst>
           </p:cNvPr>
@@ -9275,7 +8537,7 @@
           </p:cNvPicPr>
           <p:nvPr/>
         </p:nvPicPr>
-        <p:blipFill rotWithShape="1">
+        <p:blipFill>
           <a:blip r:embed="rId2">
             <a:extLst>
               <a:ext uri="{28A0092B-C50C-407E-A947-70E740481C1C}">
@@ -9283,13 +8545,15 @@
               </a:ext>
             </a:extLst>
           </a:blip>
-          <a:srcRect b="42151"/>
-          <a:stretch/>
+          <a:srcRect/>
+          <a:stretch>
+            <a:fillRect/>
+          </a:stretch>
         </p:blipFill>
         <p:spPr bwMode="auto">
           <a:xfrm>
-            <a:off x="318280" y="1138667"/>
-            <a:ext cx="8507440" cy="3075910"/>
+            <a:off x="872787" y="661503"/>
+            <a:ext cx="6870552" cy="4248204"/>
           </a:xfrm>
           <a:prstGeom prst="rect">
             <a:avLst/>
@@ -9311,7 +8575,7 @@
           <p:cNvPr id="10" name="object 2">
             <a:extLst>
               <a:ext uri="{FF2B5EF4-FFF2-40B4-BE49-F238E27FC236}">
-                <a16:creationId xmlns:a16="http://schemas.microsoft.com/office/drawing/2014/main" id="{0EF5D5F3-65CA-4262-8CBF-25F1AAFE4BE9}"/>
+                <a16:creationId xmlns:a16="http://schemas.microsoft.com/office/drawing/2014/main" id="{312AF270-CF79-4C66-BDAC-207C34AA197C}"/>
               </a:ext>
             </a:extLst>
           </p:cNvPr>
@@ -9351,7 +8615,7 @@
                   <a:schemeClr val="bg1"/>
                 </a:solidFill>
               </a:rPr>
-              <a:t>Frontend Components</a:t>
+              <a:t>Frontend Market Trend</a:t>
             </a:r>
             <a:endParaRPr spc="-4" dirty="0">
               <a:solidFill>
@@ -9364,7 +8628,7 @@
     </p:spTree>
     <p:extLst>
       <p:ext uri="{BB962C8B-B14F-4D97-AF65-F5344CB8AC3E}">
-        <p14:creationId xmlns:p14="http://schemas.microsoft.com/office/powerpoint/2010/main" val="4171231448"/>
+        <p14:creationId xmlns:p14="http://schemas.microsoft.com/office/powerpoint/2010/main" val="1462166824"/>
       </p:ext>
     </p:extLst>
   </p:cSld>
@@ -9701,53 +8965,6 @@
           </a:p>
         </p:txBody>
       </p:sp>
-      <p:pic>
-        <p:nvPicPr>
-          <p:cNvPr id="5122" name="Picture 2" descr="React vs Angular vs Vue.js — What to choose in 2020? (updated in 2020) | by  TechMagic | TechMagic | Medium">
-            <a:extLst>
-              <a:ext uri="{FF2B5EF4-FFF2-40B4-BE49-F238E27FC236}">
-                <a16:creationId xmlns:a16="http://schemas.microsoft.com/office/drawing/2014/main" id="{60060520-B4D1-46D6-9F80-1307E2119405}"/>
-              </a:ext>
-            </a:extLst>
-          </p:cNvPr>
-          <p:cNvPicPr>
-            <a:picLocks noChangeAspect="1" noChangeArrowheads="1"/>
-          </p:cNvPicPr>
-          <p:nvPr/>
-        </p:nvPicPr>
-        <p:blipFill>
-          <a:blip r:embed="rId2">
-            <a:extLst>
-              <a:ext uri="{28A0092B-C50C-407E-A947-70E740481C1C}">
-                <a14:useLocalDpi xmlns:a14="http://schemas.microsoft.com/office/drawing/2010/main" val="0"/>
-              </a:ext>
-            </a:extLst>
-          </a:blip>
-          <a:srcRect/>
-          <a:stretch>
-            <a:fillRect/>
-          </a:stretch>
-        </p:blipFill>
-        <p:spPr bwMode="auto">
-          <a:xfrm>
-            <a:off x="872787" y="661503"/>
-            <a:ext cx="6870552" cy="4248204"/>
-          </a:xfrm>
-          <a:prstGeom prst="rect">
-            <a:avLst/>
-          </a:prstGeom>
-          <a:noFill/>
-          <a:extLst>
-            <a:ext uri="{909E8E84-426E-40DD-AFC4-6F175D3DCCD1}">
-              <a14:hiddenFill xmlns:a14="http://schemas.microsoft.com/office/drawing/2010/main">
-                <a:solidFill>
-                  <a:srgbClr val="FFFFFF"/>
-                </a:solidFill>
-              </a14:hiddenFill>
-            </a:ext>
-          </a:extLst>
-        </p:spPr>
-      </p:pic>
       <p:sp>
         <p:nvSpPr>
           <p:cNvPr id="10" name="object 2">
@@ -9793,7 +9010,7 @@
                   <a:schemeClr val="bg1"/>
                 </a:solidFill>
               </a:rPr>
-              <a:t>Frontend Market Trend</a:t>
+              <a:t>Backend Market Trend</a:t>
             </a:r>
             <a:endParaRPr spc="-4" dirty="0">
               <a:solidFill>
@@ -9803,10 +9020,52 @@
           </a:p>
         </p:txBody>
       </p:sp>
+      <p:pic>
+        <p:nvPicPr>
+          <p:cNvPr id="18" name="Picture 17">
+            <a:extLst>
+              <a:ext uri="{FF2B5EF4-FFF2-40B4-BE49-F238E27FC236}">
+                <a16:creationId xmlns:a16="http://schemas.microsoft.com/office/drawing/2014/main" id="{A955D066-4510-4985-8597-B2ED92A383CB}"/>
+              </a:ext>
+            </a:extLst>
+          </p:cNvPr>
+          <p:cNvPicPr>
+            <a:picLocks noChangeAspect="1"/>
+          </p:cNvPicPr>
+          <p:nvPr/>
+        </p:nvPicPr>
+        <p:blipFill>
+          <a:blip r:embed="rId2">
+            <a:extLst>
+              <a:ext uri="{BEBA8EAE-BF5A-486C-A8C5-ECC9F3942E4B}">
+                <a14:imgProps xmlns:a14="http://schemas.microsoft.com/office/drawing/2010/main">
+                  <a14:imgLayer r:embed="rId3">
+                    <a14:imgEffect>
+                      <a14:sharpenSoften amount="-25000"/>
+                    </a14:imgEffect>
+                  </a14:imgLayer>
+                </a14:imgProps>
+              </a:ext>
+            </a:extLst>
+          </a:blip>
+          <a:stretch>
+            <a:fillRect/>
+          </a:stretch>
+        </p:blipFill>
+        <p:spPr>
+          <a:xfrm>
+            <a:off x="1113853" y="682920"/>
+            <a:ext cx="6629486" cy="4333875"/>
+          </a:xfrm>
+          <a:prstGeom prst="rect">
+            <a:avLst/>
+          </a:prstGeom>
+        </p:spPr>
+      </p:pic>
     </p:spTree>
     <p:extLst>
       <p:ext uri="{BB962C8B-B14F-4D97-AF65-F5344CB8AC3E}">
-        <p14:creationId xmlns:p14="http://schemas.microsoft.com/office/powerpoint/2010/main" val="1462166824"/>
+        <p14:creationId xmlns:p14="http://schemas.microsoft.com/office/powerpoint/2010/main" val="2161830165"/>
       </p:ext>
     </p:extLst>
   </p:cSld>
@@ -10555,18 +9814,18 @@
 </file>
 
 <file path=customXml/item2.xml><?xml version="1.0" encoding="utf-8"?>
-<p:properties xmlns:p="http://schemas.microsoft.com/office/2006/metadata/properties" xmlns:xsi="http://www.w3.org/2001/XMLSchema-instance" xmlns:pc="http://schemas.microsoft.com/office/infopath/2007/PartnerControls">
-  <documentManagement/>
-</p:properties>
-</file>
-
-<file path=customXml/item3.xml><?xml version="1.0" encoding="utf-8"?>
 <?mso-contentType ?>
 <FormTemplates xmlns="http://schemas.microsoft.com/sharepoint/v3/contenttype/forms">
   <Display>DocumentLibraryForm</Display>
   <Edit>DocumentLibraryForm</Edit>
   <New>DocumentLibraryForm</New>
 </FormTemplates>
+</file>
+
+<file path=customXml/item3.xml><?xml version="1.0" encoding="utf-8"?>
+<p:properties xmlns:p="http://schemas.microsoft.com/office/2006/metadata/properties" xmlns:xsi="http://www.w3.org/2001/XMLSchema-instance" xmlns:pc="http://schemas.microsoft.com/office/infopath/2007/PartnerControls">
+  <documentManagement/>
+</p:properties>
 </file>
 
 <file path=customXml/itemProps1.xml><?xml version="1.0" encoding="utf-8"?>
@@ -10588,6 +9847,14 @@
 </file>
 
 <file path=customXml/itemProps2.xml><?xml version="1.0" encoding="utf-8"?>
+<ds:datastoreItem xmlns:ds="http://schemas.openxmlformats.org/officeDocument/2006/customXml" ds:itemID="{A681D2DF-F93E-4CC1-8A50-704C6CA0430E}">
+  <ds:schemaRefs>
+    <ds:schemaRef ds:uri="http://schemas.microsoft.com/sharepoint/v3/contenttype/forms"/>
+  </ds:schemaRefs>
+</ds:datastoreItem>
+</file>
+
+<file path=customXml/itemProps3.xml><?xml version="1.0" encoding="utf-8"?>
 <ds:datastoreItem xmlns:ds="http://schemas.openxmlformats.org/officeDocument/2006/customXml" ds:itemID="{7EF52303-DD41-4871-8221-5749C8E3EEE6}">
   <ds:schemaRefs>
     <ds:schemaRef ds:uri="http://purl.org/dc/elements/1.1/"/>
@@ -10602,12 +9869,4 @@
     <ds:schemaRef ds:uri="http://www.w3.org/XML/1998/namespace"/>
   </ds:schemaRefs>
 </ds:datastoreItem>
-</file>
-
-<file path=customXml/itemProps3.xml><?xml version="1.0" encoding="utf-8"?>
-<ds:datastoreItem xmlns:ds="http://schemas.openxmlformats.org/officeDocument/2006/customXml" ds:itemID="{A681D2DF-F93E-4CC1-8A50-704C6CA0430E}">
-  <ds:schemaRefs>
-    <ds:schemaRef ds:uri="http://schemas.microsoft.com/sharepoint/v3/contenttype/forms"/>
-  </ds:schemaRefs>
-</ds:datastoreItem>
 </file>
--- a/00. Introduction/PPT Personal .pptx
+++ b/00. Introduction/PPT Personal .pptx
@@ -244,7 +244,7 @@
           <a:p>
             <a:fld id="{AD890F14-D9B7-42F0-8464-D3AF2629EBA3}" type="datetimeFigureOut">
               <a:rPr lang="en-US" smtClean="0"/>
-              <a:t>3/19/2021</a:t>
+              <a:t>6/10/2022</a:t>
             </a:fld>
             <a:endParaRPr lang="en-US"/>
           </a:p>
@@ -950,7 +950,7 @@
           <a:p>
             <a:fld id="{4079FD93-08D1-3D47-8B88-9F159745C9D8}" type="datetimeFigureOut">
               <a:rPr lang="en-US" smtClean="0"/>
-              <a:t>3/19/2021</a:t>
+              <a:t>6/10/2022</a:t>
             </a:fld>
             <a:endParaRPr lang="en-US"/>
           </a:p>
@@ -1330,7 +1330,7 @@
                 <a:latin typeface="Segoe UI"/>
               </a:rPr>
               <a:pPr/>
-              <a:t>3/19/2021</a:t>
+              <a:t>6/10/2022</a:t>
             </a:fld>
             <a:endParaRPr lang="en-US">
               <a:solidFill>
@@ -1496,7 +1496,7 @@
                 <a:latin typeface="Segoe UI"/>
               </a:rPr>
               <a:pPr/>
-              <a:t>3/19/2021</a:t>
+              <a:t>6/10/2022</a:t>
             </a:fld>
             <a:endParaRPr lang="en-US">
               <a:solidFill>
@@ -1774,7 +1774,7 @@
                 <a:latin typeface="Segoe UI"/>
               </a:rPr>
               <a:pPr/>
-              <a:t>3/19/2021</a:t>
+              <a:t>6/10/2022</a:t>
             </a:fld>
             <a:endParaRPr lang="en-US">
               <a:solidFill>
@@ -2037,7 +2037,7 @@
           <a:p>
             <a:fld id="{4079FD93-08D1-3D47-8B88-9F159745C9D8}" type="datetimeFigureOut">
               <a:rPr lang="en-US" smtClean="0"/>
-              <a:t>3/19/2021</a:t>
+              <a:t>6/10/2022</a:t>
             </a:fld>
             <a:endParaRPr lang="en-US"/>
           </a:p>
@@ -2774,7 +2774,7 @@
           <a:p>
             <a:pPr algn="l"/>
             <a:r>
-              <a:rPr lang="en-US" sz="4400" b="1" dirty="0" err="1">
+              <a:rPr lang="en-US" sz="3600" b="1" dirty="0" err="1">
                 <a:solidFill>
                   <a:schemeClr val="bg1"/>
                 </a:solidFill>
@@ -2784,7 +2784,7 @@
               <a:t>Hola,This</a:t>
             </a:r>
             <a:r>
-              <a:rPr lang="en-US" sz="4400" b="1" dirty="0">
+              <a:rPr lang="en-US" sz="3600" b="1" dirty="0">
                 <a:solidFill>
                   <a:schemeClr val="bg1"/>
                 </a:solidFill>
@@ -2794,7 +2794,7 @@
               <a:t> is</a:t>
             </a:r>
             <a:r>
-              <a:rPr lang="en-US" sz="6000" b="1" dirty="0">
+              <a:rPr lang="en-US" sz="4800" b="1" dirty="0">
                 <a:solidFill>
                   <a:schemeClr val="bg1"/>
                 </a:solidFill>
@@ -3041,17 +3041,27 @@
               </a:lnSpc>
             </a:pPr>
             <a:r>
-              <a:rPr lang="en-US" sz="8000" dirty="0" err="1">
+              <a:rPr lang="en-US" sz="5600" dirty="0">
                 <a:solidFill>
                   <a:schemeClr val="bg1"/>
                 </a:solidFill>
                 <a:latin typeface="Segoe UI" panose="020B0502040204020203" pitchFamily="34" charset="0"/>
                 <a:cs typeface="Segoe UI" panose="020B0502040204020203" pitchFamily="34" charset="0"/>
               </a:rPr>
-              <a:t>Trainer@IEMLABS</a:t>
-            </a:r>
-            <a:r>
-              <a:rPr lang="en-US" sz="8000" dirty="0">
+              <a:t>SDE @Quantorix | SDE </a:t>
+            </a:r>
+            <a:r>
+              <a:rPr lang="en-US" sz="5600" dirty="0" err="1">
+                <a:solidFill>
+                  <a:schemeClr val="bg1"/>
+                </a:solidFill>
+                <a:latin typeface="Segoe UI" panose="020B0502040204020203" pitchFamily="34" charset="0"/>
+                <a:cs typeface="Segoe UI" panose="020B0502040204020203" pitchFamily="34" charset="0"/>
+              </a:rPr>
+              <a:t>Intern@IEMLABS</a:t>
+            </a:r>
+            <a:r>
+              <a:rPr lang="en-US" sz="5600" dirty="0">
                 <a:solidFill>
                   <a:schemeClr val="bg1"/>
                 </a:solidFill>
@@ -3068,7 +3078,7 @@
               </a:lnSpc>
             </a:pPr>
             <a:r>
-              <a:rPr lang="en-US" sz="8000" dirty="0">
+              <a:rPr lang="en-US" sz="5600" dirty="0">
                 <a:solidFill>
                   <a:schemeClr val="bg1"/>
                 </a:solidFill>
@@ -3078,7 +3088,7 @@
               <a:t>Ex-Full Stack Web </a:t>
             </a:r>
             <a:r>
-              <a:rPr lang="en-US" sz="8000" dirty="0" err="1">
+              <a:rPr lang="en-US" sz="5600" dirty="0" err="1">
                 <a:solidFill>
                   <a:schemeClr val="bg1"/>
                 </a:solidFill>
@@ -3088,35 +3098,52 @@
               <a:t>Developer@Quordnet</a:t>
             </a:r>
             <a:r>
-              <a:rPr lang="en-US" sz="8000" dirty="0">
+              <a:rPr lang="en-US" sz="5600" dirty="0">
                 <a:solidFill>
                   <a:schemeClr val="bg1"/>
                 </a:solidFill>
                 <a:latin typeface="Segoe UI" panose="020B0502040204020203" pitchFamily="34" charset="0"/>
                 <a:cs typeface="Segoe UI" panose="020B0502040204020203" pitchFamily="34" charset="0"/>
               </a:rPr>
-              <a:t>  Academy | SWE Freelancer @OYO</a:t>
-            </a:r>
-          </a:p>
-          <a:p>
-            <a:pPr algn="l">
-              <a:lnSpc>
-                <a:spcPct val="170000"/>
-              </a:lnSpc>
-            </a:pPr>
-            <a:r>
-              <a:rPr lang="en-US" sz="8000" dirty="0">
+              <a:t>  Academy | SWE Freelancer @OYO , </a:t>
+            </a:r>
+            <a:r>
+              <a:rPr lang="en-US" sz="5600" dirty="0" err="1">
                 <a:solidFill>
                   <a:schemeClr val="bg1"/>
                 </a:solidFill>
                 <a:latin typeface="Segoe UI" panose="020B0502040204020203" pitchFamily="34" charset="0"/>
                 <a:cs typeface="Segoe UI" panose="020B0502040204020203" pitchFamily="34" charset="0"/>
               </a:rPr>
-              <a:t>Open Source Contributor</a:t>
-            </a:r>
-          </a:p>
-          <a:p>
-            <a:pPr algn="l"/>
+              <a:t>TreatAp</a:t>
+            </a:r>
+            <a:r>
+              <a:rPr lang="en-US" sz="5600" dirty="0">
+                <a:solidFill>
+                  <a:schemeClr val="bg1"/>
+                </a:solidFill>
+                <a:latin typeface="Segoe UI" panose="020B0502040204020203" pitchFamily="34" charset="0"/>
+                <a:cs typeface="Segoe UI" panose="020B0502040204020203" pitchFamily="34" charset="0"/>
+              </a:rPr>
+              <a:t> , UEMK | Web and Blockchain Trainer</a:t>
+            </a:r>
+          </a:p>
+          <a:p>
+            <a:pPr algn="l">
+              <a:lnSpc>
+                <a:spcPct val="170000"/>
+              </a:lnSpc>
+            </a:pPr>
+            <a:r>
+              <a:rPr lang="en-US" sz="5600" dirty="0">
+                <a:solidFill>
+                  <a:schemeClr val="bg1"/>
+                </a:solidFill>
+                <a:latin typeface="Segoe UI" panose="020B0502040204020203" pitchFamily="34" charset="0"/>
+                <a:cs typeface="Segoe UI" panose="020B0502040204020203" pitchFamily="34" charset="0"/>
+              </a:rPr>
+              <a:t>Open Source Contributor | Entrepreneur</a:t>
+            </a:r>
             <a:r>
               <a:rPr lang="en-US" sz="2000" dirty="0">
                 <a:solidFill>
@@ -3511,67 +3538,6 @@
                       </p:childTnLst>
                     </p:cTn>
                   </p:par>
-                  <p:par>
-                    <p:cTn id="28" fill="hold">
-                      <p:stCondLst>
-                        <p:cond delay="indefinite"/>
-                      </p:stCondLst>
-                      <p:childTnLst>
-                        <p:par>
-                          <p:cTn id="29" fill="hold">
-                            <p:stCondLst>
-                              <p:cond delay="0"/>
-                            </p:stCondLst>
-                            <p:childTnLst>
-                              <p:par>
-                                <p:cTn id="30" presetID="10" presetClass="entr" presetSubtype="0" fill="hold" nodeType="clickEffect">
-                                  <p:stCondLst>
-                                    <p:cond delay="0"/>
-                                  </p:stCondLst>
-                                  <p:childTnLst>
-                                    <p:set>
-                                      <p:cBhvr>
-                                        <p:cTn id="31" dur="1" fill="hold">
-                                          <p:stCondLst>
-                                            <p:cond delay="0"/>
-                                          </p:stCondLst>
-                                        </p:cTn>
-                                        <p:tgtEl>
-                                          <p:spTgt spid="12">
-                                            <p:txEl>
-                                              <p:pRg st="4" end="4"/>
-                                            </p:txEl>
-                                          </p:spTgt>
-                                        </p:tgtEl>
-                                        <p:attrNameLst>
-                                          <p:attrName>style.visibility</p:attrName>
-                                        </p:attrNameLst>
-                                      </p:cBhvr>
-                                      <p:to>
-                                        <p:strVal val="visible"/>
-                                      </p:to>
-                                    </p:set>
-                                    <p:animEffect transition="in" filter="fade">
-                                      <p:cBhvr>
-                                        <p:cTn id="32" dur="500"/>
-                                        <p:tgtEl>
-                                          <p:spTgt spid="12">
-                                            <p:txEl>
-                                              <p:pRg st="4" end="4"/>
-                                            </p:txEl>
-                                          </p:spTgt>
-                                        </p:tgtEl>
-                                      </p:cBhvr>
-                                    </p:animEffect>
-                                  </p:childTnLst>
-                                </p:cTn>
-                              </p:par>
-                            </p:childTnLst>
-                          </p:cTn>
-                        </p:par>
-                      </p:childTnLst>
-                    </p:cTn>
-                  </p:par>
                 </p:childTnLst>
               </p:cTn>
               <p:prevCondLst>
@@ -5212,7 +5178,7 @@
           <p:nvPr>
             <p:extLst>
               <p:ext uri="{D42A27DB-BD31-4B8C-83A1-F6EECF244321}">
-                <p14:modId xmlns:p14="http://schemas.microsoft.com/office/powerpoint/2010/main" val="982948519"/>
+                <p14:modId xmlns:p14="http://schemas.microsoft.com/office/powerpoint/2010/main" val="2874019293"/>
               </p:ext>
             </p:extLst>
           </p:nvPr>
@@ -5371,15 +5337,6 @@
                       <a:r>
                         <a:rPr lang="en-US" sz="1400" dirty="0"/>
                         <a:t>Database (SQL)</a:t>
-                      </a:r>
-                    </a:p>
-                    <a:p>
-                      <a:endParaRPr lang="en-IN" dirty="0"/>
-                    </a:p>
-                    <a:p>
-                      <a:r>
-                        <a:rPr lang="en-US" sz="1200" dirty="0"/>
-                        <a:t>WordPress</a:t>
                       </a:r>
                     </a:p>
                     <a:p>
@@ -9644,6 +9601,15 @@
 </file>
 
 <file path=customXml/item1.xml><?xml version="1.0" encoding="utf-8"?>
+<?mso-contentType ?>
+<FormTemplates xmlns="http://schemas.microsoft.com/sharepoint/v3/contenttype/forms">
+  <Display>DocumentLibraryForm</Display>
+  <Edit>DocumentLibraryForm</Edit>
+  <New>DocumentLibraryForm</New>
+</FormTemplates>
+</file>
+
+<file path=customXml/item2.xml><?xml version="1.0" encoding="utf-8"?>
 <ct:contentTypeSchema xmlns:ct="http://schemas.microsoft.com/office/2006/metadata/contentType" xmlns:ma="http://schemas.microsoft.com/office/2006/metadata/properties/metaAttributes" ct:_="" ma:_="" ma:contentTypeName="Document" ma:contentTypeID="0x0101003137F06C4865FD4A8A403F66497FF9A9" ma:contentTypeVersion="8" ma:contentTypeDescription="Create a new document." ma:contentTypeScope="" ma:versionID="1792ac7516b7dbd1685cde4762c4e339">
   <xsd:schema xmlns:xsd="http://www.w3.org/2001/XMLSchema" xmlns:xs="http://www.w3.org/2001/XMLSchema" xmlns:p="http://schemas.microsoft.com/office/2006/metadata/properties" xmlns:ns2="78bc6fde-72ac-489a-b0a4-ba51770a119a" targetNamespace="http://schemas.microsoft.com/office/2006/metadata/properties" ma:root="true" ma:fieldsID="2400080e9c033793c5592cc32f6335d2" ns2:_="">
     <xsd:import namespace="78bc6fde-72ac-489a-b0a4-ba51770a119a"/>
@@ -9813,15 +9779,6 @@
 </ct:contentTypeSchema>
 </file>
 
-<file path=customXml/item2.xml><?xml version="1.0" encoding="utf-8"?>
-<?mso-contentType ?>
-<FormTemplates xmlns="http://schemas.microsoft.com/sharepoint/v3/contenttype/forms">
-  <Display>DocumentLibraryForm</Display>
-  <Edit>DocumentLibraryForm</Edit>
-  <New>DocumentLibraryForm</New>
-</FormTemplates>
-</file>
-
 <file path=customXml/item3.xml><?xml version="1.0" encoding="utf-8"?>
 <p:properties xmlns:p="http://schemas.microsoft.com/office/2006/metadata/properties" xmlns:xsi="http://www.w3.org/2001/XMLSchema-instance" xmlns:pc="http://schemas.microsoft.com/office/infopath/2007/PartnerControls">
   <documentManagement/>
@@ -9829,6 +9786,14 @@
 </file>
 
 <file path=customXml/itemProps1.xml><?xml version="1.0" encoding="utf-8"?>
+<ds:datastoreItem xmlns:ds="http://schemas.openxmlformats.org/officeDocument/2006/customXml" ds:itemID="{A681D2DF-F93E-4CC1-8A50-704C6CA0430E}">
+  <ds:schemaRefs>
+    <ds:schemaRef ds:uri="http://schemas.microsoft.com/sharepoint/v3/contenttype/forms"/>
+  </ds:schemaRefs>
+</ds:datastoreItem>
+</file>
+
+<file path=customXml/itemProps2.xml><?xml version="1.0" encoding="utf-8"?>
 <ds:datastoreItem xmlns:ds="http://schemas.openxmlformats.org/officeDocument/2006/customXml" ds:itemID="{74E5000A-F104-4496-A348-839329B7CDA3}">
   <ds:schemaRefs>
     <ds:schemaRef ds:uri="http://schemas.microsoft.com/office/2006/metadata/contentType"/>
@@ -9842,14 +9807,6 @@
     <ds:schemaRef ds:uri="http://purl.org/dc/elements/1.1/"/>
     <ds:schemaRef ds:uri="http://purl.org/dc/terms/"/>
     <ds:schemaRef ds:uri="http://schemas.microsoft.com/internal/obd"/>
-  </ds:schemaRefs>
-</ds:datastoreItem>
-</file>
-
-<file path=customXml/itemProps2.xml><?xml version="1.0" encoding="utf-8"?>
-<ds:datastoreItem xmlns:ds="http://schemas.openxmlformats.org/officeDocument/2006/customXml" ds:itemID="{A681D2DF-F93E-4CC1-8A50-704C6CA0430E}">
-  <ds:schemaRefs>
-    <ds:schemaRef ds:uri="http://schemas.microsoft.com/sharepoint/v3/contenttype/forms"/>
   </ds:schemaRefs>
 </ds:datastoreItem>
 </file>
